--- a/geez.pptx
+++ b/geez.pptx
@@ -5,18 +5,19 @@
     <p:sldMasterId id="2147483648" r:id="rId1"/>
   </p:sldMasterIdLst>
   <p:notesMasterIdLst>
-    <p:notesMasterId r:id="rId11"/>
+    <p:notesMasterId r:id="rId12"/>
   </p:notesMasterIdLst>
   <p:sldIdLst>
     <p:sldId id="256" r:id="rId2"/>
-    <p:sldId id="257" r:id="rId3"/>
-    <p:sldId id="258" r:id="rId4"/>
-    <p:sldId id="259" r:id="rId5"/>
-    <p:sldId id="260" r:id="rId6"/>
-    <p:sldId id="261" r:id="rId7"/>
-    <p:sldId id="262" r:id="rId8"/>
-    <p:sldId id="263" r:id="rId9"/>
-    <p:sldId id="264" r:id="rId10"/>
+    <p:sldId id="265" r:id="rId3"/>
+    <p:sldId id="257" r:id="rId4"/>
+    <p:sldId id="258" r:id="rId5"/>
+    <p:sldId id="259" r:id="rId6"/>
+    <p:sldId id="260" r:id="rId7"/>
+    <p:sldId id="261" r:id="rId8"/>
+    <p:sldId id="262" r:id="rId9"/>
+    <p:sldId id="263" r:id="rId10"/>
+    <p:sldId id="264" r:id="rId11"/>
   </p:sldIdLst>
   <p:sldSz cx="14630400" cy="8229600"/>
   <p:notesSz cx="8229600" cy="14630400"/>
@@ -164,7 +165,7 @@
             </a:lvl1pPr>
           </a:lstStyle>
           <a:p>
-            <a:endParaRPr lang="en-GB"/>
+            <a:endParaRPr lang="en-GB" dirty="0"/>
           </a:p>
         </p:txBody>
       </p:sp>
@@ -199,7 +200,7 @@
               <a:rPr lang="en-GB" smtClean="0"/>
               <a:t>20/05/2024</a:t>
             </a:fld>
-            <a:endParaRPr lang="en-GB"/>
+            <a:endParaRPr lang="en-GB" dirty="0"/>
           </a:p>
         </p:txBody>
       </p:sp>
@@ -232,7 +233,7 @@
           <a:bodyPr vert="horz" lIns="91440" tIns="45720" rIns="91440" bIns="45720" rtlCol="0" anchor="ctr"/>
           <a:lstStyle/>
           <a:p>
-            <a:endParaRPr lang="en-GB"/>
+            <a:endParaRPr lang="en-GB" dirty="0"/>
           </a:p>
         </p:txBody>
       </p:sp>
@@ -323,7 +324,7 @@
             </a:lvl1pPr>
           </a:lstStyle>
           <a:p>
-            <a:endParaRPr lang="en-GB"/>
+            <a:endParaRPr lang="en-GB" dirty="0"/>
           </a:p>
         </p:txBody>
       </p:sp>
@@ -358,7 +359,7 @@
               <a:rPr lang="en-GB" smtClean="0"/>
               <a:t>‹#›</a:t>
             </a:fld>
-            <a:endParaRPr lang="en-GB"/>
+            <a:endParaRPr lang="en-GB" dirty="0"/>
           </a:p>
         </p:txBody>
       </p:sp>
@@ -532,7 +533,91 @@
               <a:rPr lang="en-US"/>
               <a:t>1</a:t>
             </a:fld>
-            <a:endParaRPr lang="en-US"/>
+            <a:endParaRPr lang="en-US" dirty="0"/>
+          </a:p>
+        </p:txBody>
+      </p:sp>
+    </p:spTree>
+    <p:extLst>
+      <p:ext uri="{BB962C8B-B14F-4D97-AF65-F5344CB8AC3E}">
+        <p14:creationId xmlns:p14="http://schemas.microsoft.com/office/powerpoint/2010/main" val="1024086991"/>
+      </p:ext>
+    </p:extLst>
+  </p:cSld>
+  <p:clrMapOvr>
+    <a:masterClrMapping/>
+  </p:clrMapOvr>
+</p:notes>
+</file>
+
+<file path=ppt/notesSlides/notesSlide10.xml><?xml version="1.0" encoding="utf-8"?>
+<p:notes xmlns:a="http://schemas.openxmlformats.org/drawingml/2006/main" xmlns:r="http://schemas.openxmlformats.org/officeDocument/2006/relationships" xmlns:p="http://schemas.openxmlformats.org/presentationml/2006/main">
+  <p:cSld>
+    <p:spTree>
+      <p:nvGrpSpPr>
+        <p:cNvPr id="1" name=""/>
+        <p:cNvGrpSpPr/>
+        <p:nvPr/>
+      </p:nvGrpSpPr>
+      <p:grpSpPr>
+        <a:xfrm>
+          <a:off x="0" y="0"/>
+          <a:ext cx="0" cy="0"/>
+          <a:chOff x="0" y="0"/>
+          <a:chExt cx="0" cy="0"/>
+        </a:xfrm>
+      </p:grpSpPr>
+      <p:sp>
+        <p:nvSpPr>
+          <p:cNvPr id="2" name="Slide Image Placeholder 1"/>
+          <p:cNvSpPr>
+            <a:spLocks noGrp="1" noRot="1" noChangeAspect="1"/>
+          </p:cNvSpPr>
+          <p:nvPr>
+            <p:ph type="sldImg"/>
+          </p:nvPr>
+        </p:nvSpPr>
+        <p:spPr/>
+      </p:sp>
+      <p:sp>
+        <p:nvSpPr>
+          <p:cNvPr id="3" name="Notes Placeholder 2"/>
+          <p:cNvSpPr>
+            <a:spLocks noGrp="1"/>
+          </p:cNvSpPr>
+          <p:nvPr>
+            <p:ph type="body" idx="1"/>
+          </p:nvPr>
+        </p:nvSpPr>
+        <p:spPr/>
+        <p:txBody>
+          <a:bodyPr/>
+          <a:lstStyle/>
+          <a:p>
+            <a:endParaRPr lang="en-US" dirty="0"/>
+          </a:p>
+        </p:txBody>
+      </p:sp>
+      <p:sp>
+        <p:nvSpPr>
+          <p:cNvPr id="4" name="Slide Number Placeholder 3"/>
+          <p:cNvSpPr>
+            <a:spLocks noGrp="1"/>
+          </p:cNvSpPr>
+          <p:nvPr>
+            <p:ph type="sldNum" sz="quarter" idx="10"/>
+          </p:nvPr>
+        </p:nvSpPr>
+        <p:spPr/>
+        <p:txBody>
+          <a:bodyPr/>
+          <a:lstStyle/>
+          <a:p>
+            <a:fld id="{F7021451-1387-4CA6-816F-3879F97B5CBC}" type="slidenum">
+              <a:rPr lang="en-US"/>
+              <a:t>10</a:t>
+            </a:fld>
+            <a:endParaRPr lang="en-US" dirty="0"/>
           </a:p>
         </p:txBody>
       </p:sp>
@@ -616,7 +701,7 @@
               <a:rPr lang="en-US"/>
               <a:t>2</a:t>
             </a:fld>
-            <a:endParaRPr lang="en-US"/>
+            <a:endParaRPr lang="en-US" dirty="0"/>
           </a:p>
         </p:txBody>
       </p:sp>
@@ -700,7 +785,7 @@
               <a:rPr lang="en-US"/>
               <a:t>3</a:t>
             </a:fld>
-            <a:endParaRPr lang="en-US"/>
+            <a:endParaRPr lang="en-US" dirty="0"/>
           </a:p>
         </p:txBody>
       </p:sp>
@@ -784,7 +869,7 @@
               <a:rPr lang="en-US"/>
               <a:t>4</a:t>
             </a:fld>
-            <a:endParaRPr lang="en-US"/>
+            <a:endParaRPr lang="en-US" dirty="0"/>
           </a:p>
         </p:txBody>
       </p:sp>
@@ -868,7 +953,7 @@
               <a:rPr lang="en-US"/>
               <a:t>5</a:t>
             </a:fld>
-            <a:endParaRPr lang="en-US"/>
+            <a:endParaRPr lang="en-US" dirty="0"/>
           </a:p>
         </p:txBody>
       </p:sp>
@@ -952,7 +1037,7 @@
               <a:rPr lang="en-US"/>
               <a:t>6</a:t>
             </a:fld>
-            <a:endParaRPr lang="en-US"/>
+            <a:endParaRPr lang="en-US" dirty="0"/>
           </a:p>
         </p:txBody>
       </p:sp>
@@ -1036,7 +1121,7 @@
               <a:rPr lang="en-US"/>
               <a:t>7</a:t>
             </a:fld>
-            <a:endParaRPr lang="en-US"/>
+            <a:endParaRPr lang="en-US" dirty="0"/>
           </a:p>
         </p:txBody>
       </p:sp>
@@ -1120,7 +1205,7 @@
               <a:rPr lang="en-US"/>
               <a:t>8</a:t>
             </a:fld>
-            <a:endParaRPr lang="en-US"/>
+            <a:endParaRPr lang="en-US" dirty="0"/>
           </a:p>
         </p:txBody>
       </p:sp>
@@ -1204,7 +1289,7 @@
               <a:rPr lang="en-US"/>
               <a:t>9</a:t>
             </a:fld>
-            <a:endParaRPr lang="en-US"/>
+            <a:endParaRPr lang="en-US" dirty="0"/>
           </a:p>
         </p:txBody>
       </p:sp>
@@ -1578,7 +1663,7 @@
         </p:nvSpPr>
         <p:spPr>
           <a:xfrm>
-            <a:off x="0" y="0"/>
+            <a:off x="0" y="-4425"/>
             <a:ext cx="14630400" cy="8229600"/>
           </a:xfrm>
           <a:prstGeom prst="rect">
@@ -1606,8 +1691,8 @@
         </p:blipFill>
         <p:spPr>
           <a:xfrm>
-            <a:off x="9151620" y="0"/>
-            <a:ext cx="5486400" cy="8229600"/>
+            <a:off x="0" y="0"/>
+            <a:ext cx="14630400" cy="6041036"/>
           </a:xfrm>
           <a:prstGeom prst="rect">
             <a:avLst/>
@@ -1622,7 +1707,7 @@
         </p:nvSpPr>
         <p:spPr>
           <a:xfrm>
-            <a:off x="833199" y="2215396"/>
+            <a:off x="1902678" y="6441427"/>
             <a:ext cx="6109692" cy="694373"/>
           </a:xfrm>
           <a:prstGeom prst="rect">
@@ -1642,17 +1727,20 @@
               <a:buNone/>
             </a:pPr>
             <a:r>
-              <a:rPr lang="en-US" sz="4800" b="1" dirty="0">
-                <a:solidFill>
-                  <a:srgbClr val="FF726D"/>
+              <a:rPr lang="en-US" sz="8000" b="1" dirty="0" smtClean="0">
+                <a:solidFill>
+                  <a:schemeClr val="bg1"/>
                 </a:solidFill>
                 <a:latin typeface="Dubai Light" pitchFamily="34" charset="-78"/>
                 <a:ea typeface="Inconsolata" pitchFamily="34" charset="-122"/>
                 <a:cs typeface="Dubai Light" pitchFamily="34" charset="-78"/>
               </a:rPr>
-              <a:t>Broker System Overview</a:t>
-            </a:r>
-            <a:endParaRPr lang="en-US" sz="4800" b="1" dirty="0">
+              <a:t>Welcome To Gee’z Broker!</a:t>
+            </a:r>
+            <a:endParaRPr lang="en-US" sz="8000" b="1" dirty="0">
+              <a:solidFill>
+                <a:schemeClr val="bg1"/>
+              </a:solidFill>
               <a:latin typeface="Dubai Light" pitchFamily="34" charset="-78"/>
               <a:cs typeface="Dubai Light" pitchFamily="34" charset="-78"/>
             </a:endParaRPr>
@@ -1667,8 +1755,8 @@
         </p:nvSpPr>
         <p:spPr>
           <a:xfrm>
-            <a:off x="833199" y="3243024"/>
-            <a:ext cx="8318421" cy="2132409"/>
+            <a:off x="2841839" y="4977764"/>
+            <a:ext cx="8641954" cy="763469"/>
           </a:xfrm>
           <a:prstGeom prst="rect">
             <a:avLst/>
@@ -1680,14 +1768,13 @@
           <a:bodyPr wrap="square" rtlCol="0" anchor="t"/>
           <a:lstStyle/>
           <a:p>
-            <a:pPr marL="0" indent="0">
+            <a:pPr algn="ctr">
               <a:lnSpc>
                 <a:spcPts val="2799"/>
               </a:lnSpc>
-              <a:buNone/>
-            </a:pPr>
-            <a:r>
-              <a:rPr lang="en-US" sz="2800" dirty="0">
+            </a:pPr>
+            <a:r>
+              <a:rPr lang="en-GB" sz="2800" dirty="0" smtClean="0">
                 <a:solidFill>
                   <a:srgbClr val="DAD1E6"/>
                 </a:solidFill>
@@ -1695,7 +1782,7 @@
                 <a:ea typeface="Fira Sans" pitchFamily="34" charset="-122"/>
                 <a:cs typeface="Dubai Light" pitchFamily="34" charset="-78"/>
               </a:rPr>
-              <a:t> The Broker System is a comprehensive platform designed to facilitate the trading of financial securities, providing brokers and traders with a secure, efficient, and user-friendly environment. This system aims to streamline the trading process, offer real-time market data, and ensure the security of transactions and user information, catering to the needs of a growing user base and high transaction volumes.</a:t>
+              <a:t>Group 2 : House Broker system</a:t>
             </a:r>
             <a:endParaRPr lang="en-US" sz="2800" dirty="0">
               <a:latin typeface="Dubai Light" pitchFamily="34" charset="-78"/>
@@ -1741,6 +1828,527 @@
                 <a:cs typeface="Dubai Light" pitchFamily="34" charset="-78"/>
               </a:rPr>
               <a:t>1</a:t>
+            </a:fld>
+            <a:endParaRPr lang="en-US" sz="3200" dirty="0">
+              <a:latin typeface="Dubai Light" pitchFamily="34" charset="-78"/>
+              <a:cs typeface="Dubai Light" pitchFamily="34" charset="-78"/>
+            </a:endParaRPr>
+          </a:p>
+        </p:txBody>
+      </p:sp>
+      <p:sp>
+        <p:nvSpPr>
+          <p:cNvPr id="12" name="Text 3"/>
+          <p:cNvSpPr/>
+          <p:nvPr/>
+        </p:nvSpPr>
+        <p:spPr>
+          <a:xfrm>
+            <a:off x="2841839" y="7138299"/>
+            <a:ext cx="8641954" cy="763469"/>
+          </a:xfrm>
+          <a:prstGeom prst="rect">
+            <a:avLst/>
+          </a:prstGeom>
+          <a:noFill/>
+          <a:ln/>
+        </p:spPr>
+        <p:txBody>
+          <a:bodyPr wrap="square" rtlCol="0" anchor="t"/>
+          <a:lstStyle/>
+          <a:p>
+            <a:pPr algn="ctr">
+              <a:lnSpc>
+                <a:spcPts val="2799"/>
+              </a:lnSpc>
+            </a:pPr>
+            <a:r>
+              <a:rPr lang="en-GB" sz="2800" dirty="0" smtClean="0">
+                <a:solidFill>
+                  <a:srgbClr val="DAD1E6"/>
+                </a:solidFill>
+                <a:latin typeface="Dubai Light" pitchFamily="34" charset="-78"/>
+                <a:ea typeface="Fira Sans" pitchFamily="34" charset="-122"/>
+                <a:cs typeface="Dubai Light" pitchFamily="34" charset="-78"/>
+              </a:rPr>
+              <a:t>Live Link of our site:</a:t>
+            </a:r>
+          </a:p>
+          <a:p>
+            <a:pPr algn="ctr">
+              <a:lnSpc>
+                <a:spcPts val="2799"/>
+              </a:lnSpc>
+            </a:pPr>
+            <a:r>
+              <a:rPr lang="en-US" sz="2800" dirty="0">
+                <a:latin typeface="Dubai Light" pitchFamily="34" charset="-78"/>
+                <a:cs typeface="Dubai Light" pitchFamily="34" charset="-78"/>
+                <a:hlinkClick r:id="rId4"/>
+              </a:rPr>
+              <a:t>https://geezbroker.jtaborbroker.com/</a:t>
+            </a:r>
+            <a:endParaRPr lang="en-US" sz="2800" dirty="0">
+              <a:latin typeface="Dubai Light" pitchFamily="34" charset="-78"/>
+              <a:cs typeface="Dubai Light" pitchFamily="34" charset="-78"/>
+            </a:endParaRPr>
+          </a:p>
+        </p:txBody>
+      </p:sp>
+    </p:spTree>
+  </p:cSld>
+  <p:clrMapOvr>
+    <a:masterClrMapping/>
+  </p:clrMapOvr>
+  <p:timing>
+    <p:tnLst>
+      <p:par>
+        <p:cTn id="1" dur="indefinite" restart="never" nodeType="tmRoot"/>
+      </p:par>
+    </p:tnLst>
+  </p:timing>
+</p:sld>
+</file>
+
+<file path=ppt/slides/slide10.xml><?xml version="1.0" encoding="utf-8"?>
+<p:sld xmlns:a="http://schemas.openxmlformats.org/drawingml/2006/main" xmlns:r="http://schemas.openxmlformats.org/officeDocument/2006/relationships" xmlns:p="http://schemas.openxmlformats.org/presentationml/2006/main">
+  <p:cSld name="Slide 9">
+    <p:spTree>
+      <p:nvGrpSpPr>
+        <p:cNvPr id="1" name=""/>
+        <p:cNvGrpSpPr/>
+        <p:nvPr/>
+      </p:nvGrpSpPr>
+      <p:grpSpPr>
+        <a:xfrm>
+          <a:off x="0" y="0"/>
+          <a:ext cx="0" cy="0"/>
+          <a:chOff x="0" y="0"/>
+          <a:chExt cx="0" cy="0"/>
+        </a:xfrm>
+      </p:grpSpPr>
+      <p:sp>
+        <p:nvSpPr>
+          <p:cNvPr id="2" name="Shape 0"/>
+          <p:cNvSpPr/>
+          <p:nvPr/>
+        </p:nvSpPr>
+        <p:spPr>
+          <a:xfrm>
+            <a:off x="0" y="0"/>
+            <a:ext cx="14630400" cy="8229600"/>
+          </a:xfrm>
+          <a:prstGeom prst="rect">
+            <a:avLst/>
+          </a:prstGeom>
+          <a:solidFill>
+            <a:srgbClr val="110C17"/>
+          </a:solidFill>
+          <a:ln/>
+        </p:spPr>
+      </p:sp>
+      <p:sp>
+        <p:nvSpPr>
+          <p:cNvPr id="3" name="Shape 1"/>
+          <p:cNvSpPr/>
+          <p:nvPr/>
+        </p:nvSpPr>
+        <p:spPr>
+          <a:xfrm>
+            <a:off x="-187967" y="0"/>
+            <a:ext cx="14630400" cy="8229600"/>
+          </a:xfrm>
+          <a:prstGeom prst="rect">
+            <a:avLst/>
+          </a:prstGeom>
+          <a:solidFill>
+            <a:srgbClr val="241631"/>
+          </a:solidFill>
+          <a:ln/>
+        </p:spPr>
+      </p:sp>
+      <p:sp>
+        <p:nvSpPr>
+          <p:cNvPr id="4" name="Text 2"/>
+          <p:cNvSpPr/>
+          <p:nvPr/>
+        </p:nvSpPr>
+        <p:spPr>
+          <a:xfrm>
+            <a:off x="2037993" y="1154668"/>
+            <a:ext cx="5554980" cy="694373"/>
+          </a:xfrm>
+          <a:prstGeom prst="rect">
+            <a:avLst/>
+          </a:prstGeom>
+          <a:noFill/>
+          <a:ln/>
+        </p:spPr>
+        <p:txBody>
+          <a:bodyPr wrap="none" rtlCol="0" anchor="t"/>
+          <a:lstStyle/>
+          <a:p>
+            <a:pPr marL="0" indent="0">
+              <a:lnSpc>
+                <a:spcPts val="5468"/>
+              </a:lnSpc>
+              <a:buNone/>
+            </a:pPr>
+            <a:r>
+              <a:rPr lang="en-US" sz="4800" b="1" dirty="0">
+                <a:solidFill>
+                  <a:srgbClr val="FF726D"/>
+                </a:solidFill>
+                <a:latin typeface="Dubai Light" pitchFamily="34" charset="-78"/>
+                <a:ea typeface="Inconsolata" pitchFamily="34" charset="-122"/>
+                <a:cs typeface="Dubai Light" pitchFamily="34" charset="-78"/>
+              </a:rPr>
+              <a:t>Future Developments</a:t>
+            </a:r>
+            <a:endParaRPr lang="en-US" sz="4800" dirty="0">
+              <a:latin typeface="Dubai Light" pitchFamily="34" charset="-78"/>
+              <a:cs typeface="Dubai Light" pitchFamily="34" charset="-78"/>
+            </a:endParaRPr>
+          </a:p>
+        </p:txBody>
+      </p:sp>
+      <p:sp>
+        <p:nvSpPr>
+          <p:cNvPr id="5" name="Text 3"/>
+          <p:cNvSpPr/>
+          <p:nvPr/>
+        </p:nvSpPr>
+        <p:spPr>
+          <a:xfrm>
+            <a:off x="2037993" y="2404467"/>
+            <a:ext cx="2777490" cy="347186"/>
+          </a:xfrm>
+          <a:prstGeom prst="rect">
+            <a:avLst/>
+          </a:prstGeom>
+          <a:noFill/>
+          <a:ln/>
+        </p:spPr>
+        <p:txBody>
+          <a:bodyPr wrap="none" rtlCol="0" anchor="t"/>
+          <a:lstStyle/>
+          <a:p>
+            <a:pPr marL="0" indent="0">
+              <a:lnSpc>
+                <a:spcPts val="2734"/>
+              </a:lnSpc>
+              <a:buNone/>
+            </a:pPr>
+            <a:r>
+              <a:rPr lang="en-US" sz="2800" b="1" dirty="0">
+                <a:solidFill>
+                  <a:srgbClr val="FF726D"/>
+                </a:solidFill>
+                <a:latin typeface="Dubai Light" pitchFamily="34" charset="-78"/>
+                <a:ea typeface="Inconsolata" pitchFamily="34" charset="-122"/>
+                <a:cs typeface="Dubai Light" pitchFamily="34" charset="-78"/>
+              </a:rPr>
+              <a:t>Mobile Trading</a:t>
+            </a:r>
+            <a:endParaRPr lang="en-US" sz="2800" dirty="0">
+              <a:latin typeface="Dubai Light" pitchFamily="34" charset="-78"/>
+              <a:cs typeface="Dubai Light" pitchFamily="34" charset="-78"/>
+            </a:endParaRPr>
+          </a:p>
+        </p:txBody>
+      </p:sp>
+      <p:sp>
+        <p:nvSpPr>
+          <p:cNvPr id="6" name="Text 4"/>
+          <p:cNvSpPr/>
+          <p:nvPr/>
+        </p:nvSpPr>
+        <p:spPr>
+          <a:xfrm>
+            <a:off x="1169233" y="2973824"/>
+            <a:ext cx="4025107" cy="2487811"/>
+          </a:xfrm>
+          <a:prstGeom prst="rect">
+            <a:avLst/>
+          </a:prstGeom>
+          <a:noFill/>
+          <a:ln/>
+        </p:spPr>
+        <p:txBody>
+          <a:bodyPr wrap="square" rtlCol="0" anchor="t"/>
+          <a:lstStyle/>
+          <a:p>
+            <a:pPr algn="ctr">
+              <a:lnSpc>
+                <a:spcPts val="2799"/>
+              </a:lnSpc>
+            </a:pPr>
+            <a:r>
+              <a:rPr lang="en-GB" sz="2000" dirty="0" smtClean="0">
+                <a:solidFill>
+                  <a:srgbClr val="DAD1E6"/>
+                </a:solidFill>
+                <a:latin typeface="Dubai Light" pitchFamily="34" charset="-78"/>
+                <a:ea typeface="Fira Sans" pitchFamily="34" charset="-122"/>
+                <a:cs typeface="Dubai Light" pitchFamily="34" charset="-78"/>
+              </a:rPr>
+              <a:t>The </a:t>
+            </a:r>
+            <a:r>
+              <a:rPr lang="en-GB" sz="2000" dirty="0">
+                <a:solidFill>
+                  <a:srgbClr val="DAD1E6"/>
+                </a:solidFill>
+                <a:latin typeface="Dubai Light" pitchFamily="34" charset="-78"/>
+                <a:ea typeface="Fira Sans" pitchFamily="34" charset="-122"/>
+                <a:cs typeface="Dubai Light" pitchFamily="34" charset="-78"/>
+              </a:rPr>
+              <a:t>Broker System plans to introduce a mobile trading platform for users to access and execute trades on-the-go, enhancing convenience and flexibility. Currently, we work with the J-Tabor mobile app, but in the future, we aim to solely use web and mobile apps.</a:t>
+            </a:r>
+            <a:endParaRPr lang="en-US" sz="2000" dirty="0">
+              <a:latin typeface="Dubai Light" pitchFamily="34" charset="-78"/>
+              <a:cs typeface="Dubai Light" pitchFamily="34" charset="-78"/>
+            </a:endParaRPr>
+          </a:p>
+        </p:txBody>
+      </p:sp>
+      <p:sp>
+        <p:nvSpPr>
+          <p:cNvPr id="7" name="Text 5"/>
+          <p:cNvSpPr/>
+          <p:nvPr/>
+        </p:nvSpPr>
+        <p:spPr>
+          <a:xfrm>
+            <a:off x="6194681" y="2395517"/>
+            <a:ext cx="3156347" cy="694373"/>
+          </a:xfrm>
+          <a:prstGeom prst="rect">
+            <a:avLst/>
+          </a:prstGeom>
+          <a:noFill/>
+          <a:ln/>
+        </p:spPr>
+        <p:txBody>
+          <a:bodyPr wrap="square" rtlCol="0" anchor="t"/>
+          <a:lstStyle/>
+          <a:p>
+            <a:pPr marL="0" indent="0">
+              <a:lnSpc>
+                <a:spcPts val="2734"/>
+              </a:lnSpc>
+              <a:buNone/>
+            </a:pPr>
+            <a:r>
+              <a:rPr lang="en-US" sz="2800" b="1" dirty="0" smtClean="0">
+                <a:solidFill>
+                  <a:srgbClr val="FF726D"/>
+                </a:solidFill>
+                <a:latin typeface="Dubai Light" pitchFamily="34" charset="-78"/>
+                <a:ea typeface="Inconsolata" pitchFamily="34" charset="-122"/>
+                <a:cs typeface="Dubai Light" pitchFamily="34" charset="-78"/>
+              </a:rPr>
+              <a:t>Payment integration</a:t>
+            </a:r>
+            <a:endParaRPr lang="en-US" sz="2800" dirty="0">
+              <a:latin typeface="Dubai Light" pitchFamily="34" charset="-78"/>
+              <a:cs typeface="Dubai Light" pitchFamily="34" charset="-78"/>
+            </a:endParaRPr>
+          </a:p>
+        </p:txBody>
+      </p:sp>
+      <p:sp>
+        <p:nvSpPr>
+          <p:cNvPr id="8" name="Text 6"/>
+          <p:cNvSpPr/>
+          <p:nvPr/>
+        </p:nvSpPr>
+        <p:spPr>
+          <a:xfrm>
+            <a:off x="5513801" y="3110383"/>
+            <a:ext cx="4518108" cy="3554016"/>
+          </a:xfrm>
+          <a:prstGeom prst="rect">
+            <a:avLst/>
+          </a:prstGeom>
+          <a:noFill/>
+          <a:ln/>
+        </p:spPr>
+        <p:txBody>
+          <a:bodyPr wrap="square" rtlCol="0" anchor="t"/>
+          <a:lstStyle/>
+          <a:p>
+            <a:pPr algn="ctr">
+              <a:lnSpc>
+                <a:spcPts val="2799"/>
+              </a:lnSpc>
+            </a:pPr>
+            <a:r>
+              <a:rPr lang="en-GB" sz="2000" dirty="0" smtClean="0">
+                <a:solidFill>
+                  <a:srgbClr val="DAD1E6"/>
+                </a:solidFill>
+                <a:latin typeface="Dubai Light" pitchFamily="34" charset="-78"/>
+                <a:ea typeface="Fira Sans" pitchFamily="34" charset="-122"/>
+                <a:cs typeface="Dubai Light" pitchFamily="34" charset="-78"/>
+              </a:rPr>
+              <a:t>Currently</a:t>
+            </a:r>
+            <a:r>
+              <a:rPr lang="en-GB" sz="2000" dirty="0">
+                <a:solidFill>
+                  <a:srgbClr val="DAD1E6"/>
+                </a:solidFill>
+                <a:latin typeface="Dubai Light" pitchFamily="34" charset="-78"/>
+                <a:ea typeface="Fira Sans" pitchFamily="34" charset="-122"/>
+                <a:cs typeface="Dubai Light" pitchFamily="34" charset="-78"/>
+              </a:rPr>
+              <a:t>, payment integration is not possible in the Broker System, but it is planned as a future enhancement.</a:t>
+            </a:r>
+            <a:endParaRPr lang="en-US" sz="2000" dirty="0">
+              <a:latin typeface="Dubai Light" pitchFamily="34" charset="-78"/>
+              <a:cs typeface="Dubai Light" pitchFamily="34" charset="-78"/>
+            </a:endParaRPr>
+          </a:p>
+        </p:txBody>
+      </p:sp>
+      <p:sp>
+        <p:nvSpPr>
+          <p:cNvPr id="9" name="Text 7"/>
+          <p:cNvSpPr/>
+          <p:nvPr/>
+        </p:nvSpPr>
+        <p:spPr>
+          <a:xfrm>
+            <a:off x="10887794" y="2569111"/>
+            <a:ext cx="3054191" cy="347186"/>
+          </a:xfrm>
+          <a:prstGeom prst="rect">
+            <a:avLst/>
+          </a:prstGeom>
+          <a:noFill/>
+          <a:ln/>
+        </p:spPr>
+        <p:txBody>
+          <a:bodyPr wrap="none" rtlCol="0" anchor="t"/>
+          <a:lstStyle/>
+          <a:p>
+            <a:pPr marL="0" indent="0">
+              <a:lnSpc>
+                <a:spcPts val="2734"/>
+              </a:lnSpc>
+              <a:buNone/>
+            </a:pPr>
+            <a:r>
+              <a:rPr lang="en-US" sz="2800" b="1" dirty="0" smtClean="0">
+                <a:solidFill>
+                  <a:srgbClr val="FF726D"/>
+                </a:solidFill>
+                <a:latin typeface="Dubai Light" pitchFamily="34" charset="-78"/>
+                <a:ea typeface="Inconsolata" pitchFamily="34" charset="-122"/>
+                <a:cs typeface="Dubai Light" pitchFamily="34" charset="-78"/>
+              </a:rPr>
+              <a:t>Geographical scope</a:t>
+            </a:r>
+            <a:endParaRPr lang="en-US" sz="2800" dirty="0">
+              <a:latin typeface="Dubai Light" pitchFamily="34" charset="-78"/>
+              <a:cs typeface="Dubai Light" pitchFamily="34" charset="-78"/>
+            </a:endParaRPr>
+          </a:p>
+        </p:txBody>
+      </p:sp>
+      <p:sp>
+        <p:nvSpPr>
+          <p:cNvPr id="10" name="Text 8"/>
+          <p:cNvSpPr/>
+          <p:nvPr/>
+        </p:nvSpPr>
+        <p:spPr>
+          <a:xfrm>
+            <a:off x="10499183" y="3024566"/>
+            <a:ext cx="3831414" cy="2843213"/>
+          </a:xfrm>
+          <a:prstGeom prst="rect">
+            <a:avLst/>
+          </a:prstGeom>
+          <a:noFill/>
+          <a:ln/>
+        </p:spPr>
+        <p:txBody>
+          <a:bodyPr wrap="square" rtlCol="0" anchor="t"/>
+          <a:lstStyle/>
+          <a:p>
+            <a:pPr>
+              <a:lnSpc>
+                <a:spcPts val="2799"/>
+              </a:lnSpc>
+            </a:pPr>
+            <a:r>
+              <a:rPr lang="en-GB" sz="2000" dirty="0" smtClean="0">
+                <a:solidFill>
+                  <a:srgbClr val="DAD1E6"/>
+                </a:solidFill>
+                <a:latin typeface="Dubai Light" pitchFamily="34" charset="-78"/>
+                <a:ea typeface="Fira Sans" pitchFamily="34" charset="-122"/>
+                <a:cs typeface="Dubai Light" pitchFamily="34" charset="-78"/>
+              </a:rPr>
+              <a:t>The </a:t>
+            </a:r>
+            <a:r>
+              <a:rPr lang="en-GB" sz="2000" dirty="0">
+                <a:solidFill>
+                  <a:srgbClr val="DAD1E6"/>
+                </a:solidFill>
+                <a:latin typeface="Dubai Light" pitchFamily="34" charset="-78"/>
+                <a:ea typeface="Fira Sans" pitchFamily="34" charset="-122"/>
+                <a:cs typeface="Dubai Light" pitchFamily="34" charset="-78"/>
+              </a:rPr>
+              <a:t>Broker System is focused on the Ethiopian real estate market, addressing its unique requirements and regulations. Future expansions may target other African markets, adapting to local real estate practices and laws.</a:t>
+            </a:r>
+            <a:endParaRPr lang="en-US" sz="2000" dirty="0">
+              <a:latin typeface="Dubai Light" pitchFamily="34" charset="-78"/>
+              <a:cs typeface="Dubai Light" pitchFamily="34" charset="-78"/>
+            </a:endParaRPr>
+          </a:p>
+        </p:txBody>
+      </p:sp>
+      <p:sp>
+        <p:nvSpPr>
+          <p:cNvPr id="12" name="Text 7"/>
+          <p:cNvSpPr/>
+          <p:nvPr/>
+        </p:nvSpPr>
+        <p:spPr>
+          <a:xfrm>
+            <a:off x="11483793" y="7670539"/>
+            <a:ext cx="2739390" cy="342424"/>
+          </a:xfrm>
+          <a:prstGeom prst="rect">
+            <a:avLst/>
+          </a:prstGeom>
+          <a:noFill/>
+          <a:ln/>
+        </p:spPr>
+        <p:txBody>
+          <a:bodyPr wrap="none" rtlCol="0" anchor="t"/>
+          <a:lstStyle/>
+          <a:p>
+            <a:pPr marL="0" indent="0">
+              <a:lnSpc>
+                <a:spcPts val="2696"/>
+              </a:lnSpc>
+              <a:buNone/>
+            </a:pPr>
+            <a:fld id="{A164F1BD-093E-434A-ACDC-F809A400B6E4}" type="slidenum">
+              <a:rPr lang="en-US" sz="3200" b="1" smtClean="0">
+                <a:solidFill>
+                  <a:srgbClr val="FF726D"/>
+                </a:solidFill>
+                <a:latin typeface="Dubai Light" pitchFamily="34" charset="-78"/>
+                <a:ea typeface="Inconsolata" pitchFamily="34" charset="-122"/>
+                <a:cs typeface="Dubai Light" pitchFamily="34" charset="-78"/>
+              </a:rPr>
+              <a:t>10</a:t>
             </a:fld>
             <a:endParaRPr lang="en-US" sz="3200" dirty="0">
               <a:latin typeface="Dubai Light" pitchFamily="34" charset="-78"/>
@@ -1766,7 +2374,7 @@
 
 <file path=ppt/slides/slide2.xml><?xml version="1.0" encoding="utf-8"?>
 <p:sld xmlns:a="http://schemas.openxmlformats.org/drawingml/2006/main" xmlns:r="http://schemas.openxmlformats.org/officeDocument/2006/relationships" xmlns:p="http://schemas.openxmlformats.org/presentationml/2006/main">
-  <p:cSld name="Slide 2">
+  <p:cSld>
     <p:spTree>
       <p:nvGrpSpPr>
         <p:cNvPr id="1" name=""/>
@@ -1809,7 +2417,7 @@
         </p:nvSpPr>
         <p:spPr>
           <a:xfrm>
-            <a:off x="-91440" y="0"/>
+            <a:off x="0" y="0"/>
             <a:ext cx="14630400" cy="8229600"/>
           </a:xfrm>
           <a:prstGeom prst="rect">
@@ -1821,16 +2429,40 @@
           <a:ln/>
         </p:spPr>
       </p:sp>
-      <p:sp>
-        <p:nvSpPr>
-          <p:cNvPr id="4" name="Text 2"/>
-          <p:cNvSpPr/>
-          <p:nvPr/>
-        </p:nvSpPr>
-        <p:spPr>
-          <a:xfrm>
-            <a:off x="2037993" y="972860"/>
-            <a:ext cx="5554980" cy="694373"/>
+      <p:pic>
+        <p:nvPicPr>
+          <p:cNvPr id="4" name="Image 0" descr="preencoded.png"/>
+          <p:cNvPicPr>
+            <a:picLocks noChangeAspect="1"/>
+          </p:cNvPicPr>
+          <p:nvPr/>
+        </p:nvPicPr>
+        <p:blipFill>
+          <a:blip r:embed="rId3"/>
+          <a:stretch>
+            <a:fillRect/>
+          </a:stretch>
+        </p:blipFill>
+        <p:spPr>
+          <a:xfrm>
+            <a:off x="9151620" y="0"/>
+            <a:ext cx="5486400" cy="8229600"/>
+          </a:xfrm>
+          <a:prstGeom prst="rect">
+            <a:avLst/>
+          </a:prstGeom>
+        </p:spPr>
+      </p:pic>
+      <p:sp>
+        <p:nvSpPr>
+          <p:cNvPr id="5" name="Text 2"/>
+          <p:cNvSpPr/>
+          <p:nvPr/>
+        </p:nvSpPr>
+        <p:spPr>
+          <a:xfrm>
+            <a:off x="1775798" y="1599105"/>
+            <a:ext cx="6109692" cy="694373"/>
           </a:xfrm>
           <a:prstGeom prst="rect">
             <a:avLst/>
@@ -1849,6 +2481,17 @@
               <a:buNone/>
             </a:pPr>
             <a:r>
+              <a:rPr lang="en-US" sz="4800" b="1" dirty="0" smtClean="0">
+                <a:solidFill>
+                  <a:srgbClr val="FF726D"/>
+                </a:solidFill>
+                <a:latin typeface="Dubai Light" pitchFamily="34" charset="-78"/>
+                <a:ea typeface="Inconsolata" pitchFamily="34" charset="-122"/>
+                <a:cs typeface="Dubai Light" pitchFamily="34" charset="-78"/>
+              </a:rPr>
+              <a:t>Gee’z Broker </a:t>
+            </a:r>
+            <a:r>
               <a:rPr lang="en-US" sz="4800" b="1" dirty="0">
                 <a:solidFill>
                   <a:srgbClr val="FF726D"/>
@@ -1857,44 +2500,26 @@
                 <a:ea typeface="Inconsolata" pitchFamily="34" charset="-122"/>
                 <a:cs typeface="Dubai Light" pitchFamily="34" charset="-78"/>
               </a:rPr>
-              <a:t>System Architecture</a:t>
-            </a:r>
-            <a:endParaRPr lang="en-US" sz="4800" dirty="0">
-              <a:latin typeface="Dubai Light" pitchFamily="34" charset="-78"/>
-              <a:cs typeface="Dubai Light" pitchFamily="34" charset="-78"/>
-            </a:endParaRPr>
-          </a:p>
-        </p:txBody>
-      </p:sp>
-      <p:sp>
-        <p:nvSpPr>
-          <p:cNvPr id="5" name="Text 3"/>
-          <p:cNvSpPr/>
-          <p:nvPr/>
-        </p:nvSpPr>
-        <p:spPr>
-          <a:xfrm>
-            <a:off x="2037993" y="2222659"/>
-            <a:ext cx="2777490" cy="347186"/>
-          </a:xfrm>
-          <a:prstGeom prst="rect">
-            <a:avLst/>
-          </a:prstGeom>
-          <a:noFill/>
-          <a:ln/>
-        </p:spPr>
-        <p:txBody>
-          <a:bodyPr wrap="none" rtlCol="0" anchor="t"/>
-          <a:lstStyle/>
-          <a:p>
-            <a:pPr marL="0" indent="0">
-              <a:lnSpc>
-                <a:spcPts val="2734"/>
+              <a:t>System </a:t>
+            </a:r>
+            <a:endParaRPr lang="en-US" sz="4800" b="1" dirty="0" smtClean="0">
+              <a:solidFill>
+                <a:srgbClr val="FF726D"/>
+              </a:solidFill>
+              <a:latin typeface="Dubai Light" pitchFamily="34" charset="-78"/>
+              <a:ea typeface="Inconsolata" pitchFamily="34" charset="-122"/>
+              <a:cs typeface="Dubai Light" pitchFamily="34" charset="-78"/>
+            </a:endParaRPr>
+          </a:p>
+          <a:p>
+            <a:pPr marL="0" indent="0" algn="ctr">
+              <a:lnSpc>
+                <a:spcPts val="5468"/>
               </a:lnSpc>
               <a:buNone/>
             </a:pPr>
             <a:r>
-              <a:rPr lang="en-US" sz="2800" b="1" dirty="0">
+              <a:rPr lang="en-US" sz="4800" b="1" dirty="0" smtClean="0">
                 <a:solidFill>
                   <a:srgbClr val="FF726D"/>
                 </a:solidFill>
@@ -1902,7 +2527,51 @@
                 <a:ea typeface="Inconsolata" pitchFamily="34" charset="-122"/>
                 <a:cs typeface="Dubai Light" pitchFamily="34" charset="-78"/>
               </a:rPr>
-              <a:t>User Interface</a:t>
+              <a:t>Overview</a:t>
+            </a:r>
+            <a:endParaRPr lang="en-US" sz="4800" b="1" dirty="0">
+              <a:latin typeface="Dubai Light" pitchFamily="34" charset="-78"/>
+              <a:cs typeface="Dubai Light" pitchFamily="34" charset="-78"/>
+            </a:endParaRPr>
+          </a:p>
+        </p:txBody>
+      </p:sp>
+      <p:sp>
+        <p:nvSpPr>
+          <p:cNvPr id="6" name="Text 3"/>
+          <p:cNvSpPr/>
+          <p:nvPr/>
+        </p:nvSpPr>
+        <p:spPr>
+          <a:xfrm>
+            <a:off x="509667" y="3243024"/>
+            <a:ext cx="8641954" cy="2947914"/>
+          </a:xfrm>
+          <a:prstGeom prst="rect">
+            <a:avLst/>
+          </a:prstGeom>
+          <a:noFill/>
+          <a:ln/>
+        </p:spPr>
+        <p:txBody>
+          <a:bodyPr wrap="square" rtlCol="0" anchor="t"/>
+          <a:lstStyle/>
+          <a:p>
+            <a:pPr>
+              <a:lnSpc>
+                <a:spcPts val="2799"/>
+              </a:lnSpc>
+            </a:pPr>
+            <a:r>
+              <a:rPr lang="en-GB" sz="2800" dirty="0">
+                <a:solidFill>
+                  <a:srgbClr val="DAD1E6"/>
+                </a:solidFill>
+                <a:latin typeface="Dubai Light" pitchFamily="34" charset="-78"/>
+                <a:ea typeface="Fira Sans" pitchFamily="34" charset="-122"/>
+                <a:cs typeface="Dubai Light" pitchFamily="34" charset="-78"/>
+              </a:rPr>
+              <a:t>The Gee'z Broker System is a web-based platform designed to facilitate the brokerage operations for a single company, Gee'z Broker. This system aims to streamline the brokerage process, providing a secure, efficient, and user-friendly environment for managing real estate transactions, catering specifically to the needs of Gee'z Broker.</a:t>
             </a:r>
             <a:endParaRPr lang="en-US" sz="2800" dirty="0">
               <a:latin typeface="Dubai Light" pitchFamily="34" charset="-78"/>
@@ -1913,232 +2582,7 @@
       </p:sp>
       <p:sp>
         <p:nvSpPr>
-          <p:cNvPr id="6" name="Text 4"/>
-          <p:cNvSpPr/>
-          <p:nvPr/>
-        </p:nvSpPr>
-        <p:spPr>
-          <a:xfrm>
-            <a:off x="2037993" y="2792016"/>
-            <a:ext cx="3156347" cy="4264819"/>
-          </a:xfrm>
-          <a:prstGeom prst="rect">
-            <a:avLst/>
-          </a:prstGeom>
-          <a:noFill/>
-          <a:ln/>
-        </p:spPr>
-        <p:txBody>
-          <a:bodyPr wrap="square" rtlCol="0" anchor="t"/>
-          <a:lstStyle/>
-          <a:p>
-            <a:pPr marL="0" indent="0">
-              <a:lnSpc>
-                <a:spcPts val="2799"/>
-              </a:lnSpc>
-              <a:buNone/>
-            </a:pPr>
-            <a:r>
-              <a:rPr lang="en-US" sz="2000" dirty="0">
-                <a:solidFill>
-                  <a:srgbClr val="DAD1E6"/>
-                </a:solidFill>
-                <a:latin typeface="Dubai Light" pitchFamily="34" charset="-78"/>
-                <a:ea typeface="Fira Sans" pitchFamily="34" charset="-122"/>
-                <a:cs typeface="Dubai Light" pitchFamily="34" charset="-78"/>
-              </a:rPr>
-              <a:t>The Broker System features an intuitive and user-friendly interface that allows users to seamlessly access the platform's various functionalities. This includes secure login and registration processes, as well as the ability to execute trades, manage their investment portfolios, and access real-time market data.</a:t>
-            </a:r>
-            <a:endParaRPr lang="en-US" sz="2000" dirty="0">
-              <a:latin typeface="Dubai Light" pitchFamily="34" charset="-78"/>
-              <a:cs typeface="Dubai Light" pitchFamily="34" charset="-78"/>
-            </a:endParaRPr>
-          </a:p>
-        </p:txBody>
-      </p:sp>
-      <p:sp>
-        <p:nvSpPr>
-          <p:cNvPr id="7" name="Text 5"/>
-          <p:cNvSpPr/>
-          <p:nvPr/>
-        </p:nvSpPr>
-        <p:spPr>
-          <a:xfrm>
-            <a:off x="5743932" y="2222659"/>
-            <a:ext cx="2777490" cy="347186"/>
-          </a:xfrm>
-          <a:prstGeom prst="rect">
-            <a:avLst/>
-          </a:prstGeom>
-          <a:noFill/>
-          <a:ln/>
-        </p:spPr>
-        <p:txBody>
-          <a:bodyPr wrap="none" rtlCol="0" anchor="t"/>
-          <a:lstStyle/>
-          <a:p>
-            <a:pPr marL="0" indent="0">
-              <a:lnSpc>
-                <a:spcPts val="2734"/>
-              </a:lnSpc>
-              <a:buNone/>
-            </a:pPr>
-            <a:r>
-              <a:rPr lang="en-US" sz="2800" b="1" dirty="0">
-                <a:solidFill>
-                  <a:srgbClr val="FF726D"/>
-                </a:solidFill>
-                <a:latin typeface="Dubai Light" pitchFamily="34" charset="-78"/>
-                <a:ea typeface="Inconsolata" pitchFamily="34" charset="-122"/>
-                <a:cs typeface="Dubai Light" pitchFamily="34" charset="-78"/>
-              </a:rPr>
-              <a:t>Trading Engine</a:t>
-            </a:r>
-            <a:endParaRPr lang="en-US" sz="2800" dirty="0">
-              <a:latin typeface="Dubai Light" pitchFamily="34" charset="-78"/>
-              <a:cs typeface="Dubai Light" pitchFamily="34" charset="-78"/>
-            </a:endParaRPr>
-          </a:p>
-        </p:txBody>
-      </p:sp>
-      <p:sp>
-        <p:nvSpPr>
-          <p:cNvPr id="8" name="Text 6"/>
-          <p:cNvSpPr/>
-          <p:nvPr/>
-        </p:nvSpPr>
-        <p:spPr>
-          <a:xfrm>
-            <a:off x="5743932" y="2792016"/>
-            <a:ext cx="3156347" cy="4264819"/>
-          </a:xfrm>
-          <a:prstGeom prst="rect">
-            <a:avLst/>
-          </a:prstGeom>
-          <a:noFill/>
-          <a:ln/>
-        </p:spPr>
-        <p:txBody>
-          <a:bodyPr wrap="square" rtlCol="0" anchor="t"/>
-          <a:lstStyle/>
-          <a:p>
-            <a:pPr marL="0" indent="0">
-              <a:lnSpc>
-                <a:spcPts val="2799"/>
-              </a:lnSpc>
-              <a:buNone/>
-            </a:pPr>
-            <a:r>
-              <a:rPr lang="en-US" sz="2000" dirty="0">
-                <a:solidFill>
-                  <a:srgbClr val="DAD1E6"/>
-                </a:solidFill>
-                <a:latin typeface="Dubai Light" pitchFamily="34" charset="-78"/>
-                <a:ea typeface="Fira Sans" pitchFamily="34" charset="-122"/>
-                <a:cs typeface="Dubai Light" pitchFamily="34" charset="-78"/>
-              </a:rPr>
-              <a:t>At the core of the Broker System is the trading engine, responsible for processing and executing buy and sell orders for a variety of financial securities, including stocks, bonds, and derivatives. The trading engine supports different order types, such as market, limit, and stop orders, ensuring efficient and timely execution of trades.</a:t>
-            </a:r>
-            <a:endParaRPr lang="en-US" sz="2000" dirty="0">
-              <a:latin typeface="Dubai Light" pitchFamily="34" charset="-78"/>
-              <a:cs typeface="Dubai Light" pitchFamily="34" charset="-78"/>
-            </a:endParaRPr>
-          </a:p>
-        </p:txBody>
-      </p:sp>
-      <p:sp>
-        <p:nvSpPr>
-          <p:cNvPr id="9" name="Text 7"/>
-          <p:cNvSpPr/>
-          <p:nvPr/>
-        </p:nvSpPr>
-        <p:spPr>
-          <a:xfrm>
-            <a:off x="9449872" y="2222659"/>
-            <a:ext cx="2777490" cy="347186"/>
-          </a:xfrm>
-          <a:prstGeom prst="rect">
-            <a:avLst/>
-          </a:prstGeom>
-          <a:noFill/>
-          <a:ln/>
-        </p:spPr>
-        <p:txBody>
-          <a:bodyPr wrap="none" rtlCol="0" anchor="t"/>
-          <a:lstStyle/>
-          <a:p>
-            <a:pPr marL="0" indent="0">
-              <a:lnSpc>
-                <a:spcPts val="2734"/>
-              </a:lnSpc>
-              <a:buNone/>
-            </a:pPr>
-            <a:r>
-              <a:rPr lang="en-US" sz="2800" b="1" dirty="0">
-                <a:solidFill>
-                  <a:srgbClr val="FF726D"/>
-                </a:solidFill>
-                <a:latin typeface="Dubai Light" pitchFamily="34" charset="-78"/>
-                <a:ea typeface="Inconsolata" pitchFamily="34" charset="-122"/>
-                <a:cs typeface="Dubai Light" pitchFamily="34" charset="-78"/>
-              </a:rPr>
-              <a:t>Market Data</a:t>
-            </a:r>
-            <a:endParaRPr lang="en-US" sz="2800" dirty="0">
-              <a:latin typeface="Dubai Light" pitchFamily="34" charset="-78"/>
-              <a:cs typeface="Dubai Light" pitchFamily="34" charset="-78"/>
-            </a:endParaRPr>
-          </a:p>
-        </p:txBody>
-      </p:sp>
-      <p:sp>
-        <p:nvSpPr>
-          <p:cNvPr id="10" name="Text 8"/>
-          <p:cNvSpPr/>
-          <p:nvPr/>
-        </p:nvSpPr>
-        <p:spPr>
-          <a:xfrm>
-            <a:off x="9449872" y="2792016"/>
-            <a:ext cx="3156347" cy="3909417"/>
-          </a:xfrm>
-          <a:prstGeom prst="rect">
-            <a:avLst/>
-          </a:prstGeom>
-          <a:noFill/>
-          <a:ln/>
-        </p:spPr>
-        <p:txBody>
-          <a:bodyPr wrap="square" rtlCol="0" anchor="t"/>
-          <a:lstStyle/>
-          <a:p>
-            <a:pPr marL="0" indent="0">
-              <a:lnSpc>
-                <a:spcPts val="2799"/>
-              </a:lnSpc>
-              <a:buNone/>
-            </a:pPr>
-            <a:r>
-              <a:rPr lang="en-US" sz="2000" dirty="0">
-                <a:solidFill>
-                  <a:srgbClr val="DAD1E6"/>
-                </a:solidFill>
-                <a:latin typeface="Dubai Light" pitchFamily="34" charset="-78"/>
-                <a:ea typeface="Fira Sans" pitchFamily="34" charset="-122"/>
-                <a:cs typeface="Dubai Light" pitchFamily="34" charset="-78"/>
-              </a:rPr>
-              <a:t>The Broker System provides users with access to comprehensive real-time market data, including price quotes, trading volumes, and historical data. This information is presented through advanced analytics and charting tools, enabling users to make informed trading decisions.</a:t>
-            </a:r>
-            <a:endParaRPr lang="en-US" sz="2000" dirty="0">
-              <a:latin typeface="Dubai Light" pitchFamily="34" charset="-78"/>
-              <a:cs typeface="Dubai Light" pitchFamily="34" charset="-78"/>
-            </a:endParaRPr>
-          </a:p>
-        </p:txBody>
-      </p:sp>
-      <p:sp>
-        <p:nvSpPr>
-          <p:cNvPr id="12" name="Text 7"/>
+          <p:cNvPr id="11" name="Text 7"/>
           <p:cNvSpPr/>
           <p:nvPr/>
         </p:nvSpPr>
@@ -2182,6 +2626,11 @@
         </p:txBody>
       </p:sp>
     </p:spTree>
+    <p:extLst>
+      <p:ext uri="{BB962C8B-B14F-4D97-AF65-F5344CB8AC3E}">
+        <p14:creationId xmlns:p14="http://schemas.microsoft.com/office/powerpoint/2010/main" val="572928962"/>
+      </p:ext>
+    </p:extLst>
   </p:cSld>
   <p:clrMapOvr>
     <a:masterClrMapping/>
@@ -2198,6 +2647,492 @@
 
 <file path=ppt/slides/slide3.xml><?xml version="1.0" encoding="utf-8"?>
 <p:sld xmlns:a="http://schemas.openxmlformats.org/drawingml/2006/main" xmlns:r="http://schemas.openxmlformats.org/officeDocument/2006/relationships" xmlns:p="http://schemas.openxmlformats.org/presentationml/2006/main">
+  <p:cSld name="Slide 2">
+    <p:spTree>
+      <p:nvGrpSpPr>
+        <p:cNvPr id="1" name=""/>
+        <p:cNvGrpSpPr/>
+        <p:nvPr/>
+      </p:nvGrpSpPr>
+      <p:grpSpPr>
+        <a:xfrm>
+          <a:off x="0" y="0"/>
+          <a:ext cx="0" cy="0"/>
+          <a:chOff x="0" y="0"/>
+          <a:chExt cx="0" cy="0"/>
+        </a:xfrm>
+      </p:grpSpPr>
+      <p:sp>
+        <p:nvSpPr>
+          <p:cNvPr id="2" name="Shape 0"/>
+          <p:cNvSpPr/>
+          <p:nvPr/>
+        </p:nvSpPr>
+        <p:spPr>
+          <a:xfrm>
+            <a:off x="0" y="0"/>
+            <a:ext cx="14630400" cy="8229600"/>
+          </a:xfrm>
+          <a:prstGeom prst="rect">
+            <a:avLst/>
+          </a:prstGeom>
+          <a:solidFill>
+            <a:srgbClr val="110C17"/>
+          </a:solidFill>
+          <a:ln/>
+        </p:spPr>
+      </p:sp>
+      <p:sp>
+        <p:nvSpPr>
+          <p:cNvPr id="3" name="Shape 1"/>
+          <p:cNvSpPr/>
+          <p:nvPr/>
+        </p:nvSpPr>
+        <p:spPr>
+          <a:xfrm>
+            <a:off x="-91440" y="0"/>
+            <a:ext cx="14630400" cy="8229600"/>
+          </a:xfrm>
+          <a:prstGeom prst="rect">
+            <a:avLst/>
+          </a:prstGeom>
+          <a:solidFill>
+            <a:srgbClr val="241631"/>
+          </a:solidFill>
+          <a:ln/>
+        </p:spPr>
+      </p:sp>
+      <p:sp>
+        <p:nvSpPr>
+          <p:cNvPr id="4" name="Text 2"/>
+          <p:cNvSpPr/>
+          <p:nvPr/>
+        </p:nvSpPr>
+        <p:spPr>
+          <a:xfrm>
+            <a:off x="2037993" y="972860"/>
+            <a:ext cx="5554980" cy="694373"/>
+          </a:xfrm>
+          <a:prstGeom prst="rect">
+            <a:avLst/>
+          </a:prstGeom>
+          <a:noFill/>
+          <a:ln/>
+        </p:spPr>
+        <p:txBody>
+          <a:bodyPr wrap="none" rtlCol="0" anchor="t"/>
+          <a:lstStyle/>
+          <a:p>
+            <a:pPr marL="0" indent="0">
+              <a:lnSpc>
+                <a:spcPts val="5468"/>
+              </a:lnSpc>
+              <a:buNone/>
+            </a:pPr>
+            <a:r>
+              <a:rPr lang="en-US" sz="4800" b="1" dirty="0">
+                <a:solidFill>
+                  <a:srgbClr val="FF726D"/>
+                </a:solidFill>
+                <a:latin typeface="Dubai Light" pitchFamily="34" charset="-78"/>
+                <a:ea typeface="Inconsolata" pitchFamily="34" charset="-122"/>
+                <a:cs typeface="Dubai Light" pitchFamily="34" charset="-78"/>
+              </a:rPr>
+              <a:t>System Architecture</a:t>
+            </a:r>
+            <a:endParaRPr lang="en-US" sz="4800" dirty="0">
+              <a:latin typeface="Dubai Light" pitchFamily="34" charset="-78"/>
+              <a:cs typeface="Dubai Light" pitchFamily="34" charset="-78"/>
+            </a:endParaRPr>
+          </a:p>
+        </p:txBody>
+      </p:sp>
+      <p:sp>
+        <p:nvSpPr>
+          <p:cNvPr id="5" name="Text 3"/>
+          <p:cNvSpPr/>
+          <p:nvPr/>
+        </p:nvSpPr>
+        <p:spPr>
+          <a:xfrm>
+            <a:off x="2037993" y="2222659"/>
+            <a:ext cx="2777490" cy="347186"/>
+          </a:xfrm>
+          <a:prstGeom prst="rect">
+            <a:avLst/>
+          </a:prstGeom>
+          <a:noFill/>
+          <a:ln/>
+        </p:spPr>
+        <p:txBody>
+          <a:bodyPr wrap="none" rtlCol="0" anchor="t"/>
+          <a:lstStyle/>
+          <a:p>
+            <a:pPr marL="0" indent="0">
+              <a:lnSpc>
+                <a:spcPts val="2734"/>
+              </a:lnSpc>
+              <a:buNone/>
+            </a:pPr>
+            <a:r>
+              <a:rPr lang="en-US" sz="2800" b="1" dirty="0">
+                <a:solidFill>
+                  <a:srgbClr val="FF726D"/>
+                </a:solidFill>
+                <a:latin typeface="Dubai Light" pitchFamily="34" charset="-78"/>
+                <a:ea typeface="Inconsolata" pitchFamily="34" charset="-122"/>
+                <a:cs typeface="Dubai Light" pitchFamily="34" charset="-78"/>
+              </a:rPr>
+              <a:t>User Interface</a:t>
+            </a:r>
+            <a:endParaRPr lang="en-US" sz="2800" dirty="0">
+              <a:latin typeface="Dubai Light" pitchFamily="34" charset="-78"/>
+              <a:cs typeface="Dubai Light" pitchFamily="34" charset="-78"/>
+            </a:endParaRPr>
+          </a:p>
+        </p:txBody>
+      </p:sp>
+      <p:sp>
+        <p:nvSpPr>
+          <p:cNvPr id="6" name="Text 4"/>
+          <p:cNvSpPr/>
+          <p:nvPr/>
+        </p:nvSpPr>
+        <p:spPr>
+          <a:xfrm>
+            <a:off x="1004341" y="2792017"/>
+            <a:ext cx="4189999" cy="3578804"/>
+          </a:xfrm>
+          <a:prstGeom prst="rect">
+            <a:avLst/>
+          </a:prstGeom>
+          <a:noFill/>
+          <a:ln/>
+        </p:spPr>
+        <p:txBody>
+          <a:bodyPr wrap="square" rtlCol="0" anchor="t"/>
+          <a:lstStyle/>
+          <a:p>
+            <a:pPr marL="0" indent="0">
+              <a:lnSpc>
+                <a:spcPts val="2799"/>
+              </a:lnSpc>
+              <a:buNone/>
+            </a:pPr>
+            <a:r>
+              <a:rPr lang="en-US" sz="2000" dirty="0">
+                <a:solidFill>
+                  <a:srgbClr val="DAD1E6"/>
+                </a:solidFill>
+                <a:latin typeface="Dubai Light" pitchFamily="34" charset="-78"/>
+                <a:ea typeface="Fira Sans" pitchFamily="34" charset="-122"/>
+                <a:cs typeface="Dubai Light" pitchFamily="34" charset="-78"/>
+              </a:rPr>
+              <a:t>The </a:t>
+            </a:r>
+            <a:r>
+              <a:rPr lang="en-US" sz="2000" dirty="0" smtClean="0">
+                <a:solidFill>
+                  <a:srgbClr val="DAD1E6"/>
+                </a:solidFill>
+                <a:latin typeface="Dubai Light" pitchFamily="34" charset="-78"/>
+                <a:ea typeface="Fira Sans" pitchFamily="34" charset="-122"/>
+                <a:cs typeface="Dubai Light" pitchFamily="34" charset="-78"/>
+              </a:rPr>
+              <a:t>Gee’z Broker </a:t>
+            </a:r>
+            <a:r>
+              <a:rPr lang="en-US" sz="2000" dirty="0">
+                <a:solidFill>
+                  <a:srgbClr val="DAD1E6"/>
+                </a:solidFill>
+                <a:latin typeface="Dubai Light" pitchFamily="34" charset="-78"/>
+                <a:ea typeface="Fira Sans" pitchFamily="34" charset="-122"/>
+                <a:cs typeface="Dubai Light" pitchFamily="34" charset="-78"/>
+              </a:rPr>
+              <a:t>System features an intuitive and user-friendly interface that allows users to seamlessly access the platform's various functionalities. This includes secure login and registration processes, as well as the ability to execute trades, manage their investment portfolios, and access real-time market data.</a:t>
+            </a:r>
+            <a:endParaRPr lang="en-US" sz="2000" dirty="0">
+              <a:latin typeface="Dubai Light" pitchFamily="34" charset="-78"/>
+              <a:cs typeface="Dubai Light" pitchFamily="34" charset="-78"/>
+            </a:endParaRPr>
+          </a:p>
+        </p:txBody>
+      </p:sp>
+      <p:sp>
+        <p:nvSpPr>
+          <p:cNvPr id="7" name="Text 5"/>
+          <p:cNvSpPr/>
+          <p:nvPr/>
+        </p:nvSpPr>
+        <p:spPr>
+          <a:xfrm>
+            <a:off x="6204228" y="2222659"/>
+            <a:ext cx="2777490" cy="347186"/>
+          </a:xfrm>
+          <a:prstGeom prst="rect">
+            <a:avLst/>
+          </a:prstGeom>
+          <a:noFill/>
+          <a:ln/>
+        </p:spPr>
+        <p:txBody>
+          <a:bodyPr wrap="none" rtlCol="0" anchor="t"/>
+          <a:lstStyle/>
+          <a:p>
+            <a:pPr marL="0" indent="0">
+              <a:lnSpc>
+                <a:spcPts val="2734"/>
+              </a:lnSpc>
+              <a:buNone/>
+            </a:pPr>
+            <a:r>
+              <a:rPr lang="en-US" sz="2800" b="1" dirty="0" smtClean="0">
+                <a:solidFill>
+                  <a:srgbClr val="FF726D"/>
+                </a:solidFill>
+                <a:latin typeface="Dubai Light" pitchFamily="34" charset="-78"/>
+                <a:ea typeface="Inconsolata" pitchFamily="34" charset="-122"/>
+                <a:cs typeface="Dubai Light" pitchFamily="34" charset="-78"/>
+              </a:rPr>
+              <a:t>Security issue </a:t>
+            </a:r>
+            <a:endParaRPr lang="en-US" sz="2800" dirty="0">
+              <a:latin typeface="Dubai Light" pitchFamily="34" charset="-78"/>
+              <a:cs typeface="Dubai Light" pitchFamily="34" charset="-78"/>
+            </a:endParaRPr>
+          </a:p>
+        </p:txBody>
+      </p:sp>
+      <p:sp>
+        <p:nvSpPr>
+          <p:cNvPr id="8" name="Text 6"/>
+          <p:cNvSpPr/>
+          <p:nvPr/>
+        </p:nvSpPr>
+        <p:spPr>
+          <a:xfrm>
+            <a:off x="5711707" y="2840831"/>
+            <a:ext cx="4106850" cy="3860602"/>
+          </a:xfrm>
+          <a:prstGeom prst="rect">
+            <a:avLst/>
+          </a:prstGeom>
+          <a:noFill/>
+          <a:ln/>
+        </p:spPr>
+        <p:txBody>
+          <a:bodyPr wrap="square" rtlCol="0" anchor="t"/>
+          <a:lstStyle/>
+          <a:p>
+            <a:pPr>
+              <a:lnSpc>
+                <a:spcPts val="2799"/>
+              </a:lnSpc>
+            </a:pPr>
+            <a:r>
+              <a:rPr lang="en-GB" sz="2000" dirty="0" smtClean="0">
+                <a:solidFill>
+                  <a:srgbClr val="DAD1E6"/>
+                </a:solidFill>
+                <a:latin typeface="Dubai Light" pitchFamily="34" charset="-78"/>
+                <a:ea typeface="Fira Sans" pitchFamily="34" charset="-122"/>
+                <a:cs typeface="Dubai Light" pitchFamily="34" charset="-78"/>
+              </a:rPr>
+              <a:t>At </a:t>
+            </a:r>
+            <a:r>
+              <a:rPr lang="en-GB" sz="2000" dirty="0">
+                <a:solidFill>
+                  <a:srgbClr val="DAD1E6"/>
+                </a:solidFill>
+                <a:latin typeface="Dubai Light" pitchFamily="34" charset="-78"/>
+                <a:ea typeface="Fira Sans" pitchFamily="34" charset="-122"/>
+                <a:cs typeface="Dubai Light" pitchFamily="34" charset="-78"/>
+              </a:rPr>
+              <a:t>the core of the Broker System is a robust security mechanism that encrypts user passwords, considering that users might reuse passwords across multiple websites. This encryption ensures that no one has access to view plaintext passwords, enhancing overall user security and data protection.</a:t>
+            </a:r>
+            <a:endParaRPr lang="en-US" sz="2000" dirty="0">
+              <a:latin typeface="Dubai Light" pitchFamily="34" charset="-78"/>
+              <a:cs typeface="Dubai Light" pitchFamily="34" charset="-78"/>
+            </a:endParaRPr>
+          </a:p>
+        </p:txBody>
+      </p:sp>
+      <p:sp>
+        <p:nvSpPr>
+          <p:cNvPr id="9" name="Text 7"/>
+          <p:cNvSpPr/>
+          <p:nvPr/>
+        </p:nvSpPr>
+        <p:spPr>
+          <a:xfrm>
+            <a:off x="10758628" y="2222659"/>
+            <a:ext cx="2777490" cy="347186"/>
+          </a:xfrm>
+          <a:prstGeom prst="rect">
+            <a:avLst/>
+          </a:prstGeom>
+          <a:noFill/>
+          <a:ln/>
+        </p:spPr>
+        <p:txBody>
+          <a:bodyPr wrap="none" rtlCol="0" anchor="t"/>
+          <a:lstStyle/>
+          <a:p>
+            <a:pPr marL="0" indent="0">
+              <a:lnSpc>
+                <a:spcPts val="2734"/>
+              </a:lnSpc>
+              <a:buNone/>
+            </a:pPr>
+            <a:r>
+              <a:rPr lang="en-US" sz="2800" b="1" dirty="0">
+                <a:solidFill>
+                  <a:srgbClr val="FF726D"/>
+                </a:solidFill>
+                <a:latin typeface="Dubai Light" pitchFamily="34" charset="-78"/>
+                <a:ea typeface="Inconsolata" pitchFamily="34" charset="-122"/>
+                <a:cs typeface="Dubai Light" pitchFamily="34" charset="-78"/>
+              </a:rPr>
+              <a:t>Market Data</a:t>
+            </a:r>
+            <a:endParaRPr lang="en-US" sz="2800" dirty="0">
+              <a:latin typeface="Dubai Light" pitchFamily="34" charset="-78"/>
+              <a:cs typeface="Dubai Light" pitchFamily="34" charset="-78"/>
+            </a:endParaRPr>
+          </a:p>
+        </p:txBody>
+      </p:sp>
+      <p:sp>
+        <p:nvSpPr>
+          <p:cNvPr id="10" name="Text 8"/>
+          <p:cNvSpPr/>
+          <p:nvPr/>
+        </p:nvSpPr>
+        <p:spPr>
+          <a:xfrm>
+            <a:off x="10136937" y="2792015"/>
+            <a:ext cx="4086246" cy="3909417"/>
+          </a:xfrm>
+          <a:prstGeom prst="rect">
+            <a:avLst/>
+          </a:prstGeom>
+          <a:noFill/>
+          <a:ln/>
+        </p:spPr>
+        <p:txBody>
+          <a:bodyPr wrap="square" rtlCol="0" anchor="t"/>
+          <a:lstStyle/>
+          <a:p>
+            <a:pPr marL="0" indent="0">
+              <a:lnSpc>
+                <a:spcPts val="2799"/>
+              </a:lnSpc>
+              <a:buNone/>
+            </a:pPr>
+            <a:r>
+              <a:rPr lang="en-US" sz="2000" dirty="0">
+                <a:solidFill>
+                  <a:srgbClr val="DAD1E6"/>
+                </a:solidFill>
+                <a:latin typeface="Dubai Light" pitchFamily="34" charset="-78"/>
+                <a:ea typeface="Fira Sans" pitchFamily="34" charset="-122"/>
+                <a:cs typeface="Dubai Light" pitchFamily="34" charset="-78"/>
+              </a:rPr>
+              <a:t>The </a:t>
+            </a:r>
+            <a:r>
+              <a:rPr lang="en-US" sz="2000" dirty="0" smtClean="0">
+                <a:solidFill>
+                  <a:srgbClr val="DAD1E6"/>
+                </a:solidFill>
+                <a:latin typeface="Dubai Light" pitchFamily="34" charset="-78"/>
+                <a:ea typeface="Fira Sans" pitchFamily="34" charset="-122"/>
+                <a:cs typeface="Dubai Light" pitchFamily="34" charset="-78"/>
+              </a:rPr>
+              <a:t>Gee’z Broker </a:t>
+            </a:r>
+            <a:r>
+              <a:rPr lang="en-US" sz="2000" dirty="0">
+                <a:solidFill>
+                  <a:srgbClr val="DAD1E6"/>
+                </a:solidFill>
+                <a:latin typeface="Dubai Light" pitchFamily="34" charset="-78"/>
+                <a:ea typeface="Fira Sans" pitchFamily="34" charset="-122"/>
+                <a:cs typeface="Dubai Light" pitchFamily="34" charset="-78"/>
+              </a:rPr>
+              <a:t>System provides users with access to comprehensive real-time market data, including price quotes, trading volumes, and historical data. This information is presented through advanced analytics and charting tools, enabling users to make informed trading decisions.</a:t>
+            </a:r>
+            <a:endParaRPr lang="en-US" sz="2000" dirty="0">
+              <a:latin typeface="Dubai Light" pitchFamily="34" charset="-78"/>
+              <a:cs typeface="Dubai Light" pitchFamily="34" charset="-78"/>
+            </a:endParaRPr>
+          </a:p>
+        </p:txBody>
+      </p:sp>
+      <p:sp>
+        <p:nvSpPr>
+          <p:cNvPr id="12" name="Text 7"/>
+          <p:cNvSpPr/>
+          <p:nvPr/>
+        </p:nvSpPr>
+        <p:spPr>
+          <a:xfrm>
+            <a:off x="11483793" y="7670539"/>
+            <a:ext cx="2739390" cy="342424"/>
+          </a:xfrm>
+          <a:prstGeom prst="rect">
+            <a:avLst/>
+          </a:prstGeom>
+          <a:noFill/>
+          <a:ln/>
+        </p:spPr>
+        <p:txBody>
+          <a:bodyPr wrap="none" rtlCol="0" anchor="t"/>
+          <a:lstStyle/>
+          <a:p>
+            <a:pPr marL="0" indent="0">
+              <a:lnSpc>
+                <a:spcPts val="2696"/>
+              </a:lnSpc>
+              <a:buNone/>
+            </a:pPr>
+            <a:fld id="{A164F1BD-093E-434A-ACDC-F809A400B6E4}" type="slidenum">
+              <a:rPr lang="en-US" sz="3200" b="1" smtClean="0">
+                <a:solidFill>
+                  <a:srgbClr val="FF726D"/>
+                </a:solidFill>
+                <a:latin typeface="Dubai Light" pitchFamily="34" charset="-78"/>
+                <a:ea typeface="Inconsolata" pitchFamily="34" charset="-122"/>
+                <a:cs typeface="Dubai Light" pitchFamily="34" charset="-78"/>
+              </a:rPr>
+              <a:t>3</a:t>
+            </a:fld>
+            <a:endParaRPr lang="en-US" sz="3200" dirty="0">
+              <a:latin typeface="Dubai Light" pitchFamily="34" charset="-78"/>
+              <a:cs typeface="Dubai Light" pitchFamily="34" charset="-78"/>
+            </a:endParaRPr>
+          </a:p>
+        </p:txBody>
+      </p:sp>
+    </p:spTree>
+  </p:cSld>
+  <p:clrMapOvr>
+    <a:masterClrMapping/>
+  </p:clrMapOvr>
+  <p:timing>
+    <p:tnLst>
+      <p:par>
+        <p:cTn id="1" dur="indefinite" restart="never" nodeType="tmRoot"/>
+      </p:par>
+    </p:tnLst>
+  </p:timing>
+</p:sld>
+</file>
+
+<file path=ppt/slides/slide4.xml><?xml version="1.0" encoding="utf-8"?>
+<p:sld xmlns:a="http://schemas.openxmlformats.org/drawingml/2006/main" xmlns:r="http://schemas.openxmlformats.org/officeDocument/2006/relationships" xmlns:p="http://schemas.openxmlformats.org/presentationml/2006/main">
   <p:cSld name="Slide 3">
     <p:spTree>
       <p:nvGrpSpPr>
@@ -2543,11 +3478,10 @@
           <a:bodyPr wrap="none" rtlCol="0" anchor="t"/>
           <a:lstStyle/>
           <a:p>
-            <a:pPr marL="0" indent="0">
+            <a:pPr>
               <a:lnSpc>
                 <a:spcPts val="2734"/>
               </a:lnSpc>
-              <a:buNone/>
             </a:pPr>
             <a:r>
               <a:rPr lang="en-US" sz="2800" b="1" dirty="0">
@@ -2558,7 +3492,7 @@
                 <a:ea typeface="Inconsolata" pitchFamily="34" charset="-122"/>
                 <a:cs typeface="Dubai Light" pitchFamily="34" charset="-78"/>
               </a:rPr>
-              <a:t>Trade Execution</a:t>
+              <a:t>Property Listing and Search:</a:t>
             </a:r>
             <a:endParaRPr lang="en-US" sz="2800" dirty="0">
               <a:latin typeface="Dubai Light" pitchFamily="34" charset="-78"/>
@@ -2588,14 +3522,13 @@
           <a:bodyPr wrap="square" rtlCol="0" anchor="t"/>
           <a:lstStyle/>
           <a:p>
-            <a:pPr marL="0" indent="0">
+            <a:pPr>
               <a:lnSpc>
                 <a:spcPts val="2799"/>
               </a:lnSpc>
-              <a:buNone/>
-            </a:pPr>
-            <a:r>
-              <a:rPr lang="en-US" sz="2000" dirty="0">
+            </a:pPr>
+            <a:r>
+              <a:rPr lang="en-GB" sz="2000" dirty="0" smtClean="0">
                 <a:solidFill>
                   <a:srgbClr val="DAD1E6"/>
                 </a:solidFill>
@@ -2603,7 +3536,18 @@
                 <a:ea typeface="Fira Sans" pitchFamily="34" charset="-122"/>
                 <a:cs typeface="Dubai Light" pitchFamily="34" charset="-78"/>
               </a:rPr>
-              <a:t>Users must be able to execute buy and sell orders for various securities, with the system supporting different order types and providing timely execution.</a:t>
+              <a:t>Users </a:t>
+            </a:r>
+            <a:r>
+              <a:rPr lang="en-GB" sz="2000" dirty="0">
+                <a:solidFill>
+                  <a:srgbClr val="DAD1E6"/>
+                </a:solidFill>
+                <a:latin typeface="Dubai Light" pitchFamily="34" charset="-78"/>
+                <a:ea typeface="Fira Sans" pitchFamily="34" charset="-122"/>
+                <a:cs typeface="Dubai Light" pitchFamily="34" charset="-78"/>
+              </a:rPr>
+              <a:t>must be able to list properties for sale and search for available properties, with the system supporting various search criteria and providing timely updates.</a:t>
             </a:r>
             <a:endParaRPr lang="en-US" sz="2000" dirty="0">
               <a:latin typeface="Dubai Light" pitchFamily="34" charset="-78"/>
@@ -2707,7 +3651,7 @@
               <a:buNone/>
             </a:pPr>
             <a:r>
-              <a:rPr lang="en-US" sz="2800" b="1" dirty="0">
+              <a:rPr lang="en-US" sz="2800" b="1" dirty="0" smtClean="0">
                 <a:solidFill>
                   <a:srgbClr val="FF726D"/>
                 </a:solidFill>
@@ -2715,7 +3659,7 @@
                 <a:ea typeface="Inconsolata" pitchFamily="34" charset="-122"/>
                 <a:cs typeface="Dubai Light" pitchFamily="34" charset="-78"/>
               </a:rPr>
-              <a:t>Portfolio Management</a:t>
+              <a:t>Profile Management</a:t>
             </a:r>
             <a:endParaRPr lang="en-US" sz="2800" dirty="0">
               <a:latin typeface="Dubai Light" pitchFamily="34" charset="-78"/>
@@ -2857,11 +3801,10 @@
           <a:bodyPr wrap="none" rtlCol="0" anchor="t"/>
           <a:lstStyle/>
           <a:p>
-            <a:pPr marL="0" indent="0">
+            <a:pPr>
               <a:lnSpc>
                 <a:spcPts val="2734"/>
               </a:lnSpc>
-              <a:buNone/>
             </a:pPr>
             <a:r>
               <a:rPr lang="en-US" sz="2800" b="1" dirty="0">
@@ -2872,7 +3815,36 @@
                 <a:ea typeface="Inconsolata" pitchFamily="34" charset="-122"/>
                 <a:cs typeface="Dubai Light" pitchFamily="34" charset="-78"/>
               </a:rPr>
-              <a:t>Market Data and Analytics</a:t>
+              <a:t>Messaging and </a:t>
+            </a:r>
+            <a:r>
+              <a:rPr lang="en-US" sz="2800" b="1" dirty="0" smtClean="0">
+                <a:solidFill>
+                  <a:srgbClr val="FF726D"/>
+                </a:solidFill>
+                <a:latin typeface="Dubai Light" pitchFamily="34" charset="-78"/>
+                <a:ea typeface="Inconsolata" pitchFamily="34" charset="-122"/>
+                <a:cs typeface="Dubai Light" pitchFamily="34" charset="-78"/>
+              </a:rPr>
+              <a:t>Communication</a:t>
+            </a:r>
+          </a:p>
+          <a:p>
+            <a:pPr>
+              <a:lnSpc>
+                <a:spcPts val="2734"/>
+              </a:lnSpc>
+            </a:pPr>
+            <a:r>
+              <a:rPr lang="en-US" sz="2800" b="1" dirty="0" smtClean="0">
+                <a:solidFill>
+                  <a:srgbClr val="FF726D"/>
+                </a:solidFill>
+                <a:latin typeface="Dubai Light" pitchFamily="34" charset="-78"/>
+                <a:ea typeface="Inconsolata" pitchFamily="34" charset="-122"/>
+                <a:cs typeface="Dubai Light" pitchFamily="34" charset="-78"/>
+              </a:rPr>
+              <a:t>(future enhancement):</a:t>
             </a:r>
             <a:endParaRPr lang="en-US" sz="2800" dirty="0">
               <a:latin typeface="Dubai Light" pitchFamily="34" charset="-78"/>
@@ -2889,7 +3861,7 @@
         </p:nvSpPr>
         <p:spPr>
           <a:xfrm>
-            <a:off x="8148399" y="5525572"/>
+            <a:off x="8148399" y="5865921"/>
             <a:ext cx="4444008" cy="1777008"/>
           </a:xfrm>
           <a:prstGeom prst="rect">
@@ -2902,14 +3874,13 @@
           <a:bodyPr wrap="square" rtlCol="0" anchor="t"/>
           <a:lstStyle/>
           <a:p>
-            <a:pPr marL="0" indent="0">
+            <a:pPr>
               <a:lnSpc>
                 <a:spcPts val="2799"/>
               </a:lnSpc>
-              <a:buNone/>
-            </a:pPr>
-            <a:r>
-              <a:rPr lang="en-US" sz="2000" dirty="0">
+            </a:pPr>
+            <a:r>
+              <a:rPr lang="en-GB" sz="2000" dirty="0" smtClean="0">
                 <a:solidFill>
                   <a:srgbClr val="DAD1E6"/>
                 </a:solidFill>
@@ -2917,7 +3888,18 @@
                 <a:ea typeface="Fira Sans" pitchFamily="34" charset="-122"/>
                 <a:cs typeface="Dubai Light" pitchFamily="34" charset="-78"/>
               </a:rPr>
-              <a:t>The system must provide users with access to real-time market data, including price quotes, trading volumes, and historical data, as well as advanced analytics and charting tools.</a:t>
+              <a:t>The </a:t>
+            </a:r>
+            <a:r>
+              <a:rPr lang="en-GB" sz="2000" dirty="0">
+                <a:solidFill>
+                  <a:srgbClr val="DAD1E6"/>
+                </a:solidFill>
+                <a:latin typeface="Dubai Light" pitchFamily="34" charset="-78"/>
+                <a:ea typeface="Fira Sans" pitchFamily="34" charset="-122"/>
+                <a:cs typeface="Dubai Light" pitchFamily="34" charset="-78"/>
+              </a:rPr>
+              <a:t>system must provide users with tools for real-time messaging and communication, including sending enquiries, receiving responses, and managing conversations with brokers and admins.</a:t>
             </a:r>
             <a:endParaRPr lang="en-US" sz="2000" dirty="0">
               <a:latin typeface="Dubai Light" pitchFamily="34" charset="-78"/>
@@ -2962,7 +3944,7 @@
                 <a:ea typeface="Inconsolata" pitchFamily="34" charset="-122"/>
                 <a:cs typeface="Dubai Light" pitchFamily="34" charset="-78"/>
               </a:rPr>
-              <a:t>3</a:t>
+              <a:t>4</a:t>
             </a:fld>
             <a:endParaRPr lang="en-US" sz="3200" dirty="0">
               <a:latin typeface="Dubai Light" pitchFamily="34" charset="-78"/>
@@ -2989,7 +3971,7 @@
 </p:sld>
 </file>
 
-<file path=ppt/slides/slide4.xml><?xml version="1.0" encoding="utf-8"?>
+<file path=ppt/slides/slide5.xml><?xml version="1.0" encoding="utf-8"?>
 <p:sld xmlns:a="http://schemas.openxmlformats.org/drawingml/2006/main" xmlns:r="http://schemas.openxmlformats.org/officeDocument/2006/relationships" xmlns:p="http://schemas.openxmlformats.org/presentationml/2006/main">
   <p:cSld name="Slide 4">
     <p:spTree>
@@ -3186,7 +4168,7 @@
               <a:buNone/>
             </a:pPr>
             <a:r>
-              <a:rPr lang="en-US" sz="2400" dirty="0">
+              <a:rPr lang="en-US" sz="2000" dirty="0">
                 <a:solidFill>
                   <a:srgbClr val="DAD1E6"/>
                 </a:solidFill>
@@ -3197,7 +4179,7 @@
               <a:t>The Broker System must handle high volumes of </a:t>
             </a:r>
             <a:r>
-              <a:rPr lang="en-US" sz="2400" dirty="0" smtClean="0">
+              <a:rPr lang="en-US" sz="2000" dirty="0" smtClean="0">
                 <a:solidFill>
                   <a:srgbClr val="DAD1E6"/>
                 </a:solidFill>
@@ -3208,7 +4190,7 @@
               <a:t>transactions </a:t>
             </a:r>
             <a:r>
-              <a:rPr lang="en-US" sz="2400" dirty="0">
+              <a:rPr lang="en-US" sz="2000" dirty="0">
                 <a:solidFill>
                   <a:srgbClr val="DAD1E6"/>
                 </a:solidFill>
@@ -3218,7 +4200,7 @@
               </a:rPr>
               <a:t>with minimal latency to ensure timely execution of trades, maintaining the efficiency and reliability of the platform.</a:t>
             </a:r>
-            <a:endParaRPr lang="en-US" sz="2400" dirty="0">
+            <a:endParaRPr lang="en-US" sz="2000" dirty="0">
               <a:latin typeface="Dubai Light" pitchFamily="34" charset="-78"/>
               <a:cs typeface="Dubai Light" pitchFamily="34" charset="-78"/>
             </a:endParaRPr>
@@ -3301,7 +4283,7 @@
         <p:spPr>
           <a:xfrm>
             <a:off x="7643813" y="2419231"/>
-            <a:ext cx="4657249" cy="2103834"/>
+            <a:ext cx="4657249" cy="1897936"/>
           </a:xfrm>
           <a:prstGeom prst="rect">
             <a:avLst/>
@@ -3320,7 +4302,7 @@
               <a:buNone/>
             </a:pPr>
             <a:r>
-              <a:rPr lang="en-US" sz="2400" dirty="0">
+              <a:rPr lang="en-US" sz="2000" dirty="0">
                 <a:solidFill>
                   <a:srgbClr val="DAD1E6"/>
                 </a:solidFill>
@@ -3330,7 +4312,7 @@
               </a:rPr>
               <a:t>The system must prioritize data privacy and protection against unauthorized access, implementing robust encryption, secure communication protocols, and regular security audits to safeguard user information and transactions.</a:t>
             </a:r>
-            <a:endParaRPr lang="en-US" sz="2400" dirty="0">
+            <a:endParaRPr lang="en-US" sz="2000" dirty="0">
               <a:latin typeface="Dubai Light" pitchFamily="34" charset="-78"/>
               <a:cs typeface="Dubai Light" pitchFamily="34" charset="-78"/>
             </a:endParaRPr>
@@ -3432,7 +4414,7 @@
               <a:buNone/>
             </a:pPr>
             <a:r>
-              <a:rPr lang="en-US" sz="2400" dirty="0">
+              <a:rPr lang="en-US" sz="2000" dirty="0">
                 <a:solidFill>
                   <a:srgbClr val="DAD1E6"/>
                 </a:solidFill>
@@ -3442,7 +4424,7 @@
               </a:rPr>
               <a:t>The Broker System should be designed to scale horizontally, accommodating an increasing number of users and transactions without compromising performance or reliability.</a:t>
             </a:r>
-            <a:endParaRPr lang="en-US" sz="2400" dirty="0">
+            <a:endParaRPr lang="en-US" sz="2000" dirty="0">
               <a:latin typeface="Dubai Light" pitchFamily="34" charset="-78"/>
               <a:cs typeface="Dubai Light" pitchFamily="34" charset="-78"/>
             </a:endParaRPr>
@@ -3544,7 +4526,7 @@
               <a:buNone/>
             </a:pPr>
             <a:r>
-              <a:rPr lang="en-US" sz="2400" dirty="0">
+              <a:rPr lang="en-US" sz="2000" dirty="0">
                 <a:solidFill>
                   <a:srgbClr val="DAD1E6"/>
                 </a:solidFill>
@@ -3555,7 +4537,7 @@
               <a:t>The system should offer an intuitive and user-friendly interface, with easy navigation and accessible features, ensuring a seamless and efficient user </a:t>
             </a:r>
             <a:r>
-              <a:rPr lang="en-US" sz="2400" dirty="0" smtClean="0">
+              <a:rPr lang="en-US" sz="2000" dirty="0" smtClean="0">
                 <a:solidFill>
                   <a:srgbClr val="DAD1E6"/>
                 </a:solidFill>
@@ -3565,7 +4547,7 @@
               </a:rPr>
               <a:t>experience.</a:t>
             </a:r>
-            <a:endParaRPr lang="en-US" sz="2400" dirty="0">
+            <a:endParaRPr lang="en-US" sz="2000" dirty="0">
               <a:latin typeface="Dubai Light" pitchFamily="34" charset="-78"/>
               <a:cs typeface="Dubai Light" pitchFamily="34" charset="-78"/>
             </a:endParaRPr>
@@ -3608,801 +4590,8 @@
                 <a:ea typeface="Inconsolata" pitchFamily="34" charset="-122"/>
                 <a:cs typeface="Dubai Light" pitchFamily="34" charset="-78"/>
               </a:rPr>
-              <a:t>4</a:t>
-            </a:fld>
-            <a:endParaRPr lang="en-US" sz="3200" dirty="0">
-              <a:latin typeface="Dubai Light" pitchFamily="34" charset="-78"/>
-              <a:cs typeface="Dubai Light" pitchFamily="34" charset="-78"/>
-            </a:endParaRPr>
-          </a:p>
-        </p:txBody>
-      </p:sp>
-    </p:spTree>
-  </p:cSld>
-  <p:clrMapOvr>
-    <a:masterClrMapping/>
-  </p:clrMapOvr>
-  <p:timing>
-    <p:tnLst>
-      <p:par>
-        <p:cTn id="1" dur="indefinite" restart="never" nodeType="tmRoot"/>
-      </p:par>
-    </p:tnLst>
-  </p:timing>
-</p:sld>
-</file>
-
-<file path=ppt/slides/slide5.xml><?xml version="1.0" encoding="utf-8"?>
-<p:sld xmlns:a="http://schemas.openxmlformats.org/drawingml/2006/main" xmlns:r="http://schemas.openxmlformats.org/officeDocument/2006/relationships" xmlns:p="http://schemas.openxmlformats.org/presentationml/2006/main">
-  <p:cSld name="Slide 5">
-    <p:spTree>
-      <p:nvGrpSpPr>
-        <p:cNvPr id="1" name=""/>
-        <p:cNvGrpSpPr/>
-        <p:nvPr/>
-      </p:nvGrpSpPr>
-      <p:grpSpPr>
-        <a:xfrm>
-          <a:off x="0" y="0"/>
-          <a:ext cx="0" cy="0"/>
-          <a:chOff x="0" y="0"/>
-          <a:chExt cx="0" cy="0"/>
-        </a:xfrm>
-      </p:grpSpPr>
-      <p:sp>
-        <p:nvSpPr>
-          <p:cNvPr id="2" name="Shape 0"/>
-          <p:cNvSpPr/>
-          <p:nvPr/>
-        </p:nvSpPr>
-        <p:spPr>
-          <a:xfrm>
-            <a:off x="0" y="0"/>
-            <a:ext cx="14630400" cy="8229600"/>
-          </a:xfrm>
-          <a:prstGeom prst="rect">
-            <a:avLst/>
-          </a:prstGeom>
-          <a:solidFill>
-            <a:srgbClr val="110C17"/>
-          </a:solidFill>
-          <a:ln/>
-        </p:spPr>
-      </p:sp>
-      <p:sp>
-        <p:nvSpPr>
-          <p:cNvPr id="3" name="Shape 1"/>
-          <p:cNvSpPr/>
-          <p:nvPr/>
-        </p:nvSpPr>
-        <p:spPr>
-          <a:xfrm>
-            <a:off x="0" y="0"/>
-            <a:ext cx="14630400" cy="8231148"/>
-          </a:xfrm>
-          <a:prstGeom prst="rect">
-            <a:avLst/>
-          </a:prstGeom>
-          <a:solidFill>
-            <a:srgbClr val="241631"/>
-          </a:solidFill>
-          <a:ln/>
-        </p:spPr>
-      </p:sp>
-      <p:pic>
-        <p:nvPicPr>
-          <p:cNvPr id="4" name="Image 0" descr="preencoded.png"/>
-          <p:cNvPicPr>
-            <a:picLocks noChangeAspect="1"/>
-          </p:cNvPicPr>
-          <p:nvPr/>
-        </p:nvPicPr>
-        <p:blipFill>
-          <a:blip r:embed="rId3"/>
-          <a:stretch>
-            <a:fillRect/>
-          </a:stretch>
-        </p:blipFill>
-        <p:spPr>
-          <a:xfrm>
-            <a:off x="0" y="0"/>
-            <a:ext cx="14630400" cy="8231148"/>
-          </a:xfrm>
-          <a:prstGeom prst="rect">
-            <a:avLst/>
-          </a:prstGeom>
-        </p:spPr>
-      </p:pic>
-      <p:sp>
-        <p:nvSpPr>
-          <p:cNvPr id="5" name="Shape 2"/>
-          <p:cNvSpPr/>
-          <p:nvPr/>
-        </p:nvSpPr>
-        <p:spPr>
-          <a:xfrm>
-            <a:off x="0" y="0"/>
-            <a:ext cx="14630400" cy="8231148"/>
-          </a:xfrm>
-          <a:prstGeom prst="rect">
-            <a:avLst/>
-          </a:prstGeom>
-          <a:solidFill>
-            <a:srgbClr val="241631">
-              <a:alpha val="80000"/>
-            </a:srgbClr>
-          </a:solidFill>
-          <a:ln/>
-        </p:spPr>
-      </p:sp>
-      <p:sp>
-        <p:nvSpPr>
-          <p:cNvPr id="6" name="Text 3"/>
-          <p:cNvSpPr/>
-          <p:nvPr/>
-        </p:nvSpPr>
-        <p:spPr>
-          <a:xfrm>
-            <a:off x="2359223" y="573762"/>
-            <a:ext cx="5216843" cy="652105"/>
-          </a:xfrm>
-          <a:prstGeom prst="rect">
-            <a:avLst/>
-          </a:prstGeom>
-          <a:noFill/>
-          <a:ln/>
-        </p:spPr>
-        <p:txBody>
-          <a:bodyPr wrap="none" rtlCol="0" anchor="t"/>
-          <a:lstStyle/>
-          <a:p>
-            <a:pPr marL="0" indent="0">
-              <a:lnSpc>
-                <a:spcPts val="5135"/>
-              </a:lnSpc>
-              <a:buNone/>
-            </a:pPr>
-            <a:r>
-              <a:rPr lang="en-US" sz="4800" b="1" dirty="0">
-                <a:solidFill>
-                  <a:srgbClr val="FF726D"/>
-                </a:solidFill>
-                <a:latin typeface="Dubai Light" pitchFamily="34" charset="-78"/>
-                <a:ea typeface="Inconsolata" pitchFamily="34" charset="-122"/>
-                <a:cs typeface="Dubai Light" pitchFamily="34" charset="-78"/>
-              </a:rPr>
-              <a:t>Use Cases</a:t>
-            </a:r>
-            <a:endParaRPr lang="en-US" sz="4800" dirty="0">
-              <a:latin typeface="Dubai Light" pitchFamily="34" charset="-78"/>
-              <a:cs typeface="Dubai Light" pitchFamily="34" charset="-78"/>
-            </a:endParaRPr>
-          </a:p>
-        </p:txBody>
-      </p:sp>
-      <p:sp>
-        <p:nvSpPr>
-          <p:cNvPr id="7" name="Shape 4"/>
-          <p:cNvSpPr/>
-          <p:nvPr/>
-        </p:nvSpPr>
-        <p:spPr>
-          <a:xfrm>
-            <a:off x="2359223" y="4598075"/>
-            <a:ext cx="9911953" cy="26075"/>
-          </a:xfrm>
-          <a:prstGeom prst="rect">
-            <a:avLst/>
-          </a:prstGeom>
-          <a:solidFill>
-            <a:srgbClr val="FF6680"/>
-          </a:solidFill>
-          <a:ln/>
-        </p:spPr>
-      </p:sp>
-      <p:sp>
-        <p:nvSpPr>
-          <p:cNvPr id="8" name="Shape 5"/>
-          <p:cNvSpPr/>
-          <p:nvPr/>
-        </p:nvSpPr>
-        <p:spPr>
-          <a:xfrm>
-            <a:off x="4771965" y="3867745"/>
-            <a:ext cx="26075" cy="730329"/>
-          </a:xfrm>
-          <a:prstGeom prst="rect">
-            <a:avLst/>
-          </a:prstGeom>
-          <a:solidFill>
-            <a:srgbClr val="FF6680"/>
-          </a:solidFill>
-          <a:ln/>
-        </p:spPr>
-      </p:sp>
-      <p:sp>
-        <p:nvSpPr>
-          <p:cNvPr id="9" name="Shape 6"/>
-          <p:cNvSpPr/>
-          <p:nvPr/>
-        </p:nvSpPr>
-        <p:spPr>
-          <a:xfrm>
-            <a:off x="4550331" y="4363403"/>
-            <a:ext cx="469463" cy="469463"/>
-          </a:xfrm>
-          <a:prstGeom prst="roundRect">
-            <a:avLst>
-              <a:gd name="adj" fmla="val 13335"/>
-            </a:avLst>
-          </a:prstGeom>
-          <a:solidFill>
-            <a:srgbClr val="382748"/>
-          </a:solidFill>
-          <a:ln/>
-        </p:spPr>
-      </p:sp>
-      <p:sp>
-        <p:nvSpPr>
-          <p:cNvPr id="10" name="Text 7"/>
-          <p:cNvSpPr/>
-          <p:nvPr/>
-        </p:nvSpPr>
-        <p:spPr>
-          <a:xfrm>
-            <a:off x="4706779" y="4402455"/>
-            <a:ext cx="156567" cy="391239"/>
-          </a:xfrm>
-          <a:prstGeom prst="rect">
-            <a:avLst/>
-          </a:prstGeom>
-          <a:noFill/>
-          <a:ln/>
-        </p:spPr>
-        <p:txBody>
-          <a:bodyPr wrap="none" rtlCol="0" anchor="t"/>
-          <a:lstStyle/>
-          <a:p>
-            <a:pPr marL="0" indent="0" algn="ctr">
-              <a:lnSpc>
-                <a:spcPts val="3081"/>
-              </a:lnSpc>
-              <a:buNone/>
-            </a:pPr>
-            <a:r>
-              <a:rPr lang="en-US" sz="3200" b="1" dirty="0">
-                <a:solidFill>
-                  <a:srgbClr val="FF726D"/>
-                </a:solidFill>
-                <a:latin typeface="Dubai Light" pitchFamily="34" charset="-78"/>
-                <a:ea typeface="Inconsolata" pitchFamily="34" charset="-122"/>
-                <a:cs typeface="Dubai Light" pitchFamily="34" charset="-78"/>
-              </a:rPr>
-              <a:t>1</a:t>
-            </a:r>
-            <a:endParaRPr lang="en-US" sz="3200" dirty="0">
-              <a:latin typeface="Dubai Light" pitchFamily="34" charset="-78"/>
-              <a:cs typeface="Dubai Light" pitchFamily="34" charset="-78"/>
-            </a:endParaRPr>
-          </a:p>
-        </p:txBody>
-      </p:sp>
-      <p:sp>
-        <p:nvSpPr>
-          <p:cNvPr id="11" name="Text 8"/>
-          <p:cNvSpPr/>
-          <p:nvPr/>
-        </p:nvSpPr>
-        <p:spPr>
-          <a:xfrm>
-            <a:off x="3480792" y="1538764"/>
-            <a:ext cx="2608421" cy="325993"/>
-          </a:xfrm>
-          <a:prstGeom prst="rect">
-            <a:avLst/>
-          </a:prstGeom>
-          <a:noFill/>
-          <a:ln/>
-        </p:spPr>
-        <p:txBody>
-          <a:bodyPr wrap="none" rtlCol="0" anchor="t"/>
-          <a:lstStyle/>
-          <a:p>
-            <a:pPr marL="0" indent="0" algn="ctr">
-              <a:lnSpc>
-                <a:spcPts val="2567"/>
-              </a:lnSpc>
-              <a:buNone/>
-            </a:pPr>
-            <a:r>
-              <a:rPr lang="en-US" sz="2800" b="1" dirty="0">
-                <a:solidFill>
-                  <a:srgbClr val="FF726D"/>
-                </a:solidFill>
-                <a:latin typeface="Dubai Light" pitchFamily="34" charset="-78"/>
-                <a:ea typeface="Inconsolata" pitchFamily="34" charset="-122"/>
-                <a:cs typeface="Dubai Light" pitchFamily="34" charset="-78"/>
-              </a:rPr>
-              <a:t>User Login</a:t>
-            </a:r>
-            <a:endParaRPr lang="en-US" sz="2800" dirty="0">
-              <a:latin typeface="Dubai Light" pitchFamily="34" charset="-78"/>
-              <a:cs typeface="Dubai Light" pitchFamily="34" charset="-78"/>
-            </a:endParaRPr>
-          </a:p>
-        </p:txBody>
-      </p:sp>
-      <p:sp>
-        <p:nvSpPr>
-          <p:cNvPr id="12" name="Text 9"/>
-          <p:cNvSpPr/>
-          <p:nvPr/>
-        </p:nvSpPr>
-        <p:spPr>
-          <a:xfrm>
-            <a:off x="2567821" y="1989892"/>
-            <a:ext cx="4434483" cy="1669256"/>
-          </a:xfrm>
-          <a:prstGeom prst="rect">
-            <a:avLst/>
-          </a:prstGeom>
-          <a:noFill/>
-          <a:ln/>
-        </p:spPr>
-        <p:txBody>
-          <a:bodyPr wrap="square" rtlCol="0" anchor="t"/>
-          <a:lstStyle/>
-          <a:p>
-            <a:pPr marL="0" indent="0" algn="ctr">
-              <a:lnSpc>
-                <a:spcPts val="2629"/>
-              </a:lnSpc>
-              <a:buNone/>
-            </a:pPr>
-            <a:r>
-              <a:rPr lang="en-US" sz="2000" dirty="0">
-                <a:solidFill>
-                  <a:srgbClr val="DAD1E6"/>
-                </a:solidFill>
-                <a:latin typeface="Dubai Light" pitchFamily="34" charset="-78"/>
-                <a:ea typeface="Fira Sans" pitchFamily="34" charset="-122"/>
-                <a:cs typeface="Dubai Light" pitchFamily="34" charset="-78"/>
-              </a:rPr>
-              <a:t>Users log into the Broker System using their credentials, with the system verifying their identity through secure authentication methods to ensure the confidentiality and integrity of user accounts.</a:t>
-            </a:r>
-            <a:endParaRPr lang="en-US" sz="2000" dirty="0">
-              <a:latin typeface="Dubai Light" pitchFamily="34" charset="-78"/>
-              <a:cs typeface="Dubai Light" pitchFamily="34" charset="-78"/>
-            </a:endParaRPr>
-          </a:p>
-        </p:txBody>
-      </p:sp>
-      <p:sp>
-        <p:nvSpPr>
-          <p:cNvPr id="13" name="Shape 10"/>
-          <p:cNvSpPr/>
-          <p:nvPr/>
-        </p:nvSpPr>
-        <p:spPr>
-          <a:xfrm>
-            <a:off x="7302044" y="4598075"/>
-            <a:ext cx="26075" cy="730329"/>
-          </a:xfrm>
-          <a:prstGeom prst="rect">
-            <a:avLst/>
-          </a:prstGeom>
-          <a:solidFill>
-            <a:srgbClr val="FF6680"/>
-          </a:solidFill>
-          <a:ln/>
-        </p:spPr>
-      </p:sp>
-      <p:sp>
-        <p:nvSpPr>
-          <p:cNvPr id="14" name="Shape 11"/>
-          <p:cNvSpPr/>
-          <p:nvPr/>
-        </p:nvSpPr>
-        <p:spPr>
-          <a:xfrm>
-            <a:off x="7080409" y="4363403"/>
-            <a:ext cx="469463" cy="469463"/>
-          </a:xfrm>
-          <a:prstGeom prst="roundRect">
-            <a:avLst>
-              <a:gd name="adj" fmla="val 13335"/>
-            </a:avLst>
-          </a:prstGeom>
-          <a:solidFill>
-            <a:srgbClr val="382748"/>
-          </a:solidFill>
-          <a:ln/>
-        </p:spPr>
-      </p:sp>
-      <p:sp>
-        <p:nvSpPr>
-          <p:cNvPr id="15" name="Text 12"/>
-          <p:cNvSpPr/>
-          <p:nvPr/>
-        </p:nvSpPr>
-        <p:spPr>
-          <a:xfrm>
-            <a:off x="7236857" y="4402455"/>
-            <a:ext cx="156567" cy="391239"/>
-          </a:xfrm>
-          <a:prstGeom prst="rect">
-            <a:avLst/>
-          </a:prstGeom>
-          <a:noFill/>
-          <a:ln/>
-        </p:spPr>
-        <p:txBody>
-          <a:bodyPr wrap="none" rtlCol="0" anchor="t"/>
-          <a:lstStyle/>
-          <a:p>
-            <a:pPr marL="0" indent="0" algn="ctr">
-              <a:lnSpc>
-                <a:spcPts val="3081"/>
-              </a:lnSpc>
-              <a:buNone/>
-            </a:pPr>
-            <a:r>
-              <a:rPr lang="en-US" sz="3200" b="1" dirty="0">
-                <a:solidFill>
-                  <a:srgbClr val="FF726D"/>
-                </a:solidFill>
-                <a:latin typeface="Dubai Light" pitchFamily="34" charset="-78"/>
-                <a:ea typeface="Inconsolata" pitchFamily="34" charset="-122"/>
-                <a:cs typeface="Dubai Light" pitchFamily="34" charset="-78"/>
-              </a:rPr>
-              <a:t>2</a:t>
-            </a:r>
-            <a:endParaRPr lang="en-US" sz="3200" dirty="0">
-              <a:latin typeface="Dubai Light" pitchFamily="34" charset="-78"/>
-              <a:cs typeface="Dubai Light" pitchFamily="34" charset="-78"/>
-            </a:endParaRPr>
-          </a:p>
-        </p:txBody>
-      </p:sp>
-      <p:sp>
-        <p:nvSpPr>
-          <p:cNvPr id="16" name="Text 13"/>
-          <p:cNvSpPr/>
-          <p:nvPr/>
-        </p:nvSpPr>
-        <p:spPr>
-          <a:xfrm>
-            <a:off x="6010870" y="5537002"/>
-            <a:ext cx="2608421" cy="325993"/>
-          </a:xfrm>
-          <a:prstGeom prst="rect">
-            <a:avLst/>
-          </a:prstGeom>
-          <a:noFill/>
-          <a:ln/>
-        </p:spPr>
-        <p:txBody>
-          <a:bodyPr wrap="none" rtlCol="0" anchor="t"/>
-          <a:lstStyle/>
-          <a:p>
-            <a:pPr marL="0" indent="0" algn="ctr">
-              <a:lnSpc>
-                <a:spcPts val="2567"/>
-              </a:lnSpc>
-              <a:buNone/>
-            </a:pPr>
-            <a:r>
-              <a:rPr lang="en-US" sz="2800" b="1" dirty="0">
-                <a:solidFill>
-                  <a:srgbClr val="FF726D"/>
-                </a:solidFill>
-                <a:latin typeface="Dubai Light" pitchFamily="34" charset="-78"/>
-                <a:ea typeface="Inconsolata" pitchFamily="34" charset="-122"/>
-                <a:cs typeface="Dubai Light" pitchFamily="34" charset="-78"/>
-              </a:rPr>
-              <a:t>Place Order</a:t>
-            </a:r>
-            <a:endParaRPr lang="en-US" sz="2800" dirty="0">
-              <a:latin typeface="Dubai Light" pitchFamily="34" charset="-78"/>
-              <a:cs typeface="Dubai Light" pitchFamily="34" charset="-78"/>
-            </a:endParaRPr>
-          </a:p>
-        </p:txBody>
-      </p:sp>
-      <p:sp>
-        <p:nvSpPr>
-          <p:cNvPr id="17" name="Text 14"/>
-          <p:cNvSpPr/>
-          <p:nvPr/>
-        </p:nvSpPr>
-        <p:spPr>
-          <a:xfrm>
-            <a:off x="5097899" y="5988129"/>
-            <a:ext cx="4434483" cy="1669256"/>
-          </a:xfrm>
-          <a:prstGeom prst="rect">
-            <a:avLst/>
-          </a:prstGeom>
-          <a:noFill/>
-          <a:ln/>
-        </p:spPr>
-        <p:txBody>
-          <a:bodyPr wrap="square" rtlCol="0" anchor="t"/>
-          <a:lstStyle/>
-          <a:p>
-            <a:pPr marL="0" indent="0" algn="ctr">
-              <a:lnSpc>
-                <a:spcPts val="2629"/>
-              </a:lnSpc>
-              <a:buNone/>
-            </a:pPr>
-            <a:r>
-              <a:rPr lang="en-US" sz="2000" dirty="0">
-                <a:solidFill>
-                  <a:srgbClr val="DAD1E6"/>
-                </a:solidFill>
-                <a:latin typeface="Dubai Light" pitchFamily="34" charset="-78"/>
-                <a:ea typeface="Fira Sans" pitchFamily="34" charset="-122"/>
-                <a:cs typeface="Dubai Light" pitchFamily="34" charset="-78"/>
-              </a:rPr>
-              <a:t>Users can place buy or sell orders for various securities, specifying the type of order (market, limit, or stop), quantity, and price. The system processes the order and provides confirmation of execution to the user.</a:t>
-            </a:r>
-            <a:endParaRPr lang="en-US" sz="2000" dirty="0">
-              <a:latin typeface="Dubai Light" pitchFamily="34" charset="-78"/>
-              <a:cs typeface="Dubai Light" pitchFamily="34" charset="-78"/>
-            </a:endParaRPr>
-          </a:p>
-        </p:txBody>
-      </p:sp>
-      <p:sp>
-        <p:nvSpPr>
-          <p:cNvPr id="18" name="Shape 15"/>
-          <p:cNvSpPr/>
-          <p:nvPr/>
-        </p:nvSpPr>
-        <p:spPr>
-          <a:xfrm>
-            <a:off x="9832241" y="3867745"/>
-            <a:ext cx="26075" cy="730329"/>
-          </a:xfrm>
-          <a:prstGeom prst="rect">
-            <a:avLst/>
-          </a:prstGeom>
-          <a:solidFill>
-            <a:srgbClr val="FF6680"/>
-          </a:solidFill>
-          <a:ln/>
-        </p:spPr>
-      </p:sp>
-      <p:sp>
-        <p:nvSpPr>
-          <p:cNvPr id="19" name="Shape 16"/>
-          <p:cNvSpPr/>
-          <p:nvPr/>
-        </p:nvSpPr>
-        <p:spPr>
-          <a:xfrm>
-            <a:off x="9610606" y="4363403"/>
-            <a:ext cx="469463" cy="469463"/>
-          </a:xfrm>
-          <a:prstGeom prst="roundRect">
-            <a:avLst>
-              <a:gd name="adj" fmla="val 13335"/>
-            </a:avLst>
-          </a:prstGeom>
-          <a:solidFill>
-            <a:srgbClr val="382748"/>
-          </a:solidFill>
-          <a:ln/>
-        </p:spPr>
-      </p:sp>
-      <p:sp>
-        <p:nvSpPr>
-          <p:cNvPr id="20" name="Text 17"/>
-          <p:cNvSpPr/>
-          <p:nvPr/>
-        </p:nvSpPr>
-        <p:spPr>
-          <a:xfrm>
-            <a:off x="9767054" y="4402455"/>
-            <a:ext cx="156567" cy="391239"/>
-          </a:xfrm>
-          <a:prstGeom prst="rect">
-            <a:avLst/>
-          </a:prstGeom>
-          <a:noFill/>
-          <a:ln/>
-        </p:spPr>
-        <p:txBody>
-          <a:bodyPr wrap="none" rtlCol="0" anchor="t"/>
-          <a:lstStyle/>
-          <a:p>
-            <a:pPr marL="0" indent="0" algn="ctr">
-              <a:lnSpc>
-                <a:spcPts val="3081"/>
-              </a:lnSpc>
-              <a:buNone/>
-            </a:pPr>
-            <a:r>
-              <a:rPr lang="en-US" sz="3200" b="1" dirty="0">
-                <a:solidFill>
-                  <a:srgbClr val="FF726D"/>
-                </a:solidFill>
-                <a:latin typeface="Dubai Light" pitchFamily="34" charset="-78"/>
-                <a:ea typeface="Inconsolata" pitchFamily="34" charset="-122"/>
-                <a:cs typeface="Dubai Light" pitchFamily="34" charset="-78"/>
-              </a:rPr>
-              <a:t>3</a:t>
-            </a:r>
-            <a:endParaRPr lang="en-US" sz="3200" dirty="0">
-              <a:latin typeface="Dubai Light" pitchFamily="34" charset="-78"/>
-              <a:cs typeface="Dubai Light" pitchFamily="34" charset="-78"/>
-            </a:endParaRPr>
-          </a:p>
-        </p:txBody>
-      </p:sp>
-      <p:sp>
-        <p:nvSpPr>
-          <p:cNvPr id="21" name="Text 18"/>
-          <p:cNvSpPr/>
-          <p:nvPr/>
-        </p:nvSpPr>
-        <p:spPr>
-          <a:xfrm>
-            <a:off x="8541068" y="1538764"/>
-            <a:ext cx="2608421" cy="325993"/>
-          </a:xfrm>
-          <a:prstGeom prst="rect">
-            <a:avLst/>
-          </a:prstGeom>
-          <a:noFill/>
-          <a:ln/>
-        </p:spPr>
-        <p:txBody>
-          <a:bodyPr wrap="none" rtlCol="0" anchor="t"/>
-          <a:lstStyle/>
-          <a:p>
-            <a:pPr marL="0" indent="0" algn="ctr">
-              <a:lnSpc>
-                <a:spcPts val="2567"/>
-              </a:lnSpc>
-              <a:buNone/>
-            </a:pPr>
-            <a:r>
-              <a:rPr lang="en-US" sz="2800" b="1" dirty="0">
-                <a:solidFill>
-                  <a:srgbClr val="FF726D"/>
-                </a:solidFill>
-                <a:latin typeface="Dubai Light" pitchFamily="34" charset="-78"/>
-                <a:ea typeface="Inconsolata" pitchFamily="34" charset="-122"/>
-                <a:cs typeface="Dubai Light" pitchFamily="34" charset="-78"/>
-              </a:rPr>
-              <a:t>View Portfolio</a:t>
-            </a:r>
-            <a:endParaRPr lang="en-US" sz="2800" dirty="0">
-              <a:latin typeface="Dubai Light" pitchFamily="34" charset="-78"/>
-              <a:cs typeface="Dubai Light" pitchFamily="34" charset="-78"/>
-            </a:endParaRPr>
-          </a:p>
-        </p:txBody>
-      </p:sp>
-      <p:sp>
-        <p:nvSpPr>
-          <p:cNvPr id="22" name="Text 19"/>
-          <p:cNvSpPr/>
-          <p:nvPr/>
-        </p:nvSpPr>
-        <p:spPr>
-          <a:xfrm>
-            <a:off x="7628096" y="1989892"/>
-            <a:ext cx="4434483" cy="1669256"/>
-          </a:xfrm>
-          <a:prstGeom prst="rect">
-            <a:avLst/>
-          </a:prstGeom>
-          <a:noFill/>
-          <a:ln/>
-        </p:spPr>
-        <p:txBody>
-          <a:bodyPr wrap="square" rtlCol="0" anchor="t"/>
-          <a:lstStyle/>
-          <a:p>
-            <a:pPr marL="0" indent="0" algn="ctr">
-              <a:lnSpc>
-                <a:spcPts val="2629"/>
-              </a:lnSpc>
-              <a:buNone/>
-            </a:pPr>
-            <a:r>
-              <a:rPr lang="en-US" sz="2000" dirty="0">
-                <a:solidFill>
-                  <a:srgbClr val="DAD1E6"/>
-                </a:solidFill>
-                <a:latin typeface="Dubai Light" pitchFamily="34" charset="-78"/>
-                <a:ea typeface="Fira Sans" pitchFamily="34" charset="-122"/>
-                <a:cs typeface="Dubai Light" pitchFamily="34" charset="-78"/>
-              </a:rPr>
-              <a:t>Users can access their current investment portfolio, which includes detailed information on each security, performance metrics, and the overall portfolio value, enabling them to monitor their investments.</a:t>
-            </a:r>
-            <a:endParaRPr lang="en-US" sz="2000" dirty="0">
-              <a:latin typeface="Dubai Light" pitchFamily="34" charset="-78"/>
-              <a:cs typeface="Dubai Light" pitchFamily="34" charset="-78"/>
-            </a:endParaRPr>
-          </a:p>
-        </p:txBody>
-      </p:sp>
-      <p:sp>
-        <p:nvSpPr>
-          <p:cNvPr id="24" name="Text 7"/>
-          <p:cNvSpPr/>
-          <p:nvPr/>
-        </p:nvSpPr>
-        <p:spPr>
-          <a:xfrm>
-            <a:off x="11483793" y="7670539"/>
-            <a:ext cx="2739390" cy="342424"/>
-          </a:xfrm>
-          <a:prstGeom prst="rect">
-            <a:avLst/>
-          </a:prstGeom>
-          <a:noFill/>
-          <a:ln/>
-        </p:spPr>
-        <p:txBody>
-          <a:bodyPr wrap="none" rtlCol="0" anchor="t"/>
-          <a:lstStyle/>
-          <a:p>
-            <a:pPr marL="0" indent="0">
-              <a:lnSpc>
-                <a:spcPts val="2696"/>
-              </a:lnSpc>
-              <a:buNone/>
-            </a:pPr>
-            <a:fld id="{A164F1BD-093E-434A-ACDC-F809A400B6E4}" type="slidenum">
-              <a:rPr lang="en-US" sz="3200" b="1" smtClean="0">
-                <a:solidFill>
-                  <a:srgbClr val="FF726D"/>
-                </a:solidFill>
-                <a:latin typeface="Dubai Light" pitchFamily="34" charset="-78"/>
-                <a:ea typeface="Inconsolata" pitchFamily="34" charset="-122"/>
-                <a:cs typeface="Dubai Light" pitchFamily="34" charset="-78"/>
-              </a:rPr>
               <a:t>5</a:t>
             </a:fld>
-            <a:endParaRPr lang="en-US" sz="3200" dirty="0">
-              <a:latin typeface="Dubai Light" pitchFamily="34" charset="-78"/>
-              <a:cs typeface="Dubai Light" pitchFamily="34" charset="-78"/>
-            </a:endParaRPr>
-          </a:p>
-        </p:txBody>
-      </p:sp>
-      <p:sp>
-        <p:nvSpPr>
-          <p:cNvPr id="25" name="Text 7"/>
-          <p:cNvSpPr/>
-          <p:nvPr/>
-        </p:nvSpPr>
-        <p:spPr>
-          <a:xfrm>
-            <a:off x="10692884" y="5862995"/>
-            <a:ext cx="2739390" cy="342424"/>
-          </a:xfrm>
-          <a:prstGeom prst="rect">
-            <a:avLst/>
-          </a:prstGeom>
-          <a:noFill/>
-          <a:ln/>
-        </p:spPr>
-        <p:txBody>
-          <a:bodyPr wrap="none" rtlCol="0" anchor="t"/>
-          <a:lstStyle/>
-          <a:p>
-            <a:pPr marL="0" indent="0">
-              <a:lnSpc>
-                <a:spcPts val="2696"/>
-              </a:lnSpc>
-              <a:buNone/>
-            </a:pPr>
             <a:endParaRPr lang="en-US" sz="3200" dirty="0">
               <a:latin typeface="Dubai Light" pitchFamily="34" charset="-78"/>
               <a:cs typeface="Dubai Light" pitchFamily="34" charset="-78"/>
@@ -4427,7 +4616,7 @@
 
 <file path=ppt/slides/slide6.xml><?xml version="1.0" encoding="utf-8"?>
 <p:sld xmlns:a="http://schemas.openxmlformats.org/drawingml/2006/main" xmlns:r="http://schemas.openxmlformats.org/officeDocument/2006/relationships" xmlns:p="http://schemas.openxmlformats.org/presentationml/2006/main">
-  <p:cSld name="Slide 6">
+  <p:cSld name="Slide 5">
     <p:spTree>
       <p:nvGrpSpPr>
         <p:cNvPr id="1" name=""/>
@@ -4470,8 +4659,8 @@
         </p:nvSpPr>
         <p:spPr>
           <a:xfrm>
-            <a:off x="0" y="309489"/>
-            <a:ext cx="14630400" cy="8229600"/>
+            <a:off x="0" y="0"/>
+            <a:ext cx="14630400" cy="8231148"/>
           </a:xfrm>
           <a:prstGeom prst="rect">
             <a:avLst/>
@@ -4482,54 +4671,9 @@
           <a:ln/>
         </p:spPr>
       </p:sp>
-      <p:sp>
-        <p:nvSpPr>
-          <p:cNvPr id="4" name="Text 2"/>
-          <p:cNvSpPr/>
-          <p:nvPr/>
-        </p:nvSpPr>
-        <p:spPr>
-          <a:xfrm>
-            <a:off x="2037993" y="1317069"/>
-            <a:ext cx="5554980" cy="694373"/>
-          </a:xfrm>
-          <a:prstGeom prst="rect">
-            <a:avLst/>
-          </a:prstGeom>
-          <a:noFill/>
-          <a:ln/>
-        </p:spPr>
-        <p:txBody>
-          <a:bodyPr wrap="none" rtlCol="0" anchor="t"/>
-          <a:lstStyle/>
-          <a:p>
-            <a:pPr marL="0" indent="0">
-              <a:lnSpc>
-                <a:spcPts val="5468"/>
-              </a:lnSpc>
-              <a:buNone/>
-            </a:pPr>
-            <a:r>
-              <a:rPr lang="en-US" sz="4800" b="1" dirty="0">
-                <a:solidFill>
-                  <a:srgbClr val="FF726D"/>
-                </a:solidFill>
-                <a:latin typeface="Dubai Light" pitchFamily="34" charset="-78"/>
-                <a:ea typeface="Inconsolata" pitchFamily="34" charset="-122"/>
-                <a:cs typeface="Dubai Light" pitchFamily="34" charset="-78"/>
-              </a:rPr>
-              <a:t>Data Flow Diagrams</a:t>
-            </a:r>
-            <a:endParaRPr lang="en-US" sz="4800" dirty="0">
-              <a:latin typeface="Dubai Light" pitchFamily="34" charset="-78"/>
-              <a:cs typeface="Dubai Light" pitchFamily="34" charset="-78"/>
-            </a:endParaRPr>
-          </a:p>
-        </p:txBody>
-      </p:sp>
       <p:pic>
         <p:nvPicPr>
-          <p:cNvPr id="5" name="Image 0" descr="preencoded.png"/>
+          <p:cNvPr id="4" name="Image 0" descr="preencoded.png"/>
           <p:cNvPicPr>
             <a:picLocks noChangeAspect="1"/>
           </p:cNvPicPr>
@@ -4543,8 +4687,8 @@
         </p:blipFill>
         <p:spPr>
           <a:xfrm>
-            <a:off x="2037993" y="2455783"/>
-            <a:ext cx="555427" cy="555427"/>
+            <a:off x="0" y="0"/>
+            <a:ext cx="14630400" cy="8231148"/>
           </a:xfrm>
           <a:prstGeom prst="rect">
             <a:avLst/>
@@ -4553,14 +4697,36 @@
       </p:pic>
       <p:sp>
         <p:nvSpPr>
+          <p:cNvPr id="5" name="Shape 2"/>
+          <p:cNvSpPr/>
+          <p:nvPr/>
+        </p:nvSpPr>
+        <p:spPr>
+          <a:xfrm>
+            <a:off x="12919" y="-1548"/>
+            <a:ext cx="14630400" cy="8231148"/>
+          </a:xfrm>
+          <a:prstGeom prst="rect">
+            <a:avLst/>
+          </a:prstGeom>
+          <a:solidFill>
+            <a:srgbClr val="241631">
+              <a:alpha val="80000"/>
+            </a:srgbClr>
+          </a:solidFill>
+          <a:ln/>
+        </p:spPr>
+      </p:sp>
+      <p:sp>
+        <p:nvSpPr>
           <p:cNvPr id="6" name="Text 3"/>
           <p:cNvSpPr/>
           <p:nvPr/>
         </p:nvSpPr>
         <p:spPr>
           <a:xfrm>
-            <a:off x="2037993" y="3233380"/>
-            <a:ext cx="2388632" cy="347186"/>
+            <a:off x="2359223" y="573762"/>
+            <a:ext cx="5216843" cy="652105"/>
           </a:xfrm>
           <a:prstGeom prst="rect">
             <a:avLst/>
@@ -4572,13 +4738,165 @@
           <a:bodyPr wrap="none" rtlCol="0" anchor="t"/>
           <a:lstStyle/>
           <a:p>
-            <a:pPr marL="0" indent="0" algn="l">
-              <a:lnSpc>
-                <a:spcPts val="2734"/>
+            <a:pPr marL="0" indent="0">
+              <a:lnSpc>
+                <a:spcPts val="5135"/>
               </a:lnSpc>
               <a:buNone/>
             </a:pPr>
             <a:r>
+              <a:rPr lang="en-US" sz="4800" b="1" dirty="0">
+                <a:solidFill>
+                  <a:srgbClr val="FF726D"/>
+                </a:solidFill>
+                <a:latin typeface="Dubai Light" pitchFamily="34" charset="-78"/>
+                <a:ea typeface="Inconsolata" pitchFamily="34" charset="-122"/>
+                <a:cs typeface="Dubai Light" pitchFamily="34" charset="-78"/>
+              </a:rPr>
+              <a:t>Use Cases</a:t>
+            </a:r>
+            <a:endParaRPr lang="en-US" sz="4800" dirty="0">
+              <a:latin typeface="Dubai Light" pitchFamily="34" charset="-78"/>
+              <a:cs typeface="Dubai Light" pitchFamily="34" charset="-78"/>
+            </a:endParaRPr>
+          </a:p>
+        </p:txBody>
+      </p:sp>
+      <p:sp>
+        <p:nvSpPr>
+          <p:cNvPr id="7" name="Shape 4"/>
+          <p:cNvSpPr/>
+          <p:nvPr/>
+        </p:nvSpPr>
+        <p:spPr>
+          <a:xfrm>
+            <a:off x="2359223" y="4598075"/>
+            <a:ext cx="9911953" cy="26075"/>
+          </a:xfrm>
+          <a:prstGeom prst="rect">
+            <a:avLst/>
+          </a:prstGeom>
+          <a:solidFill>
+            <a:srgbClr val="FF6680"/>
+          </a:solidFill>
+          <a:ln/>
+        </p:spPr>
+      </p:sp>
+      <p:sp>
+        <p:nvSpPr>
+          <p:cNvPr id="8" name="Shape 5"/>
+          <p:cNvSpPr/>
+          <p:nvPr/>
+        </p:nvSpPr>
+        <p:spPr>
+          <a:xfrm>
+            <a:off x="4771965" y="3867745"/>
+            <a:ext cx="26075" cy="730329"/>
+          </a:xfrm>
+          <a:prstGeom prst="rect">
+            <a:avLst/>
+          </a:prstGeom>
+          <a:solidFill>
+            <a:srgbClr val="FF6680"/>
+          </a:solidFill>
+          <a:ln/>
+        </p:spPr>
+      </p:sp>
+      <p:sp>
+        <p:nvSpPr>
+          <p:cNvPr id="9" name="Shape 6"/>
+          <p:cNvSpPr/>
+          <p:nvPr/>
+        </p:nvSpPr>
+        <p:spPr>
+          <a:xfrm>
+            <a:off x="4550331" y="4363403"/>
+            <a:ext cx="469463" cy="469463"/>
+          </a:xfrm>
+          <a:prstGeom prst="roundRect">
+            <a:avLst>
+              <a:gd name="adj" fmla="val 13335"/>
+            </a:avLst>
+          </a:prstGeom>
+          <a:solidFill>
+            <a:srgbClr val="382748"/>
+          </a:solidFill>
+          <a:ln/>
+        </p:spPr>
+      </p:sp>
+      <p:sp>
+        <p:nvSpPr>
+          <p:cNvPr id="10" name="Text 7"/>
+          <p:cNvSpPr/>
+          <p:nvPr/>
+        </p:nvSpPr>
+        <p:spPr>
+          <a:xfrm>
+            <a:off x="4706779" y="4402455"/>
+            <a:ext cx="156567" cy="391239"/>
+          </a:xfrm>
+          <a:prstGeom prst="rect">
+            <a:avLst/>
+          </a:prstGeom>
+          <a:noFill/>
+          <a:ln/>
+        </p:spPr>
+        <p:txBody>
+          <a:bodyPr wrap="none" rtlCol="0" anchor="t"/>
+          <a:lstStyle/>
+          <a:p>
+            <a:pPr marL="0" indent="0" algn="ctr">
+              <a:lnSpc>
+                <a:spcPts val="3081"/>
+              </a:lnSpc>
+              <a:buNone/>
+            </a:pPr>
+            <a:r>
+              <a:rPr lang="en-US" sz="3200" b="1" dirty="0">
+                <a:solidFill>
+                  <a:srgbClr val="FF726D"/>
+                </a:solidFill>
+                <a:latin typeface="Dubai Light" pitchFamily="34" charset="-78"/>
+                <a:ea typeface="Inconsolata" pitchFamily="34" charset="-122"/>
+                <a:cs typeface="Dubai Light" pitchFamily="34" charset="-78"/>
+              </a:rPr>
+              <a:t>1</a:t>
+            </a:r>
+            <a:endParaRPr lang="en-US" sz="3200" dirty="0">
+              <a:latin typeface="Dubai Light" pitchFamily="34" charset="-78"/>
+              <a:cs typeface="Dubai Light" pitchFamily="34" charset="-78"/>
+            </a:endParaRPr>
+          </a:p>
+        </p:txBody>
+      </p:sp>
+      <p:sp>
+        <p:nvSpPr>
+          <p:cNvPr id="11" name="Text 8"/>
+          <p:cNvSpPr/>
+          <p:nvPr/>
+        </p:nvSpPr>
+        <p:spPr>
+          <a:xfrm>
+            <a:off x="3480792" y="1538764"/>
+            <a:ext cx="2608421" cy="325993"/>
+          </a:xfrm>
+          <a:prstGeom prst="rect">
+            <a:avLst/>
+          </a:prstGeom>
+          <a:noFill/>
+          <a:ln/>
+        </p:spPr>
+        <p:txBody>
+          <a:bodyPr wrap="none" rtlCol="0" anchor="t"/>
+          <a:lstStyle/>
+          <a:p>
+            <a:pPr marL="0" indent="0" algn="ctr">
+              <a:lnSpc>
+                <a:spcPts val="2567"/>
+              </a:lnSpc>
+              <a:buNone/>
+            </a:pPr>
+            <a:r>
               <a:rPr lang="en-US" sz="2800" b="1" dirty="0">
                 <a:solidFill>
                   <a:srgbClr val="FF726D"/>
@@ -4587,7 +4905,7 @@
                 <a:ea typeface="Inconsolata" pitchFamily="34" charset="-122"/>
                 <a:cs typeface="Dubai Light" pitchFamily="34" charset="-78"/>
               </a:rPr>
-              <a:t>User Interface</a:t>
+              <a:t>User Login</a:t>
             </a:r>
             <a:endParaRPr lang="en-US" sz="2800" dirty="0">
               <a:latin typeface="Dubai Light" pitchFamily="34" charset="-78"/>
@@ -4598,14 +4916,14 @@
       </p:sp>
       <p:sp>
         <p:nvSpPr>
-          <p:cNvPr id="7" name="Text 4"/>
-          <p:cNvSpPr/>
-          <p:nvPr/>
-        </p:nvSpPr>
-        <p:spPr>
-          <a:xfrm>
-            <a:off x="2037993" y="3713798"/>
-            <a:ext cx="2388632" cy="2487811"/>
+          <p:cNvPr id="12" name="Text 9"/>
+          <p:cNvSpPr/>
+          <p:nvPr/>
+        </p:nvSpPr>
+        <p:spPr>
+          <a:xfrm>
+            <a:off x="2567821" y="1989892"/>
+            <a:ext cx="4434483" cy="1669256"/>
           </a:xfrm>
           <a:prstGeom prst="rect">
             <a:avLst/>
@@ -4617,9 +4935,9 @@
           <a:bodyPr wrap="square" rtlCol="0" anchor="t"/>
           <a:lstStyle/>
           <a:p>
-            <a:pPr marL="0" indent="0" algn="l">
-              <a:lnSpc>
-                <a:spcPts val="2799"/>
+            <a:pPr marL="0" indent="0" algn="ctr">
+              <a:lnSpc>
+                <a:spcPts val="2629"/>
               </a:lnSpc>
               <a:buNone/>
             </a:pPr>
@@ -4632,7 +4950,7 @@
                 <a:ea typeface="Fira Sans" pitchFamily="34" charset="-122"/>
                 <a:cs typeface="Dubai Light" pitchFamily="34" charset="-78"/>
               </a:rPr>
-              <a:t>The user interface allows users to interact with the Broker System, initiating actions such as logging in, placing orders, and accessing market data.</a:t>
+              <a:t>Users log into the Broker System using their credentials, with the system verifying their identity through secure authentication methods to ensure the confidentiality and integrity of user accounts.</a:t>
             </a:r>
             <a:endParaRPr lang="en-US" sz="2000" dirty="0">
               <a:latin typeface="Dubai Light" pitchFamily="34" charset="-78"/>
@@ -4641,40 +4959,58 @@
           </a:p>
         </p:txBody>
       </p:sp>
-      <p:pic>
-        <p:nvPicPr>
-          <p:cNvPr id="8" name="Image 1" descr="preencoded.png"/>
-          <p:cNvPicPr>
-            <a:picLocks noChangeAspect="1"/>
-          </p:cNvPicPr>
-          <p:nvPr/>
-        </p:nvPicPr>
-        <p:blipFill>
-          <a:blip r:embed="rId4"/>
-          <a:stretch>
-            <a:fillRect/>
-          </a:stretch>
-        </p:blipFill>
-        <p:spPr>
-          <a:xfrm>
-            <a:off x="4759881" y="2455783"/>
-            <a:ext cx="555427" cy="555427"/>
-          </a:xfrm>
-          <a:prstGeom prst="rect">
-            <a:avLst/>
-          </a:prstGeom>
-        </p:spPr>
-      </p:pic>
-      <p:sp>
-        <p:nvSpPr>
-          <p:cNvPr id="9" name="Text 5"/>
-          <p:cNvSpPr/>
-          <p:nvPr/>
-        </p:nvSpPr>
-        <p:spPr>
-          <a:xfrm>
-            <a:off x="4759881" y="3233380"/>
-            <a:ext cx="2388632" cy="347186"/>
+      <p:sp>
+        <p:nvSpPr>
+          <p:cNvPr id="13" name="Shape 10"/>
+          <p:cNvSpPr/>
+          <p:nvPr/>
+        </p:nvSpPr>
+        <p:spPr>
+          <a:xfrm>
+            <a:off x="7302044" y="4598075"/>
+            <a:ext cx="26075" cy="730329"/>
+          </a:xfrm>
+          <a:prstGeom prst="rect">
+            <a:avLst/>
+          </a:prstGeom>
+          <a:solidFill>
+            <a:srgbClr val="FF6680"/>
+          </a:solidFill>
+          <a:ln/>
+        </p:spPr>
+      </p:sp>
+      <p:sp>
+        <p:nvSpPr>
+          <p:cNvPr id="14" name="Shape 11"/>
+          <p:cNvSpPr/>
+          <p:nvPr/>
+        </p:nvSpPr>
+        <p:spPr>
+          <a:xfrm>
+            <a:off x="7080409" y="4363403"/>
+            <a:ext cx="469463" cy="469463"/>
+          </a:xfrm>
+          <a:prstGeom prst="roundRect">
+            <a:avLst>
+              <a:gd name="adj" fmla="val 13335"/>
+            </a:avLst>
+          </a:prstGeom>
+          <a:solidFill>
+            <a:srgbClr val="382748"/>
+          </a:solidFill>
+          <a:ln/>
+        </p:spPr>
+      </p:sp>
+      <p:sp>
+        <p:nvSpPr>
+          <p:cNvPr id="15" name="Text 12"/>
+          <p:cNvSpPr/>
+          <p:nvPr/>
+        </p:nvSpPr>
+        <p:spPr>
+          <a:xfrm>
+            <a:off x="7236857" y="4402455"/>
+            <a:ext cx="156567" cy="391239"/>
           </a:xfrm>
           <a:prstGeom prst="rect">
             <a:avLst/>
@@ -4686,13 +5022,57 @@
           <a:bodyPr wrap="none" rtlCol="0" anchor="t"/>
           <a:lstStyle/>
           <a:p>
-            <a:pPr marL="0" indent="0" algn="l">
-              <a:lnSpc>
-                <a:spcPts val="2734"/>
+            <a:pPr marL="0" indent="0" algn="ctr">
+              <a:lnSpc>
+                <a:spcPts val="3081"/>
               </a:lnSpc>
               <a:buNone/>
             </a:pPr>
             <a:r>
+              <a:rPr lang="en-US" sz="3200" b="1" dirty="0">
+                <a:solidFill>
+                  <a:srgbClr val="FF726D"/>
+                </a:solidFill>
+                <a:latin typeface="Dubai Light" pitchFamily="34" charset="-78"/>
+                <a:ea typeface="Inconsolata" pitchFamily="34" charset="-122"/>
+                <a:cs typeface="Dubai Light" pitchFamily="34" charset="-78"/>
+              </a:rPr>
+              <a:t>2</a:t>
+            </a:r>
+            <a:endParaRPr lang="en-US" sz="3200" dirty="0">
+              <a:latin typeface="Dubai Light" pitchFamily="34" charset="-78"/>
+              <a:cs typeface="Dubai Light" pitchFamily="34" charset="-78"/>
+            </a:endParaRPr>
+          </a:p>
+        </p:txBody>
+      </p:sp>
+      <p:sp>
+        <p:nvSpPr>
+          <p:cNvPr id="16" name="Text 13"/>
+          <p:cNvSpPr/>
+          <p:nvPr/>
+        </p:nvSpPr>
+        <p:spPr>
+          <a:xfrm>
+            <a:off x="6010870" y="5537002"/>
+            <a:ext cx="2608421" cy="325993"/>
+          </a:xfrm>
+          <a:prstGeom prst="rect">
+            <a:avLst/>
+          </a:prstGeom>
+          <a:noFill/>
+          <a:ln/>
+        </p:spPr>
+        <p:txBody>
+          <a:bodyPr wrap="none" rtlCol="0" anchor="t"/>
+          <a:lstStyle/>
+          <a:p>
+            <a:pPr algn="ctr">
+              <a:lnSpc>
+                <a:spcPts val="2567"/>
+              </a:lnSpc>
+            </a:pPr>
+            <a:r>
               <a:rPr lang="en-US" sz="2800" b="1" dirty="0">
                 <a:solidFill>
                   <a:srgbClr val="FF726D"/>
@@ -4701,7 +5081,7 @@
                 <a:ea typeface="Inconsolata" pitchFamily="34" charset="-122"/>
                 <a:cs typeface="Dubai Light" pitchFamily="34" charset="-78"/>
               </a:rPr>
-              <a:t>Database</a:t>
+              <a:t>Send Enquiry</a:t>
             </a:r>
             <a:endParaRPr lang="en-US" sz="2800" dirty="0">
               <a:latin typeface="Dubai Light" pitchFamily="34" charset="-78"/>
@@ -4712,14 +5092,14 @@
       </p:sp>
       <p:sp>
         <p:nvSpPr>
-          <p:cNvPr id="10" name="Text 6"/>
-          <p:cNvSpPr/>
-          <p:nvPr/>
-        </p:nvSpPr>
-        <p:spPr>
-          <a:xfrm>
-            <a:off x="4759881" y="3713798"/>
-            <a:ext cx="2388632" cy="2843213"/>
+          <p:cNvPr id="17" name="Text 14"/>
+          <p:cNvSpPr/>
+          <p:nvPr/>
+        </p:nvSpPr>
+        <p:spPr>
+          <a:xfrm>
+            <a:off x="5097899" y="5988129"/>
+            <a:ext cx="4434483" cy="1669256"/>
           </a:xfrm>
           <a:prstGeom prst="rect">
             <a:avLst/>
@@ -4731,14 +5111,212 @@
           <a:bodyPr wrap="square" rtlCol="0" anchor="t"/>
           <a:lstStyle/>
           <a:p>
-            <a:pPr marL="0" indent="0" algn="l">
-              <a:lnSpc>
-                <a:spcPts val="2799"/>
+            <a:pPr algn="ctr">
+              <a:lnSpc>
+                <a:spcPts val="2629"/>
+              </a:lnSpc>
+            </a:pPr>
+            <a:r>
+              <a:rPr lang="en-GB" sz="2000" dirty="0" smtClean="0">
+                <a:solidFill>
+                  <a:srgbClr val="DAD1E6"/>
+                </a:solidFill>
+                <a:latin typeface="Dubai Light" pitchFamily="34" charset="-78"/>
+                <a:ea typeface="Fira Sans" pitchFamily="34" charset="-122"/>
+                <a:cs typeface="Dubai Light" pitchFamily="34" charset="-78"/>
+              </a:rPr>
+              <a:t>In </a:t>
+            </a:r>
+            <a:r>
+              <a:rPr lang="en-GB" sz="2000" dirty="0">
+                <a:solidFill>
+                  <a:srgbClr val="DAD1E6"/>
+                </a:solidFill>
+                <a:latin typeface="Dubai Light" pitchFamily="34" charset="-78"/>
+                <a:ea typeface="Fira Sans" pitchFamily="34" charset="-122"/>
+                <a:cs typeface="Dubai Light" pitchFamily="34" charset="-78"/>
+              </a:rPr>
+              <a:t>our system, if a buyer wants to purchase a property, they send an enquiry to the admin. The admin then handles the enquiry and manages the transaction process.</a:t>
+            </a:r>
+            <a:endParaRPr lang="en-US" sz="2000" dirty="0">
+              <a:latin typeface="Dubai Light" pitchFamily="34" charset="-78"/>
+              <a:cs typeface="Dubai Light" pitchFamily="34" charset="-78"/>
+            </a:endParaRPr>
+          </a:p>
+        </p:txBody>
+      </p:sp>
+      <p:sp>
+        <p:nvSpPr>
+          <p:cNvPr id="18" name="Shape 15"/>
+          <p:cNvSpPr/>
+          <p:nvPr/>
+        </p:nvSpPr>
+        <p:spPr>
+          <a:xfrm>
+            <a:off x="9832241" y="3867745"/>
+            <a:ext cx="26075" cy="730329"/>
+          </a:xfrm>
+          <a:prstGeom prst="rect">
+            <a:avLst/>
+          </a:prstGeom>
+          <a:solidFill>
+            <a:srgbClr val="FF6680"/>
+          </a:solidFill>
+          <a:ln/>
+        </p:spPr>
+      </p:sp>
+      <p:sp>
+        <p:nvSpPr>
+          <p:cNvPr id="19" name="Shape 16"/>
+          <p:cNvSpPr/>
+          <p:nvPr/>
+        </p:nvSpPr>
+        <p:spPr>
+          <a:xfrm>
+            <a:off x="9610606" y="4363403"/>
+            <a:ext cx="469463" cy="469463"/>
+          </a:xfrm>
+          <a:prstGeom prst="roundRect">
+            <a:avLst>
+              <a:gd name="adj" fmla="val 13335"/>
+            </a:avLst>
+          </a:prstGeom>
+          <a:solidFill>
+            <a:srgbClr val="382748"/>
+          </a:solidFill>
+          <a:ln/>
+        </p:spPr>
+      </p:sp>
+      <p:sp>
+        <p:nvSpPr>
+          <p:cNvPr id="20" name="Text 17"/>
+          <p:cNvSpPr/>
+          <p:nvPr/>
+        </p:nvSpPr>
+        <p:spPr>
+          <a:xfrm>
+            <a:off x="9767054" y="4402455"/>
+            <a:ext cx="156567" cy="391239"/>
+          </a:xfrm>
+          <a:prstGeom prst="rect">
+            <a:avLst/>
+          </a:prstGeom>
+          <a:noFill/>
+          <a:ln/>
+        </p:spPr>
+        <p:txBody>
+          <a:bodyPr wrap="none" rtlCol="0" anchor="t"/>
+          <a:lstStyle/>
+          <a:p>
+            <a:pPr marL="0" indent="0" algn="ctr">
+              <a:lnSpc>
+                <a:spcPts val="3081"/>
               </a:lnSpc>
               <a:buNone/>
             </a:pPr>
             <a:r>
-              <a:rPr lang="en-US" sz="2000" dirty="0">
+              <a:rPr lang="en-US" sz="3200" b="1" dirty="0">
+                <a:solidFill>
+                  <a:srgbClr val="FF726D"/>
+                </a:solidFill>
+                <a:latin typeface="Dubai Light" pitchFamily="34" charset="-78"/>
+                <a:ea typeface="Inconsolata" pitchFamily="34" charset="-122"/>
+                <a:cs typeface="Dubai Light" pitchFamily="34" charset="-78"/>
+              </a:rPr>
+              <a:t>3</a:t>
+            </a:r>
+            <a:endParaRPr lang="en-US" sz="3200" dirty="0">
+              <a:latin typeface="Dubai Light" pitchFamily="34" charset="-78"/>
+              <a:cs typeface="Dubai Light" pitchFamily="34" charset="-78"/>
+            </a:endParaRPr>
+          </a:p>
+        </p:txBody>
+      </p:sp>
+      <p:sp>
+        <p:nvSpPr>
+          <p:cNvPr id="21" name="Text 18"/>
+          <p:cNvSpPr/>
+          <p:nvPr/>
+        </p:nvSpPr>
+        <p:spPr>
+          <a:xfrm>
+            <a:off x="8541068" y="1538764"/>
+            <a:ext cx="2608421" cy="325993"/>
+          </a:xfrm>
+          <a:prstGeom prst="rect">
+            <a:avLst/>
+          </a:prstGeom>
+          <a:noFill/>
+          <a:ln/>
+        </p:spPr>
+        <p:txBody>
+          <a:bodyPr wrap="none" rtlCol="0" anchor="t"/>
+          <a:lstStyle/>
+          <a:p>
+            <a:pPr marL="0" indent="0" algn="ctr">
+              <a:lnSpc>
+                <a:spcPts val="2567"/>
+              </a:lnSpc>
+              <a:buNone/>
+            </a:pPr>
+            <a:r>
+              <a:rPr lang="en-US" sz="2800" b="1" dirty="0">
+                <a:solidFill>
+                  <a:srgbClr val="FF726D"/>
+                </a:solidFill>
+                <a:latin typeface="Dubai Light" pitchFamily="34" charset="-78"/>
+                <a:ea typeface="Inconsolata" pitchFamily="34" charset="-122"/>
+                <a:cs typeface="Dubai Light" pitchFamily="34" charset="-78"/>
+              </a:rPr>
+              <a:t>View </a:t>
+            </a:r>
+            <a:r>
+              <a:rPr lang="en-US" sz="2800" b="1" dirty="0" smtClean="0">
+                <a:solidFill>
+                  <a:srgbClr val="FF726D"/>
+                </a:solidFill>
+                <a:latin typeface="Dubai Light" pitchFamily="34" charset="-78"/>
+                <a:ea typeface="Inconsolata" pitchFamily="34" charset="-122"/>
+                <a:cs typeface="Dubai Light" pitchFamily="34" charset="-78"/>
+              </a:rPr>
+              <a:t>Profile</a:t>
+            </a:r>
+            <a:endParaRPr lang="en-US" sz="2800" dirty="0">
+              <a:latin typeface="Dubai Light" pitchFamily="34" charset="-78"/>
+              <a:cs typeface="Dubai Light" pitchFamily="34" charset="-78"/>
+            </a:endParaRPr>
+          </a:p>
+        </p:txBody>
+      </p:sp>
+      <p:sp>
+        <p:nvSpPr>
+          <p:cNvPr id="22" name="Text 19"/>
+          <p:cNvSpPr/>
+          <p:nvPr/>
+        </p:nvSpPr>
+        <p:spPr>
+          <a:xfrm>
+            <a:off x="7628096" y="1989892"/>
+            <a:ext cx="4434483" cy="1669256"/>
+          </a:xfrm>
+          <a:prstGeom prst="rect">
+            <a:avLst/>
+          </a:prstGeom>
+          <a:noFill/>
+          <a:ln/>
+        </p:spPr>
+        <p:txBody>
+          <a:bodyPr wrap="square" rtlCol="0" anchor="t"/>
+          <a:lstStyle/>
+          <a:p>
+            <a:pPr marL="0" indent="0" algn="ctr">
+              <a:lnSpc>
+                <a:spcPts val="2629"/>
+              </a:lnSpc>
+              <a:buNone/>
+            </a:pPr>
+            <a:r>
+              <a:rPr lang="en-US" sz="2000" dirty="0" smtClean="0">
                 <a:solidFill>
                   <a:srgbClr val="DAD1E6"/>
                 </a:solidFill>
@@ -4746,7 +5324,7 @@
                 <a:ea typeface="Fira Sans" pitchFamily="34" charset="-122"/>
                 <a:cs typeface="Dubai Light" pitchFamily="34" charset="-78"/>
               </a:rPr>
-              <a:t>The database stores user information, portfolio data, and historical transaction records, providing a secure and reliable storage solution for the Broker System.</a:t>
+              <a:t>Users can access their current investment portfolio, which includes detailed information on each security, performance metrics, and the overall portfolio value, enabling them to monitor their investments.</a:t>
             </a:r>
             <a:endParaRPr lang="en-US" sz="2000" dirty="0">
               <a:latin typeface="Dubai Light" pitchFamily="34" charset="-78"/>
@@ -4755,237 +5333,9 @@
           </a:p>
         </p:txBody>
       </p:sp>
-      <p:pic>
-        <p:nvPicPr>
-          <p:cNvPr id="11" name="Image 2" descr="preencoded.png"/>
-          <p:cNvPicPr>
-            <a:picLocks noChangeAspect="1"/>
-          </p:cNvPicPr>
-          <p:nvPr/>
-        </p:nvPicPr>
-        <p:blipFill>
-          <a:blip r:embed="rId5"/>
-          <a:stretch>
-            <a:fillRect/>
-          </a:stretch>
-        </p:blipFill>
-        <p:spPr>
-          <a:xfrm>
-            <a:off x="7481768" y="2455783"/>
-            <a:ext cx="555427" cy="555427"/>
-          </a:xfrm>
-          <a:prstGeom prst="rect">
-            <a:avLst/>
-          </a:prstGeom>
-        </p:spPr>
-      </p:pic>
-      <p:sp>
-        <p:nvSpPr>
-          <p:cNvPr id="12" name="Text 7"/>
-          <p:cNvSpPr/>
-          <p:nvPr/>
-        </p:nvSpPr>
-        <p:spPr>
-          <a:xfrm>
-            <a:off x="7481768" y="3233380"/>
-            <a:ext cx="2388632" cy="347186"/>
-          </a:xfrm>
-          <a:prstGeom prst="rect">
-            <a:avLst/>
-          </a:prstGeom>
-          <a:noFill/>
-          <a:ln/>
-        </p:spPr>
-        <p:txBody>
-          <a:bodyPr wrap="none" rtlCol="0" anchor="t"/>
-          <a:lstStyle/>
-          <a:p>
-            <a:pPr marL="0" indent="0" algn="l">
-              <a:lnSpc>
-                <a:spcPts val="2734"/>
-              </a:lnSpc>
-              <a:buNone/>
-            </a:pPr>
-            <a:r>
-              <a:rPr lang="en-US" sz="2800" b="1" dirty="0">
-                <a:solidFill>
-                  <a:srgbClr val="FF726D"/>
-                </a:solidFill>
-                <a:latin typeface="Dubai Light" pitchFamily="34" charset="-78"/>
-                <a:ea typeface="Inconsolata" pitchFamily="34" charset="-122"/>
-                <a:cs typeface="Dubai Light" pitchFamily="34" charset="-78"/>
-              </a:rPr>
-              <a:t>Trading Engine</a:t>
-            </a:r>
-            <a:endParaRPr lang="en-US" sz="2800" dirty="0">
-              <a:latin typeface="Dubai Light" pitchFamily="34" charset="-78"/>
-              <a:cs typeface="Dubai Light" pitchFamily="34" charset="-78"/>
-            </a:endParaRPr>
-          </a:p>
-        </p:txBody>
-      </p:sp>
-      <p:sp>
-        <p:nvSpPr>
-          <p:cNvPr id="13" name="Text 8"/>
-          <p:cNvSpPr/>
-          <p:nvPr/>
-        </p:nvSpPr>
-        <p:spPr>
-          <a:xfrm>
-            <a:off x="7481768" y="3713798"/>
-            <a:ext cx="2388632" cy="2487811"/>
-          </a:xfrm>
-          <a:prstGeom prst="rect">
-            <a:avLst/>
-          </a:prstGeom>
-          <a:noFill/>
-          <a:ln/>
-        </p:spPr>
-        <p:txBody>
-          <a:bodyPr wrap="square" rtlCol="0" anchor="t"/>
-          <a:lstStyle/>
-          <a:p>
-            <a:pPr marL="0" indent="0" algn="l">
-              <a:lnSpc>
-                <a:spcPts val="2799"/>
-              </a:lnSpc>
-              <a:buNone/>
-            </a:pPr>
-            <a:r>
-              <a:rPr lang="en-US" sz="2000" dirty="0">
-                <a:solidFill>
-                  <a:srgbClr val="DAD1E6"/>
-                </a:solidFill>
-                <a:latin typeface="Dubai Light" pitchFamily="34" charset="-78"/>
-                <a:ea typeface="Fira Sans" pitchFamily="34" charset="-122"/>
-                <a:cs typeface="Dubai Light" pitchFamily="34" charset="-78"/>
-              </a:rPr>
-              <a:t>The trading engine is responsible for processing and executing buy and sell orders, ensuring the timely and accurate processing of trades.</a:t>
-            </a:r>
-            <a:endParaRPr lang="en-US" sz="2000" dirty="0">
-              <a:latin typeface="Dubai Light" pitchFamily="34" charset="-78"/>
-              <a:cs typeface="Dubai Light" pitchFamily="34" charset="-78"/>
-            </a:endParaRPr>
-          </a:p>
-        </p:txBody>
-      </p:sp>
-      <p:pic>
-        <p:nvPicPr>
-          <p:cNvPr id="14" name="Image 3" descr="preencoded.png"/>
-          <p:cNvPicPr>
-            <a:picLocks noChangeAspect="1"/>
-          </p:cNvPicPr>
-          <p:nvPr/>
-        </p:nvPicPr>
-        <p:blipFill>
-          <a:blip r:embed="rId6"/>
-          <a:stretch>
-            <a:fillRect/>
-          </a:stretch>
-        </p:blipFill>
-        <p:spPr>
-          <a:xfrm>
-            <a:off x="10203656" y="2455783"/>
-            <a:ext cx="555427" cy="555427"/>
-          </a:xfrm>
-          <a:prstGeom prst="rect">
-            <a:avLst/>
-          </a:prstGeom>
-        </p:spPr>
-      </p:pic>
-      <p:sp>
-        <p:nvSpPr>
-          <p:cNvPr id="15" name="Text 9"/>
-          <p:cNvSpPr/>
-          <p:nvPr/>
-        </p:nvSpPr>
-        <p:spPr>
-          <a:xfrm>
-            <a:off x="10203656" y="3233380"/>
-            <a:ext cx="2388751" cy="347186"/>
-          </a:xfrm>
-          <a:prstGeom prst="rect">
-            <a:avLst/>
-          </a:prstGeom>
-          <a:noFill/>
-          <a:ln/>
-        </p:spPr>
-        <p:txBody>
-          <a:bodyPr wrap="none" rtlCol="0" anchor="t"/>
-          <a:lstStyle/>
-          <a:p>
-            <a:pPr marL="0" indent="0" algn="l">
-              <a:lnSpc>
-                <a:spcPts val="2734"/>
-              </a:lnSpc>
-              <a:buNone/>
-            </a:pPr>
-            <a:r>
-              <a:rPr lang="en-US" sz="2800" b="1" dirty="0">
-                <a:solidFill>
-                  <a:srgbClr val="FF726D"/>
-                </a:solidFill>
-                <a:latin typeface="Dubai Light" pitchFamily="34" charset="-78"/>
-                <a:ea typeface="Inconsolata" pitchFamily="34" charset="-122"/>
-                <a:cs typeface="Dubai Light" pitchFamily="34" charset="-78"/>
-              </a:rPr>
-              <a:t>Market Data</a:t>
-            </a:r>
-            <a:endParaRPr lang="en-US" sz="2800" dirty="0">
-              <a:latin typeface="Dubai Light" pitchFamily="34" charset="-78"/>
-              <a:cs typeface="Dubai Light" pitchFamily="34" charset="-78"/>
-            </a:endParaRPr>
-          </a:p>
-        </p:txBody>
-      </p:sp>
-      <p:sp>
-        <p:nvSpPr>
-          <p:cNvPr id="16" name="Text 10"/>
-          <p:cNvSpPr/>
-          <p:nvPr/>
-        </p:nvSpPr>
-        <p:spPr>
-          <a:xfrm>
-            <a:off x="10203656" y="3713798"/>
-            <a:ext cx="2388751" cy="3198614"/>
-          </a:xfrm>
-          <a:prstGeom prst="rect">
-            <a:avLst/>
-          </a:prstGeom>
-          <a:noFill/>
-          <a:ln/>
-        </p:spPr>
-        <p:txBody>
-          <a:bodyPr wrap="square" rtlCol="0" anchor="t"/>
-          <a:lstStyle/>
-          <a:p>
-            <a:pPr marL="0" indent="0" algn="l">
-              <a:lnSpc>
-                <a:spcPts val="2799"/>
-              </a:lnSpc>
-              <a:buNone/>
-            </a:pPr>
-            <a:r>
-              <a:rPr lang="en-US" sz="2000" dirty="0">
-                <a:solidFill>
-                  <a:srgbClr val="DAD1E6"/>
-                </a:solidFill>
-                <a:latin typeface="Dubai Light" pitchFamily="34" charset="-78"/>
-                <a:ea typeface="Fira Sans" pitchFamily="34" charset="-122"/>
-                <a:cs typeface="Dubai Light" pitchFamily="34" charset="-78"/>
-              </a:rPr>
-              <a:t>The market data component provides real-time financial information, such as price quotes and trading volumes, which is essential for users to make informed trading decisions.</a:t>
-            </a:r>
-            <a:endParaRPr lang="en-US" sz="2000" dirty="0">
-              <a:latin typeface="Dubai Light" pitchFamily="34" charset="-78"/>
-              <a:cs typeface="Dubai Light" pitchFamily="34" charset="-78"/>
-            </a:endParaRPr>
-          </a:p>
-        </p:txBody>
-      </p:sp>
-      <p:sp>
-        <p:nvSpPr>
-          <p:cNvPr id="18" name="Text 7"/>
+      <p:sp>
+        <p:nvSpPr>
+          <p:cNvPr id="24" name="Text 7"/>
           <p:cNvSpPr/>
           <p:nvPr/>
         </p:nvSpPr>
@@ -5021,6 +5371,40 @@
               </a:rPr>
               <a:t>6</a:t>
             </a:fld>
+            <a:endParaRPr lang="en-US" sz="3200" dirty="0">
+              <a:latin typeface="Dubai Light" pitchFamily="34" charset="-78"/>
+              <a:cs typeface="Dubai Light" pitchFamily="34" charset="-78"/>
+            </a:endParaRPr>
+          </a:p>
+        </p:txBody>
+      </p:sp>
+      <p:sp>
+        <p:nvSpPr>
+          <p:cNvPr id="25" name="Text 7"/>
+          <p:cNvSpPr/>
+          <p:nvPr/>
+        </p:nvSpPr>
+        <p:spPr>
+          <a:xfrm>
+            <a:off x="10692884" y="5862995"/>
+            <a:ext cx="2739390" cy="342424"/>
+          </a:xfrm>
+          <a:prstGeom prst="rect">
+            <a:avLst/>
+          </a:prstGeom>
+          <a:noFill/>
+          <a:ln/>
+        </p:spPr>
+        <p:txBody>
+          <a:bodyPr wrap="none" rtlCol="0" anchor="t"/>
+          <a:lstStyle/>
+          <a:p>
+            <a:pPr marL="0" indent="0">
+              <a:lnSpc>
+                <a:spcPts val="2696"/>
+              </a:lnSpc>
+              <a:buNone/>
+            </a:pPr>
             <a:endParaRPr lang="en-US" sz="3200" dirty="0">
               <a:latin typeface="Dubai Light" pitchFamily="34" charset="-78"/>
               <a:cs typeface="Dubai Light" pitchFamily="34" charset="-78"/>
@@ -5045,7 +5429,7 @@
 
 <file path=ppt/slides/slide7.xml><?xml version="1.0" encoding="utf-8"?>
 <p:sld xmlns:a="http://schemas.openxmlformats.org/drawingml/2006/main" xmlns:r="http://schemas.openxmlformats.org/officeDocument/2006/relationships" xmlns:p="http://schemas.openxmlformats.org/presentationml/2006/main">
-  <p:cSld name="Slide 7">
+  <p:cSld name="Slide 6">
     <p:spTree>
       <p:nvGrpSpPr>
         <p:cNvPr id="1" name=""/>
@@ -5088,8 +5472,8 @@
         </p:nvSpPr>
         <p:spPr>
           <a:xfrm>
-            <a:off x="0" y="0"/>
-            <a:ext cx="14630400" cy="8248531"/>
+            <a:off x="0" y="89109"/>
+            <a:ext cx="14630400" cy="8229600"/>
           </a:xfrm>
           <a:prstGeom prst="rect">
             <a:avLst/>
@@ -5108,8 +5492,8 @@
         </p:nvSpPr>
         <p:spPr>
           <a:xfrm>
-            <a:off x="2981087" y="501848"/>
-            <a:ext cx="4562237" cy="570309"/>
+            <a:off x="2037993" y="1317069"/>
+            <a:ext cx="5554980" cy="694373"/>
           </a:xfrm>
           <a:prstGeom prst="rect">
             <a:avLst/>
@@ -5123,12 +5507,12 @@
           <a:p>
             <a:pPr marL="0" indent="0">
               <a:lnSpc>
-                <a:spcPts val="4490"/>
+                <a:spcPts val="5468"/>
               </a:lnSpc>
               <a:buNone/>
             </a:pPr>
             <a:r>
-              <a:rPr lang="en-US" sz="4000" b="1" dirty="0">
+              <a:rPr lang="en-US" sz="4800" b="1" dirty="0" smtClean="0">
                 <a:solidFill>
                   <a:srgbClr val="FF726D"/>
                 </a:solidFill>
@@ -5136,25 +5520,49 @@
                 <a:ea typeface="Inconsolata" pitchFamily="34" charset="-122"/>
                 <a:cs typeface="Dubai Light" pitchFamily="34" charset="-78"/>
               </a:rPr>
-              <a:t>Glossary</a:t>
-            </a:r>
-            <a:endParaRPr lang="en-US" sz="4000" dirty="0">
-              <a:latin typeface="Dubai Light" pitchFamily="34" charset="-78"/>
-              <a:cs typeface="Dubai Light" pitchFamily="34" charset="-78"/>
-            </a:endParaRPr>
-          </a:p>
-        </p:txBody>
-      </p:sp>
-      <p:sp>
-        <p:nvSpPr>
-          <p:cNvPr id="5" name="Text 3"/>
-          <p:cNvSpPr/>
-          <p:nvPr/>
-        </p:nvSpPr>
-        <p:spPr>
-          <a:xfrm>
-            <a:off x="3163491" y="1554123"/>
-            <a:ext cx="3965496" cy="291941"/>
+              <a:t>Diagrams</a:t>
+            </a:r>
+            <a:endParaRPr lang="en-US" sz="4800" dirty="0">
+              <a:latin typeface="Dubai Light" pitchFamily="34" charset="-78"/>
+              <a:cs typeface="Dubai Light" pitchFamily="34" charset="-78"/>
+            </a:endParaRPr>
+          </a:p>
+        </p:txBody>
+      </p:sp>
+      <p:pic>
+        <p:nvPicPr>
+          <p:cNvPr id="5" name="Image 0" descr="preencoded.png"/>
+          <p:cNvPicPr>
+            <a:picLocks noChangeAspect="1"/>
+          </p:cNvPicPr>
+          <p:nvPr/>
+        </p:nvPicPr>
+        <p:blipFill>
+          <a:blip r:embed="rId3"/>
+          <a:stretch>
+            <a:fillRect/>
+          </a:stretch>
+        </p:blipFill>
+        <p:spPr>
+          <a:xfrm>
+            <a:off x="2315706" y="2455783"/>
+            <a:ext cx="555427" cy="555427"/>
+          </a:xfrm>
+          <a:prstGeom prst="rect">
+            <a:avLst/>
+          </a:prstGeom>
+        </p:spPr>
+      </p:pic>
+      <p:sp>
+        <p:nvSpPr>
+          <p:cNvPr id="6" name="Text 3"/>
+          <p:cNvSpPr/>
+          <p:nvPr/>
+        </p:nvSpPr>
+        <p:spPr>
+          <a:xfrm>
+            <a:off x="2037993" y="3233380"/>
+            <a:ext cx="2388632" cy="347186"/>
           </a:xfrm>
           <a:prstGeom prst="rect">
             <a:avLst/>
@@ -5166,14 +5574,59 @@
           <a:bodyPr wrap="none" rtlCol="0" anchor="t"/>
           <a:lstStyle/>
           <a:p>
-            <a:pPr marL="0" indent="0">
-              <a:lnSpc>
-                <a:spcPts val="2299"/>
+            <a:pPr marL="0" indent="0" algn="l">
+              <a:lnSpc>
+                <a:spcPts val="2734"/>
               </a:lnSpc>
               <a:buNone/>
             </a:pPr>
             <a:r>
-              <a:rPr lang="en-US" dirty="0">
+              <a:rPr lang="en-US" sz="2800" b="1" dirty="0" smtClean="0">
+                <a:solidFill>
+                  <a:srgbClr val="FF726D"/>
+                </a:solidFill>
+                <a:latin typeface="Dubai Light" pitchFamily="34" charset="-78"/>
+                <a:ea typeface="Inconsolata" pitchFamily="34" charset="-122"/>
+                <a:cs typeface="Dubai Light" pitchFamily="34" charset="-78"/>
+              </a:rPr>
+              <a:t>Use-case</a:t>
+            </a:r>
+            <a:endParaRPr lang="en-US" sz="2800" dirty="0">
+              <a:latin typeface="Dubai Light" pitchFamily="34" charset="-78"/>
+              <a:cs typeface="Dubai Light" pitchFamily="34" charset="-78"/>
+            </a:endParaRPr>
+          </a:p>
+        </p:txBody>
+      </p:sp>
+      <p:sp>
+        <p:nvSpPr>
+          <p:cNvPr id="7" name="Text 4"/>
+          <p:cNvSpPr/>
+          <p:nvPr/>
+        </p:nvSpPr>
+        <p:spPr>
+          <a:xfrm>
+            <a:off x="1633928" y="3713798"/>
+            <a:ext cx="3839929" cy="2487811"/>
+          </a:xfrm>
+          <a:prstGeom prst="rect">
+            <a:avLst/>
+          </a:prstGeom>
+          <a:noFill/>
+          <a:ln/>
+        </p:spPr>
+        <p:txBody>
+          <a:bodyPr wrap="square" rtlCol="0" anchor="t"/>
+          <a:lstStyle/>
+          <a:p>
+            <a:pPr marL="0" indent="0" algn="ctr">
+              <a:lnSpc>
+                <a:spcPts val="2799"/>
+              </a:lnSpc>
+              <a:buNone/>
+            </a:pPr>
+            <a:r>
+              <a:rPr lang="en-US" sz="2000" dirty="0">
                 <a:solidFill>
                   <a:srgbClr val="DAD1E6"/>
                 </a:solidFill>
@@ -5181,25 +5634,152 @@
                 <a:ea typeface="Fira Sans" pitchFamily="34" charset="-122"/>
                 <a:cs typeface="Dubai Light" pitchFamily="34" charset="-78"/>
               </a:rPr>
-              <a:t>Broker</a:t>
-            </a:r>
-            <a:endParaRPr lang="en-US" dirty="0">
-              <a:latin typeface="Dubai Light" pitchFamily="34" charset="-78"/>
-              <a:cs typeface="Dubai Light" pitchFamily="34" charset="-78"/>
-            </a:endParaRPr>
-          </a:p>
-        </p:txBody>
-      </p:sp>
-      <p:sp>
-        <p:nvSpPr>
-          <p:cNvPr id="6" name="Text 4"/>
-          <p:cNvSpPr/>
-          <p:nvPr/>
-        </p:nvSpPr>
-        <p:spPr>
-          <a:xfrm>
-            <a:off x="7501414" y="1408151"/>
-            <a:ext cx="3965496" cy="583883"/>
+              <a:t>The user interface allows users to interact with the Broker System, initiating actions such as logging in, placing orders, and accessing market data</a:t>
+            </a:r>
+            <a:r>
+              <a:rPr lang="en-US" sz="2000" dirty="0" smtClean="0">
+                <a:solidFill>
+                  <a:srgbClr val="DAD1E6"/>
+                </a:solidFill>
+                <a:latin typeface="Dubai Light" pitchFamily="34" charset="-78"/>
+                <a:ea typeface="Fira Sans" pitchFamily="34" charset="-122"/>
+                <a:cs typeface="Dubai Light" pitchFamily="34" charset="-78"/>
+              </a:rPr>
+              <a:t>.</a:t>
+            </a:r>
+          </a:p>
+          <a:p>
+            <a:pPr algn="ctr">
+              <a:lnSpc>
+                <a:spcPts val="2799"/>
+              </a:lnSpc>
+            </a:pPr>
+            <a:r>
+              <a:rPr lang="en-US" sz="2000" dirty="0">
+                <a:solidFill>
+                  <a:srgbClr val="DAD1E6"/>
+                </a:solidFill>
+                <a:latin typeface="Dubai Light" pitchFamily="34" charset="-78"/>
+                <a:cs typeface="Dubai Light" pitchFamily="34" charset="-78"/>
+              </a:rPr>
+              <a:t>Live link:</a:t>
+            </a:r>
+          </a:p>
+          <a:p>
+            <a:pPr algn="ctr">
+              <a:lnSpc>
+                <a:spcPts val="2799"/>
+              </a:lnSpc>
+            </a:pPr>
+            <a:r>
+              <a:rPr lang="en-US" sz="2000" dirty="0">
+                <a:solidFill>
+                  <a:srgbClr val="DAD1E6"/>
+                </a:solidFill>
+                <a:latin typeface="Dubai Light" pitchFamily="34" charset="-78"/>
+                <a:cs typeface="Dubai Light" pitchFamily="34" charset="-78"/>
+                <a:hlinkClick r:id="rId4"/>
+              </a:rPr>
+              <a:t>https://drive.google.com/drive/folders/1ILm5lCUCaQS2B-293jBGCelIh2vCI0xH</a:t>
+            </a:r>
+            <a:endParaRPr lang="en-US" sz="2000" dirty="0">
+              <a:latin typeface="Dubai Light" pitchFamily="34" charset="-78"/>
+              <a:cs typeface="Dubai Light" pitchFamily="34" charset="-78"/>
+            </a:endParaRPr>
+          </a:p>
+          <a:p>
+            <a:pPr marL="0" indent="0" algn="ctr">
+              <a:lnSpc>
+                <a:spcPts val="2799"/>
+              </a:lnSpc>
+              <a:buNone/>
+            </a:pPr>
+            <a:endParaRPr lang="en-US" sz="2000" dirty="0">
+              <a:latin typeface="Dubai Light" pitchFamily="34" charset="-78"/>
+              <a:cs typeface="Dubai Light" pitchFamily="34" charset="-78"/>
+            </a:endParaRPr>
+          </a:p>
+        </p:txBody>
+      </p:sp>
+      <p:pic>
+        <p:nvPicPr>
+          <p:cNvPr id="8" name="Image 1" descr="preencoded.png"/>
+          <p:cNvPicPr>
+            <a:picLocks noChangeAspect="1"/>
+          </p:cNvPicPr>
+          <p:nvPr/>
+        </p:nvPicPr>
+        <p:blipFill>
+          <a:blip r:embed="rId5"/>
+          <a:stretch>
+            <a:fillRect/>
+          </a:stretch>
+        </p:blipFill>
+        <p:spPr>
+          <a:xfrm>
+            <a:off x="7037486" y="2455783"/>
+            <a:ext cx="555427" cy="555427"/>
+          </a:xfrm>
+          <a:prstGeom prst="rect">
+            <a:avLst/>
+          </a:prstGeom>
+        </p:spPr>
+      </p:pic>
+      <p:sp>
+        <p:nvSpPr>
+          <p:cNvPr id="9" name="Text 5"/>
+          <p:cNvSpPr/>
+          <p:nvPr/>
+        </p:nvSpPr>
+        <p:spPr>
+          <a:xfrm>
+            <a:off x="6540608" y="3243875"/>
+            <a:ext cx="2388632" cy="347186"/>
+          </a:xfrm>
+          <a:prstGeom prst="rect">
+            <a:avLst/>
+          </a:prstGeom>
+          <a:noFill/>
+          <a:ln/>
+        </p:spPr>
+        <p:txBody>
+          <a:bodyPr wrap="none" rtlCol="0" anchor="t"/>
+          <a:lstStyle/>
+          <a:p>
+            <a:pPr marL="0" indent="0" algn="l">
+              <a:lnSpc>
+                <a:spcPts val="2734"/>
+              </a:lnSpc>
+              <a:buNone/>
+            </a:pPr>
+            <a:r>
+              <a:rPr lang="en-US" sz="2800" b="1" dirty="0" smtClean="0">
+                <a:solidFill>
+                  <a:srgbClr val="FF726D"/>
+                </a:solidFill>
+                <a:latin typeface="Dubai Light" pitchFamily="34" charset="-78"/>
+                <a:ea typeface="Inconsolata" pitchFamily="34" charset="-122"/>
+                <a:cs typeface="Dubai Light" pitchFamily="34" charset="-78"/>
+              </a:rPr>
+              <a:t>Sequence </a:t>
+            </a:r>
+            <a:endParaRPr lang="en-US" sz="2800" dirty="0">
+              <a:latin typeface="Dubai Light" pitchFamily="34" charset="-78"/>
+              <a:cs typeface="Dubai Light" pitchFamily="34" charset="-78"/>
+            </a:endParaRPr>
+          </a:p>
+        </p:txBody>
+      </p:sp>
+      <p:sp>
+        <p:nvSpPr>
+          <p:cNvPr id="10" name="Text 6"/>
+          <p:cNvSpPr/>
+          <p:nvPr/>
+        </p:nvSpPr>
+        <p:spPr>
+          <a:xfrm>
+            <a:off x="5473858" y="3702511"/>
+            <a:ext cx="4059886" cy="3372846"/>
           </a:xfrm>
           <a:prstGeom prst="rect">
             <a:avLst/>
@@ -5211,14 +5791,14 @@
           <a:bodyPr wrap="square" rtlCol="0" anchor="t"/>
           <a:lstStyle/>
           <a:p>
-            <a:pPr marL="0" indent="0">
-              <a:lnSpc>
-                <a:spcPts val="2299"/>
+            <a:pPr marL="0" indent="0" algn="ctr">
+              <a:lnSpc>
+                <a:spcPts val="2799"/>
               </a:lnSpc>
               <a:buNone/>
             </a:pPr>
             <a:r>
-              <a:rPr lang="en-US" sz="1600" dirty="0">
+              <a:rPr lang="en-US" sz="2000" dirty="0">
                 <a:solidFill>
                   <a:srgbClr val="DAD1E6"/>
                 </a:solidFill>
@@ -5226,45 +5806,116 @@
                 <a:ea typeface="Fira Sans" pitchFamily="34" charset="-122"/>
                 <a:cs typeface="Dubai Light" pitchFamily="34" charset="-78"/>
               </a:rPr>
-              <a:t>An individual or firm that arranges transactions between a buyer and a seller for a commission.</a:t>
-            </a:r>
-            <a:endParaRPr lang="en-US" sz="1600" dirty="0">
-              <a:latin typeface="Dubai Light" pitchFamily="34" charset="-78"/>
-              <a:cs typeface="Dubai Light" pitchFamily="34" charset="-78"/>
-            </a:endParaRPr>
-          </a:p>
-        </p:txBody>
-      </p:sp>
-      <p:sp>
-        <p:nvSpPr>
-          <p:cNvPr id="7" name="Shape 5"/>
-          <p:cNvSpPr/>
-          <p:nvPr/>
-        </p:nvSpPr>
-        <p:spPr>
-          <a:xfrm>
-            <a:off x="2981087" y="2255045"/>
-            <a:ext cx="8668226" cy="1472894"/>
-          </a:xfrm>
-          <a:prstGeom prst="rect">
-            <a:avLst/>
-          </a:prstGeom>
-          <a:solidFill>
-            <a:srgbClr val="382748"/>
-          </a:solidFill>
-          <a:ln/>
-        </p:spPr>
-      </p:sp>
-      <p:sp>
-        <p:nvSpPr>
-          <p:cNvPr id="8" name="Text 6"/>
-          <p:cNvSpPr/>
-          <p:nvPr/>
-        </p:nvSpPr>
-        <p:spPr>
-          <a:xfrm>
-            <a:off x="3163491" y="2372082"/>
-            <a:ext cx="3965496" cy="291941"/>
+              <a:t>The database stores user information, portfolio data, and historical transaction records, providing a secure and reliable storage solution for the Broker System</a:t>
+            </a:r>
+            <a:r>
+              <a:rPr lang="en-US" sz="2000" dirty="0" smtClean="0">
+                <a:solidFill>
+                  <a:srgbClr val="DAD1E6"/>
+                </a:solidFill>
+                <a:latin typeface="Dubai Light" pitchFamily="34" charset="-78"/>
+                <a:ea typeface="Fira Sans" pitchFamily="34" charset="-122"/>
+                <a:cs typeface="Dubai Light" pitchFamily="34" charset="-78"/>
+              </a:rPr>
+              <a:t>.</a:t>
+            </a:r>
+          </a:p>
+          <a:p>
+            <a:pPr algn="ctr">
+              <a:lnSpc>
+                <a:spcPts val="2799"/>
+              </a:lnSpc>
+            </a:pPr>
+            <a:r>
+              <a:rPr lang="en-US" sz="2000" dirty="0">
+                <a:solidFill>
+                  <a:srgbClr val="DAD1E6"/>
+                </a:solidFill>
+                <a:latin typeface="Dubai Light" pitchFamily="34" charset="-78"/>
+                <a:cs typeface="Dubai Light" pitchFamily="34" charset="-78"/>
+              </a:rPr>
+              <a:t>Live link</a:t>
+            </a:r>
+            <a:r>
+              <a:rPr lang="en-US" sz="2000" dirty="0" smtClean="0">
+                <a:solidFill>
+                  <a:srgbClr val="DAD1E6"/>
+                </a:solidFill>
+                <a:latin typeface="Dubai Light" pitchFamily="34" charset="-78"/>
+                <a:cs typeface="Dubai Light" pitchFamily="34" charset="-78"/>
+              </a:rPr>
+              <a:t>:</a:t>
+            </a:r>
+          </a:p>
+          <a:p>
+            <a:pPr algn="ctr">
+              <a:lnSpc>
+                <a:spcPts val="2799"/>
+              </a:lnSpc>
+            </a:pPr>
+            <a:r>
+              <a:rPr lang="en-US" sz="2000" dirty="0" smtClean="0">
+                <a:solidFill>
+                  <a:srgbClr val="DAD1E6"/>
+                </a:solidFill>
+                <a:latin typeface="Dubai Light" pitchFamily="34" charset="-78"/>
+                <a:cs typeface="Dubai Light" pitchFamily="34" charset="-78"/>
+                <a:hlinkClick r:id="rId4"/>
+              </a:rPr>
+              <a:t>https</a:t>
+            </a:r>
+            <a:r>
+              <a:rPr lang="en-US" sz="2000" dirty="0">
+                <a:solidFill>
+                  <a:srgbClr val="DAD1E6"/>
+                </a:solidFill>
+                <a:latin typeface="Dubai Light" pitchFamily="34" charset="-78"/>
+                <a:cs typeface="Dubai Light" pitchFamily="34" charset="-78"/>
+                <a:hlinkClick r:id="rId4"/>
+              </a:rPr>
+              <a:t>://drive.google.com/drive/folders/1ILm5lCUCaQS2B-293jBGCelIh2vCI0xH</a:t>
+            </a:r>
+            <a:endParaRPr lang="en-US" sz="2000" dirty="0">
+              <a:latin typeface="Dubai Light" pitchFamily="34" charset="-78"/>
+              <a:cs typeface="Dubai Light" pitchFamily="34" charset="-78"/>
+            </a:endParaRPr>
+          </a:p>
+        </p:txBody>
+      </p:sp>
+      <p:pic>
+        <p:nvPicPr>
+          <p:cNvPr id="11" name="Image 2" descr="preencoded.png"/>
+          <p:cNvPicPr>
+            <a:picLocks noChangeAspect="1"/>
+          </p:cNvPicPr>
+          <p:nvPr/>
+        </p:nvPicPr>
+        <p:blipFill>
+          <a:blip r:embed="rId6"/>
+          <a:stretch>
+            <a:fillRect/>
+          </a:stretch>
+        </p:blipFill>
+        <p:spPr>
+          <a:xfrm>
+            <a:off x="11206079" y="2455783"/>
+            <a:ext cx="555427" cy="555427"/>
+          </a:xfrm>
+          <a:prstGeom prst="rect">
+            <a:avLst/>
+          </a:prstGeom>
+        </p:spPr>
+      </p:pic>
+      <p:sp>
+        <p:nvSpPr>
+          <p:cNvPr id="12" name="Text 7"/>
+          <p:cNvSpPr/>
+          <p:nvPr/>
+        </p:nvSpPr>
+        <p:spPr>
+          <a:xfrm>
+            <a:off x="10943332" y="3224389"/>
+            <a:ext cx="2388632" cy="347186"/>
           </a:xfrm>
           <a:prstGeom prst="rect">
             <a:avLst/>
@@ -5276,14 +5927,59 @@
           <a:bodyPr wrap="none" rtlCol="0" anchor="t"/>
           <a:lstStyle/>
           <a:p>
-            <a:pPr marL="0" indent="0">
-              <a:lnSpc>
-                <a:spcPts val="2299"/>
+            <a:pPr marL="0" indent="0" algn="l">
+              <a:lnSpc>
+                <a:spcPts val="2734"/>
               </a:lnSpc>
               <a:buNone/>
             </a:pPr>
             <a:r>
-              <a:rPr lang="en-US" dirty="0">
+              <a:rPr lang="en-US" sz="2800" b="1" dirty="0" smtClean="0">
+                <a:solidFill>
+                  <a:srgbClr val="FF726D"/>
+                </a:solidFill>
+                <a:latin typeface="Dubai Light" pitchFamily="34" charset="-78"/>
+                <a:ea typeface="Inconsolata" pitchFamily="34" charset="-122"/>
+                <a:cs typeface="Dubai Light" pitchFamily="34" charset="-78"/>
+              </a:rPr>
+              <a:t>Class </a:t>
+            </a:r>
+            <a:endParaRPr lang="en-US" sz="2800" dirty="0">
+              <a:latin typeface="Dubai Light" pitchFamily="34" charset="-78"/>
+              <a:cs typeface="Dubai Light" pitchFamily="34" charset="-78"/>
+            </a:endParaRPr>
+          </a:p>
+        </p:txBody>
+      </p:sp>
+      <p:sp>
+        <p:nvSpPr>
+          <p:cNvPr id="13" name="Text 8"/>
+          <p:cNvSpPr/>
+          <p:nvPr/>
+        </p:nvSpPr>
+        <p:spPr>
+          <a:xfrm>
+            <a:off x="10289475" y="3725026"/>
+            <a:ext cx="3696347" cy="2487811"/>
+          </a:xfrm>
+          <a:prstGeom prst="rect">
+            <a:avLst/>
+          </a:prstGeom>
+          <a:noFill/>
+          <a:ln/>
+        </p:spPr>
+        <p:txBody>
+          <a:bodyPr wrap="square" rtlCol="0" anchor="t"/>
+          <a:lstStyle/>
+          <a:p>
+            <a:pPr marL="0" indent="0" algn="ctr">
+              <a:lnSpc>
+                <a:spcPts val="2799"/>
+              </a:lnSpc>
+              <a:buNone/>
+            </a:pPr>
+            <a:r>
+              <a:rPr lang="en-US" sz="2000" dirty="0">
                 <a:solidFill>
                   <a:srgbClr val="DAD1E6"/>
                 </a:solidFill>
@@ -5291,44 +5987,10 @@
                 <a:ea typeface="Fira Sans" pitchFamily="34" charset="-122"/>
                 <a:cs typeface="Dubai Light" pitchFamily="34" charset="-78"/>
               </a:rPr>
-              <a:t>Security</a:t>
-            </a:r>
-            <a:endParaRPr lang="en-US" dirty="0">
-              <a:latin typeface="Dubai Light" pitchFamily="34" charset="-78"/>
-              <a:cs typeface="Dubai Light" pitchFamily="34" charset="-78"/>
-            </a:endParaRPr>
-          </a:p>
-        </p:txBody>
-      </p:sp>
-      <p:sp>
-        <p:nvSpPr>
-          <p:cNvPr id="9" name="Text 7"/>
-          <p:cNvSpPr/>
-          <p:nvPr/>
-        </p:nvSpPr>
-        <p:spPr>
-          <a:xfrm>
-            <a:off x="7501414" y="2276943"/>
-            <a:ext cx="3965496" cy="1459706"/>
-          </a:xfrm>
-          <a:prstGeom prst="rect">
-            <a:avLst/>
-          </a:prstGeom>
-          <a:noFill/>
-          <a:ln/>
-        </p:spPr>
-        <p:txBody>
-          <a:bodyPr wrap="square" rtlCol="0" anchor="t"/>
-          <a:lstStyle/>
-          <a:p>
-            <a:pPr marL="0" indent="0">
-              <a:lnSpc>
-                <a:spcPts val="2299"/>
-              </a:lnSpc>
-              <a:buNone/>
-            </a:pPr>
-            <a:r>
-              <a:rPr lang="en-US" sz="1600" dirty="0">
+              <a:t>The trading engine is responsible for processing and executing buy and sell orders, ensuring the timely and accurate processing of trades</a:t>
+            </a:r>
+            <a:r>
+              <a:rPr lang="en-US" sz="2000" dirty="0" smtClean="0">
                 <a:solidFill>
                   <a:srgbClr val="DAD1E6"/>
                 </a:solidFill>
@@ -5336,508 +5998,57 @@
                 <a:ea typeface="Fira Sans" pitchFamily="34" charset="-122"/>
                 <a:cs typeface="Dubai Light" pitchFamily="34" charset="-78"/>
               </a:rPr>
-              <a:t>A financial instrument that represents an ownership position in a corporation (stock), a creditor relationship with a governmental body or a corporation (bond), or rights to ownership as represented by an option.</a:t>
-            </a:r>
-            <a:endParaRPr lang="en-US" sz="1600" dirty="0">
-              <a:latin typeface="Dubai Light" pitchFamily="34" charset="-78"/>
-              <a:cs typeface="Dubai Light" pitchFamily="34" charset="-78"/>
-            </a:endParaRPr>
-          </a:p>
-        </p:txBody>
-      </p:sp>
-      <p:sp>
-        <p:nvSpPr>
-          <p:cNvPr id="10" name="Text 8"/>
-          <p:cNvSpPr/>
-          <p:nvPr/>
-        </p:nvSpPr>
-        <p:spPr>
-          <a:xfrm>
-            <a:off x="3163491" y="4065865"/>
-            <a:ext cx="3965496" cy="291941"/>
-          </a:xfrm>
-          <a:prstGeom prst="rect">
-            <a:avLst/>
-          </a:prstGeom>
-          <a:noFill/>
-          <a:ln/>
-        </p:spPr>
-        <p:txBody>
-          <a:bodyPr wrap="none" rtlCol="0" anchor="t"/>
-          <a:lstStyle/>
-          <a:p>
-            <a:pPr marL="0" indent="0">
-              <a:lnSpc>
-                <a:spcPts val="2299"/>
-              </a:lnSpc>
-              <a:buNone/>
-            </a:pPr>
-            <a:r>
-              <a:rPr lang="en-US" dirty="0">
+              <a:t>.</a:t>
+            </a:r>
+          </a:p>
+          <a:p>
+            <a:pPr algn="ctr">
+              <a:lnSpc>
+                <a:spcPts val="2799"/>
+              </a:lnSpc>
+            </a:pPr>
+            <a:r>
+              <a:rPr lang="en-US" sz="2000" dirty="0" smtClean="0">
                 <a:solidFill>
                   <a:srgbClr val="DAD1E6"/>
                 </a:solidFill>
                 <a:latin typeface="Dubai Light" pitchFamily="34" charset="-78"/>
-                <a:ea typeface="Fira Sans" pitchFamily="34" charset="-122"/>
-                <a:cs typeface="Dubai Light" pitchFamily="34" charset="-78"/>
-              </a:rPr>
-              <a:t>Trade</a:t>
-            </a:r>
-            <a:endParaRPr lang="en-US" dirty="0">
-              <a:latin typeface="Dubai Light" pitchFamily="34" charset="-78"/>
-              <a:cs typeface="Dubai Light" pitchFamily="34" charset="-78"/>
-            </a:endParaRPr>
-          </a:p>
-        </p:txBody>
-      </p:sp>
-      <p:sp>
-        <p:nvSpPr>
-          <p:cNvPr id="11" name="Text 9"/>
-          <p:cNvSpPr/>
-          <p:nvPr/>
-        </p:nvSpPr>
-        <p:spPr>
-          <a:xfrm>
-            <a:off x="7501414" y="4065865"/>
-            <a:ext cx="3965496" cy="291941"/>
-          </a:xfrm>
-          <a:prstGeom prst="rect">
-            <a:avLst/>
-          </a:prstGeom>
-          <a:noFill/>
-          <a:ln/>
-        </p:spPr>
-        <p:txBody>
-          <a:bodyPr wrap="none" rtlCol="0" anchor="t"/>
-          <a:lstStyle/>
-          <a:p>
-            <a:pPr marL="0" indent="0">
-              <a:lnSpc>
-                <a:spcPts val="2299"/>
-              </a:lnSpc>
-              <a:buNone/>
-            </a:pPr>
-            <a:r>
-              <a:rPr lang="en-US" dirty="0">
+                <a:cs typeface="Dubai Light" pitchFamily="34" charset="-78"/>
+              </a:rPr>
+              <a:t>Live link: </a:t>
+            </a:r>
+            <a:r>
+              <a:rPr lang="en-US" sz="2000" dirty="0">
                 <a:solidFill>
                   <a:srgbClr val="DAD1E6"/>
                 </a:solidFill>
                 <a:latin typeface="Dubai Light" pitchFamily="34" charset="-78"/>
-                <a:ea typeface="Fira Sans" pitchFamily="34" charset="-122"/>
-                <a:cs typeface="Dubai Light" pitchFamily="34" charset="-78"/>
-              </a:rPr>
-              <a:t>The action of buying or selling a security.</a:t>
-            </a:r>
-            <a:endParaRPr lang="en-US" dirty="0">
-              <a:latin typeface="Dubai Light" pitchFamily="34" charset="-78"/>
-              <a:cs typeface="Dubai Light" pitchFamily="34" charset="-78"/>
-            </a:endParaRPr>
-          </a:p>
-        </p:txBody>
-      </p:sp>
-      <p:sp>
-        <p:nvSpPr>
-          <p:cNvPr id="12" name="Shape 10"/>
-          <p:cNvSpPr/>
-          <p:nvPr/>
-        </p:nvSpPr>
-        <p:spPr>
-          <a:xfrm>
-            <a:off x="2981087" y="4474845"/>
-            <a:ext cx="8668226" cy="817959"/>
-          </a:xfrm>
-          <a:prstGeom prst="rect">
-            <a:avLst/>
-          </a:prstGeom>
-          <a:solidFill>
-            <a:srgbClr val="382748"/>
-          </a:solidFill>
-          <a:ln/>
-        </p:spPr>
-      </p:sp>
-      <p:sp>
-        <p:nvSpPr>
-          <p:cNvPr id="13" name="Text 11"/>
-          <p:cNvSpPr/>
-          <p:nvPr/>
-        </p:nvSpPr>
-        <p:spPr>
-          <a:xfrm>
-            <a:off x="3163491" y="4591883"/>
-            <a:ext cx="3965496" cy="291941"/>
-          </a:xfrm>
-          <a:prstGeom prst="rect">
-            <a:avLst/>
-          </a:prstGeom>
-          <a:noFill/>
-          <a:ln/>
-        </p:spPr>
-        <p:txBody>
-          <a:bodyPr wrap="none" rtlCol="0" anchor="t"/>
-          <a:lstStyle/>
-          <a:p>
-            <a:pPr marL="0" indent="0">
-              <a:lnSpc>
-                <a:spcPts val="2299"/>
-              </a:lnSpc>
-              <a:buNone/>
-            </a:pPr>
-            <a:r>
-              <a:rPr lang="en-US" dirty="0">
-                <a:solidFill>
-                  <a:srgbClr val="DAD1E6"/>
-                </a:solidFill>
-                <a:latin typeface="Dubai Light" pitchFamily="34" charset="-78"/>
-                <a:ea typeface="Fira Sans" pitchFamily="34" charset="-122"/>
-                <a:cs typeface="Dubai Light" pitchFamily="34" charset="-78"/>
-              </a:rPr>
-              <a:t>Portfolio</a:t>
-            </a:r>
-            <a:endParaRPr lang="en-US" dirty="0">
-              <a:latin typeface="Dubai Light" pitchFamily="34" charset="-78"/>
-              <a:cs typeface="Dubai Light" pitchFamily="34" charset="-78"/>
-            </a:endParaRPr>
-          </a:p>
-        </p:txBody>
-      </p:sp>
-      <p:sp>
-        <p:nvSpPr>
-          <p:cNvPr id="14" name="Text 12"/>
-          <p:cNvSpPr/>
-          <p:nvPr/>
-        </p:nvSpPr>
-        <p:spPr>
-          <a:xfrm>
-            <a:off x="7501414" y="4591883"/>
-            <a:ext cx="3965496" cy="583883"/>
-          </a:xfrm>
-          <a:prstGeom prst="rect">
-            <a:avLst/>
-          </a:prstGeom>
-          <a:noFill/>
-          <a:ln/>
-        </p:spPr>
-        <p:txBody>
-          <a:bodyPr wrap="square" rtlCol="0" anchor="t"/>
-          <a:lstStyle/>
-          <a:p>
-            <a:pPr marL="0" indent="0">
-              <a:lnSpc>
-                <a:spcPts val="2299"/>
-              </a:lnSpc>
-              <a:buNone/>
-            </a:pPr>
-            <a:r>
-              <a:rPr lang="en-US" dirty="0">
-                <a:solidFill>
-                  <a:srgbClr val="DAD1E6"/>
-                </a:solidFill>
-                <a:latin typeface="Dubai Light" pitchFamily="34" charset="-78"/>
-                <a:ea typeface="Fira Sans" pitchFamily="34" charset="-122"/>
-                <a:cs typeface="Dubai Light" pitchFamily="34" charset="-78"/>
-              </a:rPr>
-              <a:t>A collection of investments held by an individual or institution.</a:t>
-            </a:r>
-            <a:endParaRPr lang="en-US" dirty="0">
-              <a:latin typeface="Dubai Light" pitchFamily="34" charset="-78"/>
-              <a:cs typeface="Dubai Light" pitchFamily="34" charset="-78"/>
-            </a:endParaRPr>
-          </a:p>
-        </p:txBody>
-      </p:sp>
-      <p:sp>
-        <p:nvSpPr>
-          <p:cNvPr id="15" name="Text 13"/>
-          <p:cNvSpPr/>
-          <p:nvPr/>
-        </p:nvSpPr>
-        <p:spPr>
-          <a:xfrm>
-            <a:off x="3163491" y="5409843"/>
-            <a:ext cx="3965496" cy="291941"/>
-          </a:xfrm>
-          <a:prstGeom prst="rect">
-            <a:avLst/>
-          </a:prstGeom>
-          <a:noFill/>
-          <a:ln/>
-        </p:spPr>
-        <p:txBody>
-          <a:bodyPr wrap="none" rtlCol="0" anchor="t"/>
-          <a:lstStyle/>
-          <a:p>
-            <a:pPr marL="0" indent="0">
-              <a:lnSpc>
-                <a:spcPts val="2299"/>
-              </a:lnSpc>
-              <a:buNone/>
-            </a:pPr>
-            <a:r>
-              <a:rPr lang="en-US" dirty="0">
-                <a:solidFill>
-                  <a:srgbClr val="DAD1E6"/>
-                </a:solidFill>
-                <a:latin typeface="Dubai Light" pitchFamily="34" charset="-78"/>
-                <a:ea typeface="Fira Sans" pitchFamily="34" charset="-122"/>
-                <a:cs typeface="Dubai Light" pitchFamily="34" charset="-78"/>
-              </a:rPr>
-              <a:t>Market Order</a:t>
-            </a:r>
-            <a:endParaRPr lang="en-US" dirty="0">
-              <a:latin typeface="Dubai Light" pitchFamily="34" charset="-78"/>
-              <a:cs typeface="Dubai Light" pitchFamily="34" charset="-78"/>
-            </a:endParaRPr>
-          </a:p>
-        </p:txBody>
-      </p:sp>
-      <p:sp>
-        <p:nvSpPr>
-          <p:cNvPr id="16" name="Text 14"/>
-          <p:cNvSpPr/>
-          <p:nvPr/>
-        </p:nvSpPr>
-        <p:spPr>
-          <a:xfrm>
-            <a:off x="7501414" y="5409843"/>
-            <a:ext cx="3965496" cy="583883"/>
-          </a:xfrm>
-          <a:prstGeom prst="rect">
-            <a:avLst/>
-          </a:prstGeom>
-          <a:noFill/>
-          <a:ln/>
-        </p:spPr>
-        <p:txBody>
-          <a:bodyPr wrap="square" rtlCol="0" anchor="t"/>
-          <a:lstStyle/>
-          <a:p>
-            <a:pPr marL="0" indent="0">
-              <a:lnSpc>
-                <a:spcPts val="2299"/>
-              </a:lnSpc>
-              <a:buNone/>
-            </a:pPr>
-            <a:r>
-              <a:rPr lang="en-US" dirty="0">
-                <a:solidFill>
-                  <a:srgbClr val="DAD1E6"/>
-                </a:solidFill>
-                <a:latin typeface="Dubai Light" pitchFamily="34" charset="-78"/>
-                <a:ea typeface="Fira Sans" pitchFamily="34" charset="-122"/>
-                <a:cs typeface="Dubai Light" pitchFamily="34" charset="-78"/>
-              </a:rPr>
-              <a:t>An order to buy or sell a security immediately at the best available current price.</a:t>
-            </a:r>
-            <a:endParaRPr lang="en-US" dirty="0">
-              <a:latin typeface="Dubai Light" pitchFamily="34" charset="-78"/>
-              <a:cs typeface="Dubai Light" pitchFamily="34" charset="-78"/>
-            </a:endParaRPr>
-          </a:p>
-        </p:txBody>
-      </p:sp>
-      <p:sp>
-        <p:nvSpPr>
-          <p:cNvPr id="17" name="Shape 15"/>
-          <p:cNvSpPr/>
-          <p:nvPr/>
-        </p:nvSpPr>
-        <p:spPr>
-          <a:xfrm>
-            <a:off x="2981087" y="6110764"/>
-            <a:ext cx="8668226" cy="817959"/>
-          </a:xfrm>
-          <a:prstGeom prst="rect">
-            <a:avLst/>
-          </a:prstGeom>
-          <a:solidFill>
-            <a:srgbClr val="382748"/>
-          </a:solidFill>
-          <a:ln/>
-        </p:spPr>
-      </p:sp>
-      <p:sp>
-        <p:nvSpPr>
-          <p:cNvPr id="18" name="Text 16"/>
-          <p:cNvSpPr/>
-          <p:nvPr/>
-        </p:nvSpPr>
-        <p:spPr>
-          <a:xfrm>
-            <a:off x="3163491" y="6227802"/>
-            <a:ext cx="3965496" cy="291941"/>
-          </a:xfrm>
-          <a:prstGeom prst="rect">
-            <a:avLst/>
-          </a:prstGeom>
-          <a:noFill/>
-          <a:ln/>
-        </p:spPr>
-        <p:txBody>
-          <a:bodyPr wrap="none" rtlCol="0" anchor="t"/>
-          <a:lstStyle/>
-          <a:p>
-            <a:pPr marL="0" indent="0">
-              <a:lnSpc>
-                <a:spcPts val="2299"/>
-              </a:lnSpc>
-              <a:buNone/>
-            </a:pPr>
-            <a:r>
-              <a:rPr lang="en-US" dirty="0">
-                <a:solidFill>
-                  <a:srgbClr val="DAD1E6"/>
-                </a:solidFill>
-                <a:latin typeface="Dubai Light" pitchFamily="34" charset="-78"/>
-                <a:ea typeface="Fira Sans" pitchFamily="34" charset="-122"/>
-                <a:cs typeface="Dubai Light" pitchFamily="34" charset="-78"/>
-              </a:rPr>
-              <a:t>Limit Order</a:t>
-            </a:r>
-            <a:endParaRPr lang="en-US" dirty="0">
-              <a:latin typeface="Dubai Light" pitchFamily="34" charset="-78"/>
-              <a:cs typeface="Dubai Light" pitchFamily="34" charset="-78"/>
-            </a:endParaRPr>
-          </a:p>
-        </p:txBody>
-      </p:sp>
-      <p:sp>
-        <p:nvSpPr>
-          <p:cNvPr id="19" name="Text 17"/>
-          <p:cNvSpPr/>
-          <p:nvPr/>
-        </p:nvSpPr>
-        <p:spPr>
-          <a:xfrm>
-            <a:off x="7501414" y="6227802"/>
-            <a:ext cx="3965496" cy="583883"/>
-          </a:xfrm>
-          <a:prstGeom prst="rect">
-            <a:avLst/>
-          </a:prstGeom>
-          <a:noFill/>
-          <a:ln/>
-        </p:spPr>
-        <p:txBody>
-          <a:bodyPr wrap="square" rtlCol="0" anchor="t"/>
-          <a:lstStyle/>
-          <a:p>
-            <a:pPr marL="0" indent="0">
-              <a:lnSpc>
-                <a:spcPts val="2299"/>
-              </a:lnSpc>
-              <a:buNone/>
-            </a:pPr>
-            <a:r>
-              <a:rPr lang="en-US" dirty="0">
-                <a:solidFill>
-                  <a:srgbClr val="DAD1E6"/>
-                </a:solidFill>
-                <a:latin typeface="Dubai Light" pitchFamily="34" charset="-78"/>
-                <a:ea typeface="Fira Sans" pitchFamily="34" charset="-122"/>
-                <a:cs typeface="Dubai Light" pitchFamily="34" charset="-78"/>
-              </a:rPr>
-              <a:t>An order to buy or sell a security at a specific price or better.</a:t>
-            </a:r>
-            <a:endParaRPr lang="en-US" dirty="0">
-              <a:latin typeface="Dubai Light" pitchFamily="34" charset="-78"/>
-              <a:cs typeface="Dubai Light" pitchFamily="34" charset="-78"/>
-            </a:endParaRPr>
-          </a:p>
-        </p:txBody>
-      </p:sp>
-      <p:sp>
-        <p:nvSpPr>
-          <p:cNvPr id="20" name="Text 18"/>
-          <p:cNvSpPr/>
-          <p:nvPr/>
-        </p:nvSpPr>
-        <p:spPr>
-          <a:xfrm>
-            <a:off x="3163491" y="7045762"/>
-            <a:ext cx="3965496" cy="291941"/>
-          </a:xfrm>
-          <a:prstGeom prst="rect">
-            <a:avLst/>
-          </a:prstGeom>
-          <a:noFill/>
-          <a:ln/>
-        </p:spPr>
-        <p:txBody>
-          <a:bodyPr wrap="none" rtlCol="0" anchor="t"/>
-          <a:lstStyle/>
-          <a:p>
-            <a:pPr marL="0" indent="0">
-              <a:lnSpc>
-                <a:spcPts val="2299"/>
-              </a:lnSpc>
-              <a:buNone/>
-            </a:pPr>
-            <a:r>
-              <a:rPr lang="en-US" dirty="0">
-                <a:solidFill>
-                  <a:srgbClr val="DAD1E6"/>
-                </a:solidFill>
-                <a:latin typeface="Dubai Light" pitchFamily="34" charset="-78"/>
-                <a:ea typeface="Fira Sans" pitchFamily="34" charset="-122"/>
-                <a:cs typeface="Dubai Light" pitchFamily="34" charset="-78"/>
-              </a:rPr>
-              <a:t>Stop Order</a:t>
-            </a:r>
-            <a:endParaRPr lang="en-US" dirty="0">
-              <a:latin typeface="Dubai Light" pitchFamily="34" charset="-78"/>
-              <a:cs typeface="Dubai Light" pitchFamily="34" charset="-78"/>
-            </a:endParaRPr>
-          </a:p>
-        </p:txBody>
-      </p:sp>
-      <p:sp>
-        <p:nvSpPr>
-          <p:cNvPr id="21" name="Text 19"/>
-          <p:cNvSpPr/>
-          <p:nvPr/>
-        </p:nvSpPr>
-        <p:spPr>
-          <a:xfrm>
-            <a:off x="7501414" y="7045762"/>
-            <a:ext cx="3965496" cy="583883"/>
-          </a:xfrm>
-          <a:prstGeom prst="rect">
-            <a:avLst/>
-          </a:prstGeom>
-          <a:noFill/>
-          <a:ln/>
-        </p:spPr>
-        <p:txBody>
-          <a:bodyPr wrap="square" rtlCol="0" anchor="t"/>
-          <a:lstStyle/>
-          <a:p>
-            <a:pPr marL="0" indent="0">
-              <a:lnSpc>
-                <a:spcPts val="2299"/>
-              </a:lnSpc>
-              <a:buNone/>
-            </a:pPr>
-            <a:r>
-              <a:rPr lang="en-US" dirty="0">
-                <a:solidFill>
-                  <a:srgbClr val="DAD1E6"/>
-                </a:solidFill>
-                <a:latin typeface="Dubai Light" pitchFamily="34" charset="-78"/>
-                <a:ea typeface="Fira Sans" pitchFamily="34" charset="-122"/>
-                <a:cs typeface="Dubai Light" pitchFamily="34" charset="-78"/>
-              </a:rPr>
-              <a:t>An order to buy or sell a security once the price reaches a specified point.</a:t>
-            </a:r>
-            <a:endParaRPr lang="en-US" dirty="0">
-              <a:latin typeface="Dubai Light" pitchFamily="34" charset="-78"/>
-              <a:cs typeface="Dubai Light" pitchFamily="34" charset="-78"/>
-            </a:endParaRPr>
-          </a:p>
-        </p:txBody>
-      </p:sp>
-      <p:sp>
-        <p:nvSpPr>
-          <p:cNvPr id="23" name="Text 7"/>
+                <a:cs typeface="Dubai Light" pitchFamily="34" charset="-78"/>
+                <a:hlinkClick r:id="rId4"/>
+              </a:rPr>
+              <a:t>https://drive.google.com/drive/folders/1ILm5lCUCaQS2B-293jBGCelIh2vCI0xH</a:t>
+            </a:r>
+            <a:endParaRPr lang="en-US" sz="2000" dirty="0">
+              <a:latin typeface="Dubai Light" pitchFamily="34" charset="-78"/>
+              <a:cs typeface="Dubai Light" pitchFamily="34" charset="-78"/>
+            </a:endParaRPr>
+          </a:p>
+          <a:p>
+            <a:pPr algn="ctr">
+              <a:lnSpc>
+                <a:spcPts val="2799"/>
+              </a:lnSpc>
+            </a:pPr>
+            <a:endParaRPr lang="en-US" sz="2000" dirty="0">
+              <a:latin typeface="Dubai Light" pitchFamily="34" charset="-78"/>
+              <a:cs typeface="Dubai Light" pitchFamily="34" charset="-78"/>
+            </a:endParaRPr>
+          </a:p>
+        </p:txBody>
+      </p:sp>
+      <p:sp>
+        <p:nvSpPr>
+          <p:cNvPr id="18" name="Text 7"/>
           <p:cNvSpPr/>
           <p:nvPr/>
         </p:nvSpPr>
@@ -5897,7 +6108,7 @@
 
 <file path=ppt/slides/slide8.xml><?xml version="1.0" encoding="utf-8"?>
 <p:sld xmlns:a="http://schemas.openxmlformats.org/drawingml/2006/main" xmlns:r="http://schemas.openxmlformats.org/officeDocument/2006/relationships" xmlns:p="http://schemas.openxmlformats.org/presentationml/2006/main">
-  <p:cSld name="Slide 8">
+  <p:cSld name="Slide 7">
     <p:spTree>
       <p:nvGrpSpPr>
         <p:cNvPr id="1" name=""/>
@@ -5940,8 +6151,8 @@
         </p:nvSpPr>
         <p:spPr>
           <a:xfrm>
-            <a:off x="0" y="0"/>
-            <a:ext cx="14630400" cy="8229600"/>
+            <a:off x="0" y="31308"/>
+            <a:ext cx="14630400" cy="8248531"/>
           </a:xfrm>
           <a:prstGeom prst="rect">
             <a:avLst/>
@@ -5952,40 +6163,16 @@
           <a:ln/>
         </p:spPr>
       </p:sp>
-      <p:pic>
-        <p:nvPicPr>
-          <p:cNvPr id="4" name="Image 0" descr="preencoded.png"/>
-          <p:cNvPicPr>
-            <a:picLocks noChangeAspect="1"/>
-          </p:cNvPicPr>
-          <p:nvPr/>
-        </p:nvPicPr>
-        <p:blipFill>
-          <a:blip r:embed="rId3"/>
-          <a:stretch>
-            <a:fillRect/>
-          </a:stretch>
-        </p:blipFill>
-        <p:spPr>
-          <a:xfrm>
-            <a:off x="10980420" y="0"/>
-            <a:ext cx="3657600" cy="8229600"/>
-          </a:xfrm>
-          <a:prstGeom prst="rect">
-            <a:avLst/>
-          </a:prstGeom>
-        </p:spPr>
-      </p:pic>
-      <p:sp>
-        <p:nvSpPr>
-          <p:cNvPr id="5" name="Text 2"/>
-          <p:cNvSpPr/>
-          <p:nvPr/>
-        </p:nvSpPr>
-        <p:spPr>
-          <a:xfrm>
-            <a:off x="767834" y="888921"/>
-            <a:ext cx="5118854" cy="639723"/>
+      <p:sp>
+        <p:nvSpPr>
+          <p:cNvPr id="4" name="Text 2"/>
+          <p:cNvSpPr/>
+          <p:nvPr/>
+        </p:nvSpPr>
+        <p:spPr>
+          <a:xfrm>
+            <a:off x="2981087" y="501848"/>
+            <a:ext cx="4562237" cy="570309"/>
           </a:xfrm>
           <a:prstGeom prst="rect">
             <a:avLst/>
@@ -5999,12 +6186,12 @@
           <a:p>
             <a:pPr marL="0" indent="0">
               <a:lnSpc>
-                <a:spcPts val="5038"/>
+                <a:spcPts val="4490"/>
               </a:lnSpc>
               <a:buNone/>
             </a:pPr>
             <a:r>
-              <a:rPr lang="en-US" sz="4800" b="1" dirty="0">
+              <a:rPr lang="en-US" sz="4400" b="1" dirty="0">
                 <a:solidFill>
                   <a:srgbClr val="FF726D"/>
                 </a:solidFill>
@@ -6012,49 +6199,25 @@
                 <a:ea typeface="Inconsolata" pitchFamily="34" charset="-122"/>
                 <a:cs typeface="Dubai Light" pitchFamily="34" charset="-78"/>
               </a:rPr>
-              <a:t>Conclusion</a:t>
-            </a:r>
-            <a:endParaRPr lang="en-US" sz="4800" dirty="0">
-              <a:latin typeface="Dubai Light" pitchFamily="34" charset="-78"/>
-              <a:cs typeface="Dubai Light" pitchFamily="34" charset="-78"/>
-            </a:endParaRPr>
-          </a:p>
-        </p:txBody>
-      </p:sp>
-      <p:pic>
-        <p:nvPicPr>
-          <p:cNvPr id="6" name="Image 1" descr="preencoded.png"/>
-          <p:cNvPicPr>
-            <a:picLocks noChangeAspect="1"/>
-          </p:cNvPicPr>
-          <p:nvPr/>
-        </p:nvPicPr>
-        <p:blipFill>
-          <a:blip r:embed="rId4"/>
-          <a:stretch>
-            <a:fillRect/>
-          </a:stretch>
-        </p:blipFill>
-        <p:spPr>
-          <a:xfrm>
-            <a:off x="767834" y="1835706"/>
-            <a:ext cx="1023699" cy="1834991"/>
-          </a:xfrm>
-          <a:prstGeom prst="rect">
-            <a:avLst/>
-          </a:prstGeom>
-        </p:spPr>
-      </p:pic>
-      <p:sp>
-        <p:nvSpPr>
-          <p:cNvPr id="7" name="Text 3"/>
-          <p:cNvSpPr/>
-          <p:nvPr/>
-        </p:nvSpPr>
-        <p:spPr>
-          <a:xfrm>
-            <a:off x="2098596" y="2040374"/>
-            <a:ext cx="2559368" cy="319921"/>
+              <a:t>Glossary</a:t>
+            </a:r>
+            <a:endParaRPr lang="en-US" sz="4400" dirty="0">
+              <a:latin typeface="Dubai Light" pitchFamily="34" charset="-78"/>
+              <a:cs typeface="Dubai Light" pitchFamily="34" charset="-78"/>
+            </a:endParaRPr>
+          </a:p>
+        </p:txBody>
+      </p:sp>
+      <p:sp>
+        <p:nvSpPr>
+          <p:cNvPr id="5" name="Text 3"/>
+          <p:cNvSpPr/>
+          <p:nvPr/>
+        </p:nvSpPr>
+        <p:spPr>
+          <a:xfrm>
+            <a:off x="3163491" y="1554123"/>
+            <a:ext cx="3965496" cy="291941"/>
           </a:xfrm>
           <a:prstGeom prst="rect">
             <a:avLst/>
@@ -6066,40 +6229,62 @@
           <a:bodyPr wrap="none" rtlCol="0" anchor="t"/>
           <a:lstStyle/>
           <a:p>
-            <a:pPr marL="0" indent="0" algn="l">
-              <a:lnSpc>
-                <a:spcPts val="2519"/>
+            <a:pPr marL="0" indent="0">
+              <a:lnSpc>
+                <a:spcPts val="2299"/>
               </a:lnSpc>
               <a:buNone/>
             </a:pPr>
             <a:r>
-              <a:rPr lang="en-US" sz="2800" b="1" dirty="0">
-                <a:solidFill>
-                  <a:srgbClr val="FF726D"/>
-                </a:solidFill>
-                <a:latin typeface="Dubai Light" pitchFamily="34" charset="-78"/>
-                <a:ea typeface="Inconsolata" pitchFamily="34" charset="-122"/>
-                <a:cs typeface="Dubai Light" pitchFamily="34" charset="-78"/>
-              </a:rPr>
-              <a:t>Robust Platform</a:t>
-            </a:r>
-            <a:endParaRPr lang="en-US" sz="2800" dirty="0">
-              <a:latin typeface="Dubai Light" pitchFamily="34" charset="-78"/>
-              <a:cs typeface="Dubai Light" pitchFamily="34" charset="-78"/>
-            </a:endParaRPr>
-          </a:p>
-        </p:txBody>
-      </p:sp>
-      <p:sp>
-        <p:nvSpPr>
-          <p:cNvPr id="8" name="Text 4"/>
-          <p:cNvSpPr/>
-          <p:nvPr/>
-        </p:nvSpPr>
-        <p:spPr>
-          <a:xfrm>
-            <a:off x="2098596" y="2483048"/>
-            <a:ext cx="8106370" cy="982980"/>
+              <a:rPr lang="en-US" sz="2000" dirty="0" smtClean="0">
+                <a:solidFill>
+                  <a:srgbClr val="DAD1E6"/>
+                </a:solidFill>
+                <a:latin typeface="Dubai Light" pitchFamily="34" charset="-78"/>
+                <a:ea typeface="Fira Sans" pitchFamily="34" charset="-122"/>
+                <a:cs typeface="Dubai Light" pitchFamily="34" charset="-78"/>
+              </a:rPr>
+              <a:t>Broker(‘Delala’ in </a:t>
+            </a:r>
+            <a:r>
+              <a:rPr lang="en-US" sz="2000" dirty="0">
+                <a:solidFill>
+                  <a:srgbClr val="DAD1E6"/>
+                </a:solidFill>
+                <a:latin typeface="Dubai Light" pitchFamily="34" charset="-78"/>
+                <a:ea typeface="Fira Sans" pitchFamily="34" charset="-122"/>
+                <a:cs typeface="Dubai Light" pitchFamily="34" charset="-78"/>
+              </a:rPr>
+              <a:t>A</a:t>
+            </a:r>
+            <a:r>
+              <a:rPr lang="en-US" sz="2000" dirty="0" smtClean="0">
+                <a:solidFill>
+                  <a:srgbClr val="DAD1E6"/>
+                </a:solidFill>
+                <a:latin typeface="Dubai Light" pitchFamily="34" charset="-78"/>
+                <a:ea typeface="Fira Sans" pitchFamily="34" charset="-122"/>
+                <a:cs typeface="Dubai Light" pitchFamily="34" charset="-78"/>
+              </a:rPr>
+              <a:t>mharic)</a:t>
+            </a:r>
+            <a:endParaRPr lang="en-US" sz="2000" dirty="0">
+              <a:latin typeface="Dubai Light" pitchFamily="34" charset="-78"/>
+              <a:cs typeface="Dubai Light" pitchFamily="34" charset="-78"/>
+            </a:endParaRPr>
+          </a:p>
+        </p:txBody>
+      </p:sp>
+      <p:sp>
+        <p:nvSpPr>
+          <p:cNvPr id="6" name="Text 4"/>
+          <p:cNvSpPr/>
+          <p:nvPr/>
+        </p:nvSpPr>
+        <p:spPr>
+          <a:xfrm>
+            <a:off x="6835515" y="1408151"/>
+            <a:ext cx="4631395" cy="583883"/>
           </a:xfrm>
           <a:prstGeom prst="rect">
             <a:avLst/>
@@ -6111,13 +6296,125 @@
           <a:bodyPr wrap="square" rtlCol="0" anchor="t"/>
           <a:lstStyle/>
           <a:p>
-            <a:pPr marL="0" indent="0" algn="l">
-              <a:lnSpc>
-                <a:spcPts val="2580"/>
+            <a:pPr marL="0" indent="0">
+              <a:lnSpc>
+                <a:spcPts val="2299"/>
               </a:lnSpc>
               <a:buNone/>
             </a:pPr>
             <a:r>
+              <a:rPr lang="en-US" dirty="0">
+                <a:solidFill>
+                  <a:srgbClr val="DAD1E6"/>
+                </a:solidFill>
+                <a:latin typeface="Dubai Light" pitchFamily="34" charset="-78"/>
+                <a:ea typeface="Fira Sans" pitchFamily="34" charset="-122"/>
+                <a:cs typeface="Dubai Light" pitchFamily="34" charset="-78"/>
+              </a:rPr>
+              <a:t>An individual or firm that arranges transactions between a buyer and a seller for a commission.</a:t>
+            </a:r>
+            <a:endParaRPr lang="en-US" dirty="0">
+              <a:latin typeface="Dubai Light" pitchFamily="34" charset="-78"/>
+              <a:cs typeface="Dubai Light" pitchFamily="34" charset="-78"/>
+            </a:endParaRPr>
+          </a:p>
+        </p:txBody>
+      </p:sp>
+      <p:sp>
+        <p:nvSpPr>
+          <p:cNvPr id="10" name="Text 8"/>
+          <p:cNvSpPr/>
+          <p:nvPr/>
+        </p:nvSpPr>
+        <p:spPr>
+          <a:xfrm>
+            <a:off x="3163491" y="3019821"/>
+            <a:ext cx="3965496" cy="291941"/>
+          </a:xfrm>
+          <a:prstGeom prst="rect">
+            <a:avLst/>
+          </a:prstGeom>
+          <a:noFill/>
+          <a:ln/>
+        </p:spPr>
+        <p:txBody>
+          <a:bodyPr wrap="none" rtlCol="0" anchor="t"/>
+          <a:lstStyle/>
+          <a:p>
+            <a:pPr marL="0" indent="0">
+              <a:lnSpc>
+                <a:spcPts val="2299"/>
+              </a:lnSpc>
+              <a:buNone/>
+            </a:pPr>
+            <a:r>
+              <a:rPr lang="en-US" sz="2000" dirty="0" smtClean="0">
+                <a:solidFill>
+                  <a:srgbClr val="DAD1E6"/>
+                </a:solidFill>
+                <a:latin typeface="Dubai Light" pitchFamily="34" charset="-78"/>
+                <a:ea typeface="Fira Sans" pitchFamily="34" charset="-122"/>
+                <a:cs typeface="Dubai Light" pitchFamily="34" charset="-78"/>
+              </a:rPr>
+              <a:t>Trade(‘</a:t>
+            </a:r>
+            <a:r>
+              <a:rPr lang="en-US" sz="2000" dirty="0" err="1" smtClean="0">
+                <a:solidFill>
+                  <a:srgbClr val="DAD1E6"/>
+                </a:solidFill>
+                <a:latin typeface="Dubai Light" pitchFamily="34" charset="-78"/>
+                <a:ea typeface="Fira Sans" pitchFamily="34" charset="-122"/>
+                <a:cs typeface="Dubai Light" pitchFamily="34" charset="-78"/>
+              </a:rPr>
+              <a:t>gbyit</a:t>
+            </a:r>
+            <a:r>
+              <a:rPr lang="en-US" sz="2000" dirty="0" smtClean="0">
+                <a:solidFill>
+                  <a:srgbClr val="DAD1E6"/>
+                </a:solidFill>
+                <a:latin typeface="Dubai Light" pitchFamily="34" charset="-78"/>
+                <a:ea typeface="Fira Sans" pitchFamily="34" charset="-122"/>
+                <a:cs typeface="Dubai Light" pitchFamily="34" charset="-78"/>
+              </a:rPr>
+              <a:t>’ in Amharic)</a:t>
+            </a:r>
+            <a:endParaRPr lang="en-US" sz="2000" dirty="0">
+              <a:latin typeface="Dubai Light" pitchFamily="34" charset="-78"/>
+              <a:cs typeface="Dubai Light" pitchFamily="34" charset="-78"/>
+            </a:endParaRPr>
+          </a:p>
+        </p:txBody>
+      </p:sp>
+      <p:sp>
+        <p:nvSpPr>
+          <p:cNvPr id="11" name="Text 9"/>
+          <p:cNvSpPr/>
+          <p:nvPr/>
+        </p:nvSpPr>
+        <p:spPr>
+          <a:xfrm>
+            <a:off x="6835514" y="3074085"/>
+            <a:ext cx="4631395" cy="475354"/>
+          </a:xfrm>
+          <a:prstGeom prst="rect">
+            <a:avLst/>
+          </a:prstGeom>
+          <a:noFill/>
+          <a:ln/>
+        </p:spPr>
+        <p:txBody>
+          <a:bodyPr wrap="none" rtlCol="0" anchor="t"/>
+          <a:lstStyle/>
+          <a:p>
+            <a:pPr marL="0" indent="0">
+              <a:lnSpc>
+                <a:spcPts val="2299"/>
+              </a:lnSpc>
+              <a:buNone/>
+            </a:pPr>
+            <a:r>
               <a:rPr lang="en-US" sz="2000" dirty="0">
                 <a:solidFill>
                   <a:srgbClr val="DAD1E6"/>
@@ -6126,7 +6423,7 @@
                 <a:ea typeface="Fira Sans" pitchFamily="34" charset="-122"/>
                 <a:cs typeface="Dubai Light" pitchFamily="34" charset="-78"/>
               </a:rPr>
-              <a:t>The Broker System is designed to provide a robust, secure, and user-friendly platform for trading financial securities, addressing both functional and non-functional requirements to deliver an exceptional user experience.</a:t>
+              <a:t>The action of buying or selling a security.</a:t>
             </a:r>
             <a:endParaRPr lang="en-US" sz="2000" dirty="0">
               <a:latin typeface="Dubai Light" pitchFamily="34" charset="-78"/>
@@ -6135,40 +6432,36 @@
           </a:p>
         </p:txBody>
       </p:sp>
-      <p:pic>
-        <p:nvPicPr>
-          <p:cNvPr id="9" name="Image 2" descr="preencoded.png"/>
-          <p:cNvPicPr>
-            <a:picLocks noChangeAspect="1"/>
-          </p:cNvPicPr>
-          <p:nvPr/>
-        </p:nvPicPr>
-        <p:blipFill>
-          <a:blip r:embed="rId5"/>
-          <a:stretch>
-            <a:fillRect/>
-          </a:stretch>
-        </p:blipFill>
-        <p:spPr>
-          <a:xfrm>
-            <a:off x="767834" y="3670697"/>
-            <a:ext cx="1023699" cy="1834991"/>
-          </a:xfrm>
-          <a:prstGeom prst="rect">
-            <a:avLst/>
-          </a:prstGeom>
-        </p:spPr>
-      </p:pic>
-      <p:sp>
-        <p:nvSpPr>
-          <p:cNvPr id="10" name="Text 5"/>
-          <p:cNvSpPr/>
-          <p:nvPr/>
-        </p:nvSpPr>
-        <p:spPr>
-          <a:xfrm>
-            <a:off x="2098596" y="3875365"/>
-            <a:ext cx="2559368" cy="319921"/>
+      <p:sp>
+        <p:nvSpPr>
+          <p:cNvPr id="17" name="Shape 15"/>
+          <p:cNvSpPr/>
+          <p:nvPr/>
+        </p:nvSpPr>
+        <p:spPr>
+          <a:xfrm>
+            <a:off x="2981087" y="2168351"/>
+            <a:ext cx="8668226" cy="817959"/>
+          </a:xfrm>
+          <a:prstGeom prst="rect">
+            <a:avLst/>
+          </a:prstGeom>
+          <a:solidFill>
+            <a:srgbClr val="382748"/>
+          </a:solidFill>
+          <a:ln/>
+        </p:spPr>
+      </p:sp>
+      <p:sp>
+        <p:nvSpPr>
+          <p:cNvPr id="18" name="Text 16"/>
+          <p:cNvSpPr/>
+          <p:nvPr/>
+        </p:nvSpPr>
+        <p:spPr>
+          <a:xfrm>
+            <a:off x="3163491" y="2292273"/>
+            <a:ext cx="3965496" cy="291941"/>
           </a:xfrm>
           <a:prstGeom prst="rect">
             <a:avLst/>
@@ -6180,40 +6473,128 @@
           <a:bodyPr wrap="none" rtlCol="0" anchor="t"/>
           <a:lstStyle/>
           <a:p>
-            <a:pPr marL="0" indent="0" algn="l">
-              <a:lnSpc>
-                <a:spcPts val="2519"/>
+            <a:pPr>
+              <a:lnSpc>
+                <a:spcPts val="2299"/>
+              </a:lnSpc>
+            </a:pPr>
+            <a:r>
+              <a:rPr lang="en-US" sz="2000" dirty="0">
+                <a:solidFill>
+                  <a:srgbClr val="DAD1E6"/>
+                </a:solidFill>
+                <a:latin typeface="Dubai Light" pitchFamily="34" charset="-78"/>
+                <a:ea typeface="Fira Sans" pitchFamily="34" charset="-122"/>
+                <a:cs typeface="Dubai Light" pitchFamily="34" charset="-78"/>
+              </a:rPr>
+              <a:t>Seller(‘</a:t>
+            </a:r>
+            <a:r>
+              <a:rPr lang="en-US" sz="2000" dirty="0" err="1">
+                <a:solidFill>
+                  <a:srgbClr val="DAD1E6"/>
+                </a:solidFill>
+                <a:latin typeface="Dubai Light" pitchFamily="34" charset="-78"/>
+                <a:ea typeface="Fira Sans" pitchFamily="34" charset="-122"/>
+                <a:cs typeface="Dubai Light" pitchFamily="34" charset="-78"/>
+              </a:rPr>
+              <a:t>shach</a:t>
+            </a:r>
+            <a:r>
+              <a:rPr lang="en-US" sz="2000" dirty="0">
+                <a:solidFill>
+                  <a:srgbClr val="DAD1E6"/>
+                </a:solidFill>
+                <a:latin typeface="Dubai Light" pitchFamily="34" charset="-78"/>
+                <a:ea typeface="Fira Sans" pitchFamily="34" charset="-122"/>
+                <a:cs typeface="Dubai Light" pitchFamily="34" charset="-78"/>
+              </a:rPr>
+              <a:t> </a:t>
+            </a:r>
+            <a:r>
+              <a:rPr lang="en-US" sz="2000" dirty="0" smtClean="0">
+                <a:solidFill>
+                  <a:srgbClr val="DAD1E6"/>
+                </a:solidFill>
+                <a:latin typeface="Dubai Light" pitchFamily="34" charset="-78"/>
+                <a:ea typeface="Fira Sans" pitchFamily="34" charset="-122"/>
+                <a:cs typeface="Dubai Light" pitchFamily="34" charset="-78"/>
+              </a:rPr>
+              <a:t>’ in Amharic </a:t>
+            </a:r>
+            <a:r>
+              <a:rPr lang="en-US" sz="2000" dirty="0" smtClean="0">
+                <a:solidFill>
+                  <a:srgbClr val="DAD1E6"/>
+                </a:solidFill>
+                <a:latin typeface="Dubai Light" pitchFamily="34" charset="-78"/>
+                <a:ea typeface="Fira Sans" pitchFamily="34" charset="-122"/>
+                <a:cs typeface="Dubai Light" pitchFamily="34" charset="-78"/>
+              </a:rPr>
+              <a:t>)</a:t>
+            </a:r>
+            <a:endParaRPr lang="en-US" sz="2000" dirty="0">
+              <a:latin typeface="Dubai Light" pitchFamily="34" charset="-78"/>
+              <a:cs typeface="Dubai Light" pitchFamily="34" charset="-78"/>
+            </a:endParaRPr>
+          </a:p>
+        </p:txBody>
+      </p:sp>
+      <p:sp>
+        <p:nvSpPr>
+          <p:cNvPr id="19" name="Text 17"/>
+          <p:cNvSpPr/>
+          <p:nvPr/>
+        </p:nvSpPr>
+        <p:spPr>
+          <a:xfrm>
+            <a:off x="6852398" y="2190225"/>
+            <a:ext cx="4631395" cy="583883"/>
+          </a:xfrm>
+          <a:prstGeom prst="rect">
+            <a:avLst/>
+          </a:prstGeom>
+          <a:noFill/>
+          <a:ln/>
+        </p:spPr>
+        <p:txBody>
+          <a:bodyPr wrap="square" rtlCol="0" anchor="t"/>
+          <a:lstStyle/>
+          <a:p>
+            <a:pPr marL="0" indent="0">
+              <a:lnSpc>
+                <a:spcPts val="2299"/>
               </a:lnSpc>
               <a:buNone/>
             </a:pPr>
             <a:r>
-              <a:rPr lang="en-US" sz="2800" b="1" dirty="0">
-                <a:solidFill>
-                  <a:srgbClr val="FF726D"/>
-                </a:solidFill>
-                <a:latin typeface="Dubai Light" pitchFamily="34" charset="-78"/>
-                <a:ea typeface="Inconsolata" pitchFamily="34" charset="-122"/>
-                <a:cs typeface="Dubai Light" pitchFamily="34" charset="-78"/>
-              </a:rPr>
-              <a:t>Streamlined Trading</a:t>
-            </a:r>
-            <a:endParaRPr lang="en-US" sz="2800" dirty="0">
-              <a:latin typeface="Dubai Light" pitchFamily="34" charset="-78"/>
-              <a:cs typeface="Dubai Light" pitchFamily="34" charset="-78"/>
-            </a:endParaRPr>
-          </a:p>
-        </p:txBody>
-      </p:sp>
-      <p:sp>
-        <p:nvSpPr>
-          <p:cNvPr id="11" name="Text 6"/>
-          <p:cNvSpPr/>
-          <p:nvPr/>
-        </p:nvSpPr>
-        <p:spPr>
-          <a:xfrm>
-            <a:off x="2098596" y="4318040"/>
-            <a:ext cx="8106370" cy="982980"/>
+              <a:rPr lang="en-US" sz="2000" dirty="0">
+                <a:solidFill>
+                  <a:srgbClr val="DAD1E6"/>
+                </a:solidFill>
+                <a:latin typeface="Dubai Light" pitchFamily="34" charset="-78"/>
+                <a:ea typeface="Fira Sans" pitchFamily="34" charset="-122"/>
+                <a:cs typeface="Dubai Light" pitchFamily="34" charset="-78"/>
+              </a:rPr>
+              <a:t>An order to buy or sell a security at a specific price or better.</a:t>
+            </a:r>
+            <a:endParaRPr lang="en-US" sz="2000" dirty="0">
+              <a:latin typeface="Dubai Light" pitchFamily="34" charset="-78"/>
+              <a:cs typeface="Dubai Light" pitchFamily="34" charset="-78"/>
+            </a:endParaRPr>
+          </a:p>
+        </p:txBody>
+      </p:sp>
+      <p:sp>
+        <p:nvSpPr>
+          <p:cNvPr id="21" name="Text 19"/>
+          <p:cNvSpPr/>
+          <p:nvPr/>
+        </p:nvSpPr>
+        <p:spPr>
+          <a:xfrm>
+            <a:off x="6835513" y="5476110"/>
+            <a:ext cx="4631395" cy="583883"/>
           </a:xfrm>
           <a:prstGeom prst="rect">
             <a:avLst/>
@@ -6225,23 +6606,12 @@
           <a:bodyPr wrap="square" rtlCol="0" anchor="t"/>
           <a:lstStyle/>
           <a:p>
-            <a:pPr marL="0" indent="0" algn="l">
-              <a:lnSpc>
-                <a:spcPts val="2580"/>
+            <a:pPr marL="0" indent="0">
+              <a:lnSpc>
+                <a:spcPts val="2299"/>
               </a:lnSpc>
               <a:buNone/>
             </a:pPr>
-            <a:r>
-              <a:rPr lang="en-US" sz="2000" dirty="0">
-                <a:solidFill>
-                  <a:srgbClr val="DAD1E6"/>
-                </a:solidFill>
-                <a:latin typeface="Dubai Light" pitchFamily="34" charset="-78"/>
-                <a:ea typeface="Fira Sans" pitchFamily="34" charset="-122"/>
-                <a:cs typeface="Dubai Light" pitchFamily="34" charset="-78"/>
-              </a:rPr>
-              <a:t>By facilitating the trading process, offering real-time market data, and ensuring the security of transactions, the Broker System aims to empower brokers and traders to make informed decisions and execute trades efficiently.</a:t>
-            </a:r>
             <a:endParaRPr lang="en-US" sz="2000" dirty="0">
               <a:latin typeface="Dubai Light" pitchFamily="34" charset="-78"/>
               <a:cs typeface="Dubai Light" pitchFamily="34" charset="-78"/>
@@ -6249,123 +6619,9 @@
           </a:p>
         </p:txBody>
       </p:sp>
-      <p:pic>
-        <p:nvPicPr>
-          <p:cNvPr id="12" name="Image 3" descr="preencoded.png"/>
-          <p:cNvPicPr>
-            <a:picLocks noChangeAspect="1"/>
-          </p:cNvPicPr>
-          <p:nvPr/>
-        </p:nvPicPr>
-        <p:blipFill>
-          <a:blip r:embed="rId6"/>
-          <a:stretch>
-            <a:fillRect/>
-          </a:stretch>
-        </p:blipFill>
-        <p:spPr>
-          <a:xfrm>
-            <a:off x="767834" y="5505688"/>
-            <a:ext cx="1023699" cy="1834991"/>
-          </a:xfrm>
-          <a:prstGeom prst="rect">
-            <a:avLst/>
-          </a:prstGeom>
-        </p:spPr>
-      </p:pic>
-      <p:sp>
-        <p:nvSpPr>
-          <p:cNvPr id="13" name="Text 7"/>
-          <p:cNvSpPr/>
-          <p:nvPr/>
-        </p:nvSpPr>
-        <p:spPr>
-          <a:xfrm>
-            <a:off x="2098596" y="5710357"/>
-            <a:ext cx="2559368" cy="319921"/>
-          </a:xfrm>
-          <a:prstGeom prst="rect">
-            <a:avLst/>
-          </a:prstGeom>
-          <a:noFill/>
-          <a:ln/>
-        </p:spPr>
-        <p:txBody>
-          <a:bodyPr wrap="none" rtlCol="0" anchor="t"/>
-          <a:lstStyle/>
-          <a:p>
-            <a:pPr marL="0" indent="0" algn="l">
-              <a:lnSpc>
-                <a:spcPts val="2519"/>
-              </a:lnSpc>
-              <a:buNone/>
-            </a:pPr>
-            <a:r>
-              <a:rPr lang="en-US" sz="2800" b="1" dirty="0">
-                <a:solidFill>
-                  <a:srgbClr val="FF726D"/>
-                </a:solidFill>
-                <a:latin typeface="Dubai Light" pitchFamily="34" charset="-78"/>
-                <a:ea typeface="Inconsolata" pitchFamily="34" charset="-122"/>
-                <a:cs typeface="Dubai Light" pitchFamily="34" charset="-78"/>
-              </a:rPr>
-              <a:t>Scalable Solution</a:t>
-            </a:r>
-            <a:endParaRPr lang="en-US" sz="2800" dirty="0">
-              <a:latin typeface="Dubai Light" pitchFamily="34" charset="-78"/>
-              <a:cs typeface="Dubai Light" pitchFamily="34" charset="-78"/>
-            </a:endParaRPr>
-          </a:p>
-        </p:txBody>
-      </p:sp>
-      <p:sp>
-        <p:nvSpPr>
-          <p:cNvPr id="14" name="Text 8"/>
-          <p:cNvSpPr/>
-          <p:nvPr/>
-        </p:nvSpPr>
-        <p:spPr>
-          <a:xfrm>
-            <a:off x="2098596" y="6153031"/>
-            <a:ext cx="8106370" cy="982980"/>
-          </a:xfrm>
-          <a:prstGeom prst="rect">
-            <a:avLst/>
-          </a:prstGeom>
-          <a:noFill/>
-          <a:ln/>
-        </p:spPr>
-        <p:txBody>
-          <a:bodyPr wrap="square" rtlCol="0" anchor="t"/>
-          <a:lstStyle/>
-          <a:p>
-            <a:pPr marL="0" indent="0" algn="l">
-              <a:lnSpc>
-                <a:spcPts val="2580"/>
-              </a:lnSpc>
-              <a:buNone/>
-            </a:pPr>
-            <a:r>
-              <a:rPr lang="en-US" sz="2000" dirty="0">
-                <a:solidFill>
-                  <a:srgbClr val="DAD1E6"/>
-                </a:solidFill>
-                <a:latin typeface="Dubai Light" pitchFamily="34" charset="-78"/>
-                <a:ea typeface="Fira Sans" pitchFamily="34" charset="-122"/>
-                <a:cs typeface="Dubai Light" pitchFamily="34" charset="-78"/>
-              </a:rPr>
-              <a:t>The system's scalable architecture and focus on performance, security, and reliability ensure that the Broker System can accommodate a growing user base and high transaction volumes, making it a comprehensive solution for the financial industry.</a:t>
-            </a:r>
-            <a:endParaRPr lang="en-US" sz="2000" dirty="0">
-              <a:latin typeface="Dubai Light" pitchFamily="34" charset="-78"/>
-              <a:cs typeface="Dubai Light" pitchFamily="34" charset="-78"/>
-            </a:endParaRPr>
-          </a:p>
-        </p:txBody>
-      </p:sp>
-      <p:sp>
-        <p:nvSpPr>
-          <p:cNvPr id="16" name="Text 7"/>
+      <p:sp>
+        <p:nvSpPr>
+          <p:cNvPr id="23" name="Text 7"/>
           <p:cNvSpPr/>
           <p:nvPr/>
         </p:nvSpPr>
@@ -6391,7 +6647,7 @@
               <a:buNone/>
             </a:pPr>
             <a:fld id="{A164F1BD-093E-434A-ACDC-F809A400B6E4}" type="slidenum">
-              <a:rPr lang="en-US" sz="3200" b="1" smtClean="0">
+              <a:rPr lang="en-US" sz="3600" b="1" smtClean="0">
                 <a:solidFill>
                   <a:srgbClr val="FF726D"/>
                 </a:solidFill>
@@ -6401,12 +6657,30 @@
               </a:rPr>
               <a:t>8</a:t>
             </a:fld>
-            <a:endParaRPr lang="en-US" sz="3200" dirty="0">
-              <a:latin typeface="Dubai Light" pitchFamily="34" charset="-78"/>
-              <a:cs typeface="Dubai Light" pitchFamily="34" charset="-78"/>
-            </a:endParaRPr>
-          </a:p>
-        </p:txBody>
+            <a:endParaRPr lang="en-US" sz="3600" dirty="0">
+              <a:latin typeface="Dubai Light" pitchFamily="34" charset="-78"/>
+              <a:cs typeface="Dubai Light" pitchFamily="34" charset="-78"/>
+            </a:endParaRPr>
+          </a:p>
+        </p:txBody>
+      </p:sp>
+      <p:sp>
+        <p:nvSpPr>
+          <p:cNvPr id="24" name="Shape 10"/>
+          <p:cNvSpPr/>
+          <p:nvPr/>
+        </p:nvSpPr>
+        <p:spPr>
+          <a:xfrm>
+            <a:off x="2620698" y="6852580"/>
+            <a:ext cx="8668226" cy="817959"/>
+          </a:xfrm>
+          <a:prstGeom prst="rect">
+            <a:avLst/>
+          </a:prstGeom>
+          <a:noFill/>
+          <a:ln/>
+        </p:spPr>
       </p:sp>
     </p:spTree>
   </p:cSld>
@@ -6425,7 +6699,7 @@
 
 <file path=ppt/slides/slide9.xml><?xml version="1.0" encoding="utf-8"?>
 <p:sld xmlns:a="http://schemas.openxmlformats.org/drawingml/2006/main" xmlns:r="http://schemas.openxmlformats.org/officeDocument/2006/relationships" xmlns:p="http://schemas.openxmlformats.org/presentationml/2006/main">
-  <p:cSld name="Slide 9">
+  <p:cSld name="Slide 8">
     <p:spTree>
       <p:nvGrpSpPr>
         <p:cNvPr id="1" name=""/>
@@ -6480,16 +6754,40 @@
           <a:ln/>
         </p:spPr>
       </p:sp>
-      <p:sp>
-        <p:nvSpPr>
-          <p:cNvPr id="4" name="Text 2"/>
-          <p:cNvSpPr/>
-          <p:nvPr/>
-        </p:nvSpPr>
-        <p:spPr>
-          <a:xfrm>
-            <a:off x="2037993" y="1154668"/>
-            <a:ext cx="5554980" cy="694373"/>
+      <p:pic>
+        <p:nvPicPr>
+          <p:cNvPr id="4" name="Image 0" descr="preencoded.png"/>
+          <p:cNvPicPr>
+            <a:picLocks noChangeAspect="1"/>
+          </p:cNvPicPr>
+          <p:nvPr/>
+        </p:nvPicPr>
+        <p:blipFill>
+          <a:blip r:embed="rId3"/>
+          <a:stretch>
+            <a:fillRect/>
+          </a:stretch>
+        </p:blipFill>
+        <p:spPr>
+          <a:xfrm>
+            <a:off x="10980420" y="0"/>
+            <a:ext cx="3657600" cy="8229600"/>
+          </a:xfrm>
+          <a:prstGeom prst="rect">
+            <a:avLst/>
+          </a:prstGeom>
+        </p:spPr>
+      </p:pic>
+      <p:sp>
+        <p:nvSpPr>
+          <p:cNvPr id="5" name="Text 2"/>
+          <p:cNvSpPr/>
+          <p:nvPr/>
+        </p:nvSpPr>
+        <p:spPr>
+          <a:xfrm>
+            <a:off x="767834" y="888921"/>
+            <a:ext cx="5118854" cy="639723"/>
           </a:xfrm>
           <a:prstGeom prst="rect">
             <a:avLst/>
@@ -6503,7 +6801,7 @@
           <a:p>
             <a:pPr marL="0" indent="0">
               <a:lnSpc>
-                <a:spcPts val="5468"/>
+                <a:spcPts val="5038"/>
               </a:lnSpc>
               <a:buNone/>
             </a:pPr>
@@ -6516,7 +6814,7 @@
                 <a:ea typeface="Inconsolata" pitchFamily="34" charset="-122"/>
                 <a:cs typeface="Dubai Light" pitchFamily="34" charset="-78"/>
               </a:rPr>
-              <a:t>Future Developments</a:t>
+              <a:t>Conclusion</a:t>
             </a:r>
             <a:endParaRPr lang="en-US" sz="4800" dirty="0">
               <a:latin typeface="Dubai Light" pitchFamily="34" charset="-78"/>
@@ -6525,16 +6823,40 @@
           </a:p>
         </p:txBody>
       </p:sp>
-      <p:sp>
-        <p:nvSpPr>
-          <p:cNvPr id="5" name="Text 3"/>
-          <p:cNvSpPr/>
-          <p:nvPr/>
-        </p:nvSpPr>
-        <p:spPr>
-          <a:xfrm>
-            <a:off x="2037993" y="2404467"/>
-            <a:ext cx="2777490" cy="347186"/>
+      <p:pic>
+        <p:nvPicPr>
+          <p:cNvPr id="6" name="Image 1" descr="preencoded.png"/>
+          <p:cNvPicPr>
+            <a:picLocks noChangeAspect="1"/>
+          </p:cNvPicPr>
+          <p:nvPr/>
+        </p:nvPicPr>
+        <p:blipFill>
+          <a:blip r:embed="rId4"/>
+          <a:stretch>
+            <a:fillRect/>
+          </a:stretch>
+        </p:blipFill>
+        <p:spPr>
+          <a:xfrm>
+            <a:off x="767834" y="1835706"/>
+            <a:ext cx="1023699" cy="1834991"/>
+          </a:xfrm>
+          <a:prstGeom prst="rect">
+            <a:avLst/>
+          </a:prstGeom>
+        </p:spPr>
+      </p:pic>
+      <p:sp>
+        <p:nvSpPr>
+          <p:cNvPr id="7" name="Text 3"/>
+          <p:cNvSpPr/>
+          <p:nvPr/>
+        </p:nvSpPr>
+        <p:spPr>
+          <a:xfrm>
+            <a:off x="2098596" y="2040374"/>
+            <a:ext cx="2559368" cy="319921"/>
           </a:xfrm>
           <a:prstGeom prst="rect">
             <a:avLst/>
@@ -6546,9 +6868,9 @@
           <a:bodyPr wrap="none" rtlCol="0" anchor="t"/>
           <a:lstStyle/>
           <a:p>
-            <a:pPr marL="0" indent="0">
-              <a:lnSpc>
-                <a:spcPts val="2734"/>
+            <a:pPr marL="0" indent="0" algn="l">
+              <a:lnSpc>
+                <a:spcPts val="2519"/>
               </a:lnSpc>
               <a:buNone/>
             </a:pPr>
@@ -6561,7 +6883,7 @@
                 <a:ea typeface="Inconsolata" pitchFamily="34" charset="-122"/>
                 <a:cs typeface="Dubai Light" pitchFamily="34" charset="-78"/>
               </a:rPr>
-              <a:t>Mobile Trading</a:t>
+              <a:t>Robust Platform</a:t>
             </a:r>
             <a:endParaRPr lang="en-US" sz="2800" dirty="0">
               <a:latin typeface="Dubai Light" pitchFamily="34" charset="-78"/>
@@ -6572,14 +6894,14 @@
       </p:sp>
       <p:sp>
         <p:nvSpPr>
-          <p:cNvPr id="6" name="Text 4"/>
-          <p:cNvSpPr/>
-          <p:nvPr/>
-        </p:nvSpPr>
-        <p:spPr>
-          <a:xfrm>
-            <a:off x="2037993" y="2973824"/>
-            <a:ext cx="3156347" cy="2487811"/>
+          <p:cNvPr id="8" name="Text 4"/>
+          <p:cNvSpPr/>
+          <p:nvPr/>
+        </p:nvSpPr>
+        <p:spPr>
+          <a:xfrm>
+            <a:off x="2098596" y="2483048"/>
+            <a:ext cx="8106370" cy="982980"/>
           </a:xfrm>
           <a:prstGeom prst="rect">
             <a:avLst/>
@@ -6591,9 +6913,9 @@
           <a:bodyPr wrap="square" rtlCol="0" anchor="t"/>
           <a:lstStyle/>
           <a:p>
-            <a:pPr marL="0" indent="0">
-              <a:lnSpc>
-                <a:spcPts val="2799"/>
+            <a:pPr marL="0" indent="0" algn="l">
+              <a:lnSpc>
+                <a:spcPts val="2580"/>
               </a:lnSpc>
               <a:buNone/>
             </a:pPr>
@@ -6606,7 +6928,7 @@
                 <a:ea typeface="Fira Sans" pitchFamily="34" charset="-122"/>
                 <a:cs typeface="Dubai Light" pitchFamily="34" charset="-78"/>
               </a:rPr>
-              <a:t>The Broker System plans to introduce a mobile trading platform, allowing users to access the system and execute trades on-the-go, further enhancing the convenience and flexibility of the platform.</a:t>
+              <a:t>The Broker System is designed to provide a robust, secure, and user-friendly platform for trading financial securities, addressing both functional and non-functional requirements to deliver an exceptional user experience.</a:t>
             </a:r>
             <a:endParaRPr lang="en-US" sz="2000" dirty="0">
               <a:latin typeface="Dubai Light" pitchFamily="34" charset="-78"/>
@@ -6615,16 +6937,84 @@
           </a:p>
         </p:txBody>
       </p:sp>
-      <p:sp>
-        <p:nvSpPr>
-          <p:cNvPr id="7" name="Text 5"/>
-          <p:cNvSpPr/>
-          <p:nvPr/>
-        </p:nvSpPr>
-        <p:spPr>
-          <a:xfrm>
-            <a:off x="5743932" y="2404467"/>
-            <a:ext cx="3156347" cy="694373"/>
+      <p:pic>
+        <p:nvPicPr>
+          <p:cNvPr id="9" name="Image 2" descr="preencoded.png"/>
+          <p:cNvPicPr>
+            <a:picLocks noChangeAspect="1"/>
+          </p:cNvPicPr>
+          <p:nvPr/>
+        </p:nvPicPr>
+        <p:blipFill>
+          <a:blip r:embed="rId5"/>
+          <a:stretch>
+            <a:fillRect/>
+          </a:stretch>
+        </p:blipFill>
+        <p:spPr>
+          <a:xfrm>
+            <a:off x="767834" y="3670697"/>
+            <a:ext cx="1023699" cy="1834991"/>
+          </a:xfrm>
+          <a:prstGeom prst="rect">
+            <a:avLst/>
+          </a:prstGeom>
+        </p:spPr>
+      </p:pic>
+      <p:sp>
+        <p:nvSpPr>
+          <p:cNvPr id="10" name="Text 5"/>
+          <p:cNvSpPr/>
+          <p:nvPr/>
+        </p:nvSpPr>
+        <p:spPr>
+          <a:xfrm>
+            <a:off x="2098596" y="3875365"/>
+            <a:ext cx="2559368" cy="319921"/>
+          </a:xfrm>
+          <a:prstGeom prst="rect">
+            <a:avLst/>
+          </a:prstGeom>
+          <a:noFill/>
+          <a:ln/>
+        </p:spPr>
+        <p:txBody>
+          <a:bodyPr wrap="none" rtlCol="0" anchor="t"/>
+          <a:lstStyle/>
+          <a:p>
+            <a:pPr>
+              <a:lnSpc>
+                <a:spcPts val="2519"/>
+              </a:lnSpc>
+            </a:pPr>
+            <a:r>
+              <a:rPr lang="en-US" sz="2800" b="1" dirty="0">
+                <a:solidFill>
+                  <a:srgbClr val="FF726D"/>
+                </a:solidFill>
+                <a:latin typeface="Dubai Light" pitchFamily="34" charset="-78"/>
+                <a:ea typeface="Inconsolata" pitchFamily="34" charset="-122"/>
+                <a:cs typeface="Dubai Light" pitchFamily="34" charset="-78"/>
+              </a:rPr>
+              <a:t>Simplified Exchange</a:t>
+            </a:r>
+            <a:endParaRPr lang="en-US" sz="2800" dirty="0">
+              <a:latin typeface="Dubai Light" pitchFamily="34" charset="-78"/>
+              <a:cs typeface="Dubai Light" pitchFamily="34" charset="-78"/>
+            </a:endParaRPr>
+          </a:p>
+        </p:txBody>
+      </p:sp>
+      <p:sp>
+        <p:nvSpPr>
+          <p:cNvPr id="11" name="Text 6"/>
+          <p:cNvSpPr/>
+          <p:nvPr/>
+        </p:nvSpPr>
+        <p:spPr>
+          <a:xfrm>
+            <a:off x="2098596" y="4318040"/>
+            <a:ext cx="8106370" cy="982980"/>
           </a:xfrm>
           <a:prstGeom prst="rect">
             <a:avLst/>
@@ -6636,13 +7026,82 @@
           <a:bodyPr wrap="square" rtlCol="0" anchor="t"/>
           <a:lstStyle/>
           <a:p>
-            <a:pPr marL="0" indent="0">
-              <a:lnSpc>
-                <a:spcPts val="2734"/>
+            <a:pPr marL="0" indent="0" algn="l">
+              <a:lnSpc>
+                <a:spcPts val="2580"/>
               </a:lnSpc>
               <a:buNone/>
             </a:pPr>
             <a:r>
+              <a:rPr lang="en-US" sz="2000" dirty="0">
+                <a:solidFill>
+                  <a:srgbClr val="DAD1E6"/>
+                </a:solidFill>
+                <a:latin typeface="Dubai Light" pitchFamily="34" charset="-78"/>
+                <a:ea typeface="Fira Sans" pitchFamily="34" charset="-122"/>
+                <a:cs typeface="Dubai Light" pitchFamily="34" charset="-78"/>
+              </a:rPr>
+              <a:t>By facilitating the trading process, offering real-time market data, and ensuring the security of transactions, the Broker System aims to empower brokers and traders to make informed decisions and execute trades efficiently.</a:t>
+            </a:r>
+            <a:endParaRPr lang="en-US" sz="2000" dirty="0">
+              <a:latin typeface="Dubai Light" pitchFamily="34" charset="-78"/>
+              <a:cs typeface="Dubai Light" pitchFamily="34" charset="-78"/>
+            </a:endParaRPr>
+          </a:p>
+        </p:txBody>
+      </p:sp>
+      <p:pic>
+        <p:nvPicPr>
+          <p:cNvPr id="12" name="Image 3" descr="preencoded.png"/>
+          <p:cNvPicPr>
+            <a:picLocks noChangeAspect="1"/>
+          </p:cNvPicPr>
+          <p:nvPr/>
+        </p:nvPicPr>
+        <p:blipFill>
+          <a:blip r:embed="rId6"/>
+          <a:stretch>
+            <a:fillRect/>
+          </a:stretch>
+        </p:blipFill>
+        <p:spPr>
+          <a:xfrm>
+            <a:off x="767834" y="5505688"/>
+            <a:ext cx="1023699" cy="1834991"/>
+          </a:xfrm>
+          <a:prstGeom prst="rect">
+            <a:avLst/>
+          </a:prstGeom>
+        </p:spPr>
+      </p:pic>
+      <p:sp>
+        <p:nvSpPr>
+          <p:cNvPr id="13" name="Text 7"/>
+          <p:cNvSpPr/>
+          <p:nvPr/>
+        </p:nvSpPr>
+        <p:spPr>
+          <a:xfrm>
+            <a:off x="2098596" y="5710357"/>
+            <a:ext cx="2559368" cy="319921"/>
+          </a:xfrm>
+          <a:prstGeom prst="rect">
+            <a:avLst/>
+          </a:prstGeom>
+          <a:noFill/>
+          <a:ln/>
+        </p:spPr>
+        <p:txBody>
+          <a:bodyPr wrap="none" rtlCol="0" anchor="t"/>
+          <a:lstStyle/>
+          <a:p>
+            <a:pPr marL="0" indent="0" algn="l">
+              <a:lnSpc>
+                <a:spcPts val="2519"/>
+              </a:lnSpc>
+              <a:buNone/>
+            </a:pPr>
+            <a:r>
               <a:rPr lang="en-US" sz="2800" b="1" dirty="0">
                 <a:solidFill>
                   <a:srgbClr val="FF726D"/>
@@ -6651,7 +7110,7 @@
                 <a:ea typeface="Inconsolata" pitchFamily="34" charset="-122"/>
                 <a:cs typeface="Dubai Light" pitchFamily="34" charset="-78"/>
               </a:rPr>
-              <a:t>Artificial Intelligence</a:t>
+              <a:t>Scalable Solution</a:t>
             </a:r>
             <a:endParaRPr lang="en-US" sz="2800" dirty="0">
               <a:latin typeface="Dubai Light" pitchFamily="34" charset="-78"/>
@@ -6662,14 +7121,14 @@
       </p:sp>
       <p:sp>
         <p:nvSpPr>
-          <p:cNvPr id="8" name="Text 6"/>
-          <p:cNvSpPr/>
-          <p:nvPr/>
-        </p:nvSpPr>
-        <p:spPr>
-          <a:xfrm>
-            <a:off x="5743932" y="3321010"/>
-            <a:ext cx="3156347" cy="3554016"/>
+          <p:cNvPr id="14" name="Text 8"/>
+          <p:cNvSpPr/>
+          <p:nvPr/>
+        </p:nvSpPr>
+        <p:spPr>
+          <a:xfrm>
+            <a:off x="2098596" y="6153031"/>
+            <a:ext cx="8106370" cy="982980"/>
           </a:xfrm>
           <a:prstGeom prst="rect">
             <a:avLst/>
@@ -6681,9 +7140,9 @@
           <a:bodyPr wrap="square" rtlCol="0" anchor="t"/>
           <a:lstStyle/>
           <a:p>
-            <a:pPr marL="0" indent="0">
-              <a:lnSpc>
-                <a:spcPts val="2799"/>
+            <a:pPr marL="0" indent="0" algn="l">
+              <a:lnSpc>
+                <a:spcPts val="2580"/>
               </a:lnSpc>
               <a:buNone/>
             </a:pPr>
@@ -6696,7 +7155,7 @@
                 <a:ea typeface="Fira Sans" pitchFamily="34" charset="-122"/>
                 <a:cs typeface="Dubai Light" pitchFamily="34" charset="-78"/>
               </a:rPr>
-              <a:t>The incorporation of advanced analytics and machine learning algorithms will enable the Broker System to provide users with personalized investment recommendations and automated trading strategies, empowering them to make more informed and data-driven decisions.</a:t>
+              <a:t>The system's scalable architecture and focus on performance, security, and reliability ensure that the Broker System can accommodate a growing user base and high transaction volumes, making it a comprehensive solution for the financial industry.</a:t>
             </a:r>
             <a:endParaRPr lang="en-US" sz="2000" dirty="0">
               <a:latin typeface="Dubai Light" pitchFamily="34" charset="-78"/>
@@ -6707,97 +7166,7 @@
       </p:sp>
       <p:sp>
         <p:nvSpPr>
-          <p:cNvPr id="9" name="Text 7"/>
-          <p:cNvSpPr/>
-          <p:nvPr/>
-        </p:nvSpPr>
-        <p:spPr>
-          <a:xfrm>
-            <a:off x="9449872" y="2404467"/>
-            <a:ext cx="3054191" cy="347186"/>
-          </a:xfrm>
-          <a:prstGeom prst="rect">
-            <a:avLst/>
-          </a:prstGeom>
-          <a:noFill/>
-          <a:ln/>
-        </p:spPr>
-        <p:txBody>
-          <a:bodyPr wrap="none" rtlCol="0" anchor="t"/>
-          <a:lstStyle/>
-          <a:p>
-            <a:pPr marL="0" indent="0">
-              <a:lnSpc>
-                <a:spcPts val="2734"/>
-              </a:lnSpc>
-              <a:buNone/>
-            </a:pPr>
-            <a:r>
-              <a:rPr lang="en-US" sz="2800" b="1" dirty="0">
-                <a:solidFill>
-                  <a:srgbClr val="FF726D"/>
-                </a:solidFill>
-                <a:latin typeface="Dubai Light" pitchFamily="34" charset="-78"/>
-                <a:ea typeface="Inconsolata" pitchFamily="34" charset="-122"/>
-                <a:cs typeface="Dubai Light" pitchFamily="34" charset="-78"/>
-              </a:rPr>
-              <a:t>Blockchain Integration</a:t>
-            </a:r>
-            <a:endParaRPr lang="en-US" sz="2800" dirty="0">
-              <a:latin typeface="Dubai Light" pitchFamily="34" charset="-78"/>
-              <a:cs typeface="Dubai Light" pitchFamily="34" charset="-78"/>
-            </a:endParaRPr>
-          </a:p>
-        </p:txBody>
-      </p:sp>
-      <p:sp>
-        <p:nvSpPr>
-          <p:cNvPr id="10" name="Text 8"/>
-          <p:cNvSpPr/>
-          <p:nvPr/>
-        </p:nvSpPr>
-        <p:spPr>
-          <a:xfrm>
-            <a:off x="9449872" y="2973824"/>
-            <a:ext cx="3156347" cy="2843213"/>
-          </a:xfrm>
-          <a:prstGeom prst="rect">
-            <a:avLst/>
-          </a:prstGeom>
-          <a:noFill/>
-          <a:ln/>
-        </p:spPr>
-        <p:txBody>
-          <a:bodyPr wrap="square" rtlCol="0" anchor="t"/>
-          <a:lstStyle/>
-          <a:p>
-            <a:pPr marL="0" indent="0">
-              <a:lnSpc>
-                <a:spcPts val="2799"/>
-              </a:lnSpc>
-              <a:buNone/>
-            </a:pPr>
-            <a:r>
-              <a:rPr lang="en-US" sz="2000" dirty="0">
-                <a:solidFill>
-                  <a:srgbClr val="DAD1E6"/>
-                </a:solidFill>
-                <a:latin typeface="Dubai Light" pitchFamily="34" charset="-78"/>
-                <a:ea typeface="Fira Sans" pitchFamily="34" charset="-122"/>
-                <a:cs typeface="Dubai Light" pitchFamily="34" charset="-78"/>
-              </a:rPr>
-              <a:t>The Broker System is exploring the integration of blockchain technology to enhance the security and transparency of financial transactions, further solidifying its position as a cutting-edge solution in the evolving fintech landscape.</a:t>
-            </a:r>
-            <a:endParaRPr lang="en-US" sz="2000" dirty="0">
-              <a:latin typeface="Dubai Light" pitchFamily="34" charset="-78"/>
-              <a:cs typeface="Dubai Light" pitchFamily="34" charset="-78"/>
-            </a:endParaRPr>
-          </a:p>
-        </p:txBody>
-      </p:sp>
-      <p:sp>
-        <p:nvSpPr>
-          <p:cNvPr id="12" name="Text 7"/>
+          <p:cNvPr id="16" name="Text 7"/>
           <p:cNvSpPr/>
           <p:nvPr/>
         </p:nvSpPr>
